--- a/doc/Лабиринт.pptx
+++ b/doc/Лабиринт.pptx
@@ -2,14 +2,15 @@
 <file path=ppt/presentation.xml><?xml version="1.0" encoding="utf-8"?>
 <p:presentation xmlns:a="http://schemas.openxmlformats.org/drawingml/2006/main" xmlns:r="http://schemas.openxmlformats.org/officeDocument/2006/relationships" xmlns:p="http://schemas.openxmlformats.org/presentationml/2006/main" saveSubsetFonts="1">
   <p:sldMasterIdLst>
-    <p:sldMasterId id="2147483648" r:id="rId1"/>
+    <p:sldMasterId id="2147483660" r:id="rId1"/>
   </p:sldMasterIdLst>
   <p:sldIdLst>
     <p:sldId id="256" r:id="rId2"/>
     <p:sldId id="257" r:id="rId3"/>
     <p:sldId id="258" r:id="rId4"/>
     <p:sldId id="259" r:id="rId5"/>
-    <p:sldId id="260" r:id="rId6"/>
+    <p:sldId id="261" r:id="rId6"/>
+    <p:sldId id="260" r:id="rId7"/>
   </p:sldIdLst>
   <p:sldSz cx="12192000" cy="6858000"/>
   <p:notesSz cx="6858000" cy="9144000"/>
@@ -17,7 +18,7 @@
     <a:defPPr>
       <a:defRPr lang="en-US"/>
     </a:defPPr>
-    <a:lvl1pPr marL="0" algn="l" defTabSz="914400" rtl="0" eaLnBrk="1" latinLnBrk="0" hangingPunct="1">
+    <a:lvl1pPr marL="0" algn="l" defTabSz="457200" rtl="0" eaLnBrk="1" latinLnBrk="0" hangingPunct="1">
       <a:defRPr sz="1800" kern="1200">
         <a:solidFill>
           <a:schemeClr val="tx1"/>
@@ -27,7 +28,7 @@
         <a:cs typeface="+mn-cs"/>
       </a:defRPr>
     </a:lvl1pPr>
-    <a:lvl2pPr marL="457200" algn="l" defTabSz="914400" rtl="0" eaLnBrk="1" latinLnBrk="0" hangingPunct="1">
+    <a:lvl2pPr marL="457200" algn="l" defTabSz="457200" rtl="0" eaLnBrk="1" latinLnBrk="0" hangingPunct="1">
       <a:defRPr sz="1800" kern="1200">
         <a:solidFill>
           <a:schemeClr val="tx1"/>
@@ -37,7 +38,7 @@
         <a:cs typeface="+mn-cs"/>
       </a:defRPr>
     </a:lvl2pPr>
-    <a:lvl3pPr marL="914400" algn="l" defTabSz="914400" rtl="0" eaLnBrk="1" latinLnBrk="0" hangingPunct="1">
+    <a:lvl3pPr marL="914400" algn="l" defTabSz="457200" rtl="0" eaLnBrk="1" latinLnBrk="0" hangingPunct="1">
       <a:defRPr sz="1800" kern="1200">
         <a:solidFill>
           <a:schemeClr val="tx1"/>
@@ -47,7 +48,7 @@
         <a:cs typeface="+mn-cs"/>
       </a:defRPr>
     </a:lvl3pPr>
-    <a:lvl4pPr marL="1371600" algn="l" defTabSz="914400" rtl="0" eaLnBrk="1" latinLnBrk="0" hangingPunct="1">
+    <a:lvl4pPr marL="1371600" algn="l" defTabSz="457200" rtl="0" eaLnBrk="1" latinLnBrk="0" hangingPunct="1">
       <a:defRPr sz="1800" kern="1200">
         <a:solidFill>
           <a:schemeClr val="tx1"/>
@@ -57,7 +58,7 @@
         <a:cs typeface="+mn-cs"/>
       </a:defRPr>
     </a:lvl4pPr>
-    <a:lvl5pPr marL="1828800" algn="l" defTabSz="914400" rtl="0" eaLnBrk="1" latinLnBrk="0" hangingPunct="1">
+    <a:lvl5pPr marL="1828800" algn="l" defTabSz="457200" rtl="0" eaLnBrk="1" latinLnBrk="0" hangingPunct="1">
       <a:defRPr sz="1800" kern="1200">
         <a:solidFill>
           <a:schemeClr val="tx1"/>
@@ -67,7 +68,7 @@
         <a:cs typeface="+mn-cs"/>
       </a:defRPr>
     </a:lvl5pPr>
-    <a:lvl6pPr marL="2286000" algn="l" defTabSz="914400" rtl="0" eaLnBrk="1" latinLnBrk="0" hangingPunct="1">
+    <a:lvl6pPr marL="2286000" algn="l" defTabSz="457200" rtl="0" eaLnBrk="1" latinLnBrk="0" hangingPunct="1">
       <a:defRPr sz="1800" kern="1200">
         <a:solidFill>
           <a:schemeClr val="tx1"/>
@@ -77,7 +78,7 @@
         <a:cs typeface="+mn-cs"/>
       </a:defRPr>
     </a:lvl6pPr>
-    <a:lvl7pPr marL="2743200" algn="l" defTabSz="914400" rtl="0" eaLnBrk="1" latinLnBrk="0" hangingPunct="1">
+    <a:lvl7pPr marL="2743200" algn="l" defTabSz="457200" rtl="0" eaLnBrk="1" latinLnBrk="0" hangingPunct="1">
       <a:defRPr sz="1800" kern="1200">
         <a:solidFill>
           <a:schemeClr val="tx1"/>
@@ -87,7 +88,7 @@
         <a:cs typeface="+mn-cs"/>
       </a:defRPr>
     </a:lvl7pPr>
-    <a:lvl8pPr marL="3200400" algn="l" defTabSz="914400" rtl="0" eaLnBrk="1" latinLnBrk="0" hangingPunct="1">
+    <a:lvl8pPr marL="3200400" algn="l" defTabSz="457200" rtl="0" eaLnBrk="1" latinLnBrk="0" hangingPunct="1">
       <a:defRPr sz="1800" kern="1200">
         <a:solidFill>
           <a:schemeClr val="tx1"/>
@@ -97,7 +98,7 @@
         <a:cs typeface="+mn-cs"/>
       </a:defRPr>
     </a:lvl8pPr>
-    <a:lvl9pPr marL="3657600" algn="l" defTabSz="914400" rtl="0" eaLnBrk="1" latinLnBrk="0" hangingPunct="1">
+    <a:lvl9pPr marL="3657600" algn="l" defTabSz="457200" rtl="0" eaLnBrk="1" latinLnBrk="0" hangingPunct="1">
       <a:defRPr sz="1800" kern="1200">
         <a:solidFill>
           <a:schemeClr val="tx1"/>
@@ -108,6 +109,11 @@
       </a:defRPr>
     </a:lvl9pPr>
   </p:defaultTextStyle>
+  <p:extLst>
+    <p:ext uri="{EFAFB233-063F-42B5-8137-9DF3F51BA10A}">
+      <p15:sldGuideLst xmlns:p15="http://schemas.microsoft.com/office/powerpoint/2012/main"/>
+    </p:ext>
+  </p:extLst>
 </p:presentation>
 </file>
 
@@ -130,13 +136,111 @@
       </p:grpSpPr>
       <p:sp>
         <p:nvSpPr>
-          <p:cNvPr id="2" name="Title 1">
-            <a:extLst>
-              <a:ext uri="{FF2B5EF4-FFF2-40B4-BE49-F238E27FC236}">
-                <a16:creationId xmlns:a16="http://schemas.microsoft.com/office/drawing/2014/main" id="{DE668A0A-24C0-4198-B4CF-D304D44DFE03}"/>
-              </a:ext>
-            </a:extLst>
-          </p:cNvPr>
+          <p:cNvPr id="11" name="Freeform 6"/>
+          <p:cNvSpPr/>
+          <p:nvPr/>
+        </p:nvSpPr>
+        <p:spPr bwMode="auto">
+          <a:xfrm>
+            <a:off x="0" y="-3175"/>
+            <a:ext cx="12192000" cy="5203825"/>
+          </a:xfrm>
+          <a:custGeom>
+            <a:avLst/>
+            <a:gdLst/>
+            <a:ahLst/>
+            <a:cxnLst/>
+            <a:rect l="0" t="0" r="r" b="b"/>
+            <a:pathLst>
+              <a:path w="5760" h="3278">
+                <a:moveTo>
+                  <a:pt x="5760" y="0"/>
+                </a:moveTo>
+                <a:lnTo>
+                  <a:pt x="0" y="0"/>
+                </a:lnTo>
+                <a:lnTo>
+                  <a:pt x="0" y="3090"/>
+                </a:lnTo>
+                <a:lnTo>
+                  <a:pt x="943" y="3090"/>
+                </a:lnTo>
+                <a:lnTo>
+                  <a:pt x="1123" y="3270"/>
+                </a:lnTo>
+                <a:lnTo>
+                  <a:pt x="1123" y="3270"/>
+                </a:lnTo>
+                <a:lnTo>
+                  <a:pt x="1127" y="3272"/>
+                </a:lnTo>
+                <a:lnTo>
+                  <a:pt x="1133" y="3275"/>
+                </a:lnTo>
+                <a:lnTo>
+                  <a:pt x="1139" y="3278"/>
+                </a:lnTo>
+                <a:lnTo>
+                  <a:pt x="1144" y="3278"/>
+                </a:lnTo>
+                <a:lnTo>
+                  <a:pt x="1150" y="3278"/>
+                </a:lnTo>
+                <a:lnTo>
+                  <a:pt x="1155" y="3275"/>
+                </a:lnTo>
+                <a:lnTo>
+                  <a:pt x="1161" y="3272"/>
+                </a:lnTo>
+                <a:lnTo>
+                  <a:pt x="1165" y="3270"/>
+                </a:lnTo>
+                <a:lnTo>
+                  <a:pt x="1345" y="3090"/>
+                </a:lnTo>
+                <a:lnTo>
+                  <a:pt x="5760" y="3090"/>
+                </a:lnTo>
+                <a:lnTo>
+                  <a:pt x="5760" y="0"/>
+                </a:lnTo>
+                <a:close/>
+              </a:path>
+            </a:pathLst>
+          </a:custGeom>
+          <a:ln/>
+          <a:effectLst/>
+          <a:extLst>
+            <a:ext uri="{91240B29-F687-4f45-9708-019B960494DF}">
+              <a14:hiddenLine xmlns:a14="http://schemas.microsoft.com/office/drawing/2010/main" xmlns="" w="9525">
+                <a:solidFill>
+                  <a:srgbClr val="000000"/>
+                </a:solidFill>
+                <a:round/>
+                <a:headEnd/>
+                <a:tailEnd/>
+              </a14:hiddenLine>
+            </a:ext>
+          </a:extLst>
+        </p:spPr>
+        <p:style>
+          <a:lnRef idx="1">
+            <a:schemeClr val="accent1"/>
+          </a:lnRef>
+          <a:fillRef idx="3">
+            <a:schemeClr val="accent1"/>
+          </a:fillRef>
+          <a:effectRef idx="2">
+            <a:schemeClr val="accent1"/>
+          </a:effectRef>
+          <a:fontRef idx="minor">
+            <a:schemeClr val="lt1"/>
+          </a:fontRef>
+        </p:style>
+      </p:sp>
+      <p:sp>
+        <p:nvSpPr>
+          <p:cNvPr id="2" name="Title 1"/>
           <p:cNvSpPr>
             <a:spLocks noGrp="1"/>
           </p:cNvSpPr>
@@ -146,15 +250,15 @@
         </p:nvSpPr>
         <p:spPr>
           <a:xfrm>
-            <a:off x="1524000" y="1122363"/>
-            <a:ext cx="9144000" cy="2387600"/>
+            <a:off x="810001" y="1449147"/>
+            <a:ext cx="10572000" cy="2971051"/>
           </a:xfrm>
         </p:spPr>
         <p:txBody>
-          <a:bodyPr anchor="b"/>
+          <a:bodyPr/>
           <a:lstStyle>
-            <a:lvl1pPr algn="ctr">
-              <a:defRPr sz="6000"/>
+            <a:lvl1pPr>
+              <a:defRPr sz="5400"/>
             </a:lvl1pPr>
           </a:lstStyle>
           <a:p>
@@ -162,18 +266,13 @@
               <a:rPr lang="en-US"/>
               <a:t>Click to edit Master title style</a:t>
             </a:r>
-          </a:p>
-        </p:txBody>
-      </p:sp>
-      <p:sp>
-        <p:nvSpPr>
-          <p:cNvPr id="3" name="Subtitle 2">
-            <a:extLst>
-              <a:ext uri="{FF2B5EF4-FFF2-40B4-BE49-F238E27FC236}">
-                <a16:creationId xmlns:a16="http://schemas.microsoft.com/office/drawing/2014/main" id="{0620E208-E848-4B8D-9CCB-A40952DA8006}"/>
-              </a:ext>
-            </a:extLst>
-          </p:cNvPr>
+            <a:endParaRPr lang="en-US" dirty="0"/>
+          </a:p>
+        </p:txBody>
+      </p:sp>
+      <p:sp>
+        <p:nvSpPr>
+          <p:cNvPr id="3" name="Subtitle 2"/>
           <p:cNvSpPr>
             <a:spLocks noGrp="1"/>
           </p:cNvSpPr>
@@ -183,48 +282,100 @@
         </p:nvSpPr>
         <p:spPr>
           <a:xfrm>
-            <a:off x="1524000" y="3602038"/>
-            <a:ext cx="9144000" cy="1655762"/>
+            <a:off x="810001" y="5280847"/>
+            <a:ext cx="10572000" cy="434974"/>
           </a:xfrm>
         </p:spPr>
         <p:txBody>
-          <a:bodyPr/>
+          <a:bodyPr anchor="t"/>
           <a:lstStyle>
-            <a:lvl1pPr marL="0" indent="0" algn="ctr">
-              <a:buNone/>
-              <a:defRPr sz="2400"/>
+            <a:lvl1pPr marL="0" indent="0" algn="l">
+              <a:buNone/>
+              <a:defRPr>
+                <a:solidFill>
+                  <a:schemeClr val="tx1"/>
+                </a:solidFill>
+              </a:defRPr>
             </a:lvl1pPr>
             <a:lvl2pPr marL="457200" indent="0" algn="ctr">
               <a:buNone/>
-              <a:defRPr sz="2000"/>
+              <a:defRPr>
+                <a:solidFill>
+                  <a:schemeClr val="tx1">
+                    <a:tint val="75000"/>
+                  </a:schemeClr>
+                </a:solidFill>
+              </a:defRPr>
             </a:lvl2pPr>
             <a:lvl3pPr marL="914400" indent="0" algn="ctr">
               <a:buNone/>
-              <a:defRPr sz="1800"/>
+              <a:defRPr>
+                <a:solidFill>
+                  <a:schemeClr val="tx1">
+                    <a:tint val="75000"/>
+                  </a:schemeClr>
+                </a:solidFill>
+              </a:defRPr>
             </a:lvl3pPr>
             <a:lvl4pPr marL="1371600" indent="0" algn="ctr">
               <a:buNone/>
-              <a:defRPr sz="1600"/>
+              <a:defRPr>
+                <a:solidFill>
+                  <a:schemeClr val="tx1">
+                    <a:tint val="75000"/>
+                  </a:schemeClr>
+                </a:solidFill>
+              </a:defRPr>
             </a:lvl4pPr>
             <a:lvl5pPr marL="1828800" indent="0" algn="ctr">
               <a:buNone/>
-              <a:defRPr sz="1600"/>
+              <a:defRPr>
+                <a:solidFill>
+                  <a:schemeClr val="tx1">
+                    <a:tint val="75000"/>
+                  </a:schemeClr>
+                </a:solidFill>
+              </a:defRPr>
             </a:lvl5pPr>
             <a:lvl6pPr marL="2286000" indent="0" algn="ctr">
               <a:buNone/>
-              <a:defRPr sz="1600"/>
+              <a:defRPr>
+                <a:solidFill>
+                  <a:schemeClr val="tx1">
+                    <a:tint val="75000"/>
+                  </a:schemeClr>
+                </a:solidFill>
+              </a:defRPr>
             </a:lvl6pPr>
             <a:lvl7pPr marL="2743200" indent="0" algn="ctr">
               <a:buNone/>
-              <a:defRPr sz="1600"/>
+              <a:defRPr>
+                <a:solidFill>
+                  <a:schemeClr val="tx1">
+                    <a:tint val="75000"/>
+                  </a:schemeClr>
+                </a:solidFill>
+              </a:defRPr>
             </a:lvl7pPr>
             <a:lvl8pPr marL="3200400" indent="0" algn="ctr">
               <a:buNone/>
-              <a:defRPr sz="1600"/>
+              <a:defRPr>
+                <a:solidFill>
+                  <a:schemeClr val="tx1">
+                    <a:tint val="75000"/>
+                  </a:schemeClr>
+                </a:solidFill>
+              </a:defRPr>
             </a:lvl8pPr>
             <a:lvl9pPr marL="3657600" indent="0" algn="ctr">
               <a:buNone/>
-              <a:defRPr sz="1600"/>
+              <a:defRPr>
+                <a:solidFill>
+                  <a:schemeClr val="tx1">
+                    <a:tint val="75000"/>
+                  </a:schemeClr>
+                </a:solidFill>
+              </a:defRPr>
             </a:lvl9pPr>
           </a:lstStyle>
           <a:p>
@@ -232,18 +383,13 @@
               <a:rPr lang="en-US"/>
               <a:t>Click to edit Master subtitle style</a:t>
             </a:r>
-          </a:p>
-        </p:txBody>
-      </p:sp>
-      <p:sp>
-        <p:nvSpPr>
-          <p:cNvPr id="4" name="Date Placeholder 3">
-            <a:extLst>
-              <a:ext uri="{FF2B5EF4-FFF2-40B4-BE49-F238E27FC236}">
-                <a16:creationId xmlns:a16="http://schemas.microsoft.com/office/drawing/2014/main" id="{CE3B1A56-7286-4138-BE9D-E30CBF5ACEA7}"/>
-              </a:ext>
-            </a:extLst>
-          </p:cNvPr>
+            <a:endParaRPr lang="en-US" dirty="0"/>
+          </a:p>
+        </p:txBody>
+      </p:sp>
+      <p:sp>
+        <p:nvSpPr>
+          <p:cNvPr id="4" name="Date Placeholder 3"/>
           <p:cNvSpPr>
             <a:spLocks noGrp="1"/>
           </p:cNvSpPr>
@@ -258,7 +404,7 @@
           <a:p>
             <a:fld id="{F14DD5ED-21E8-403F-A50A-9F652BDD80BA}" type="datetimeFigureOut">
               <a:rPr lang="en-US" smtClean="0"/>
-              <a:t>11/7/2021</a:t>
+              <a:t>11/8/2021</a:t>
             </a:fld>
             <a:endParaRPr lang="en-US"/>
           </a:p>
@@ -266,13 +412,7 @@
       </p:sp>
       <p:sp>
         <p:nvSpPr>
-          <p:cNvPr id="5" name="Footer Placeholder 4">
-            <a:extLst>
-              <a:ext uri="{FF2B5EF4-FFF2-40B4-BE49-F238E27FC236}">
-                <a16:creationId xmlns:a16="http://schemas.microsoft.com/office/drawing/2014/main" id="{8486DCA3-706A-4758-91EE-0AD73C859A1A}"/>
-              </a:ext>
-            </a:extLst>
-          </p:cNvPr>
+          <p:cNvPr id="5" name="Footer Placeholder 4"/>
           <p:cNvSpPr>
             <a:spLocks noGrp="1"/>
           </p:cNvSpPr>
@@ -291,13 +431,7 @@
       </p:sp>
       <p:sp>
         <p:nvSpPr>
-          <p:cNvPr id="6" name="Slide Number Placeholder 5">
-            <a:extLst>
-              <a:ext uri="{FF2B5EF4-FFF2-40B4-BE49-F238E27FC236}">
-                <a16:creationId xmlns:a16="http://schemas.microsoft.com/office/drawing/2014/main" id="{67E76CDE-1873-423B-89BC-F53A8FFA17FC}"/>
-              </a:ext>
-            </a:extLst>
-          </p:cNvPr>
+          <p:cNvPr id="6" name="Slide Number Placeholder 5"/>
           <p:cNvSpPr>
             <a:spLocks noGrp="1"/>
           </p:cNvSpPr>
@@ -321,7 +455,7 @@
     </p:spTree>
     <p:extLst>
       <p:ext uri="{BB962C8B-B14F-4D97-AF65-F5344CB8AC3E}">
-        <p14:creationId xmlns:p14="http://schemas.microsoft.com/office/powerpoint/2010/main" val="2309849338"/>
+        <p14:creationId xmlns:p14="http://schemas.microsoft.com/office/powerpoint/2010/main" val="3075413701"/>
       </p:ext>
     </p:extLst>
   </p:cSld>
@@ -332,6 +466,1181 @@
 </file>
 
 <file path=ppt/slideLayouts/slideLayout10.xml><?xml version="1.0" encoding="utf-8"?>
+<p:sldLayout xmlns:a="http://schemas.openxmlformats.org/drawingml/2006/main" xmlns:r="http://schemas.openxmlformats.org/officeDocument/2006/relationships" xmlns:p="http://schemas.openxmlformats.org/presentationml/2006/main" preserve="1">
+  <p:cSld name="Panoramic Picture with Caption">
+    <p:spTree>
+      <p:nvGrpSpPr>
+        <p:cNvPr id="1" name=""/>
+        <p:cNvGrpSpPr/>
+        <p:nvPr/>
+      </p:nvGrpSpPr>
+      <p:grpSpPr>
+        <a:xfrm>
+          <a:off x="0" y="0"/>
+          <a:ext cx="0" cy="0"/>
+          <a:chOff x="0" y="0"/>
+          <a:chExt cx="0" cy="0"/>
+        </a:xfrm>
+      </p:grpSpPr>
+      <p:sp>
+        <p:nvSpPr>
+          <p:cNvPr id="2" name="Title 1"/>
+          <p:cNvSpPr>
+            <a:spLocks noGrp="1"/>
+          </p:cNvSpPr>
+          <p:nvPr>
+            <p:ph type="title"/>
+          </p:nvPr>
+        </p:nvSpPr>
+        <p:spPr>
+          <a:xfrm>
+            <a:off x="810000" y="4800600"/>
+            <a:ext cx="10561418" cy="566738"/>
+          </a:xfrm>
+        </p:spPr>
+        <p:txBody>
+          <a:bodyPr anchor="b">
+            <a:normAutofit/>
+          </a:bodyPr>
+          <a:lstStyle>
+            <a:lvl1pPr algn="l">
+              <a:defRPr sz="2400" b="0"/>
+            </a:lvl1pPr>
+          </a:lstStyle>
+          <a:p>
+            <a:r>
+              <a:rPr lang="en-US"/>
+              <a:t>Click to edit Master title style</a:t>
+            </a:r>
+            <a:endParaRPr lang="en-US" dirty="0"/>
+          </a:p>
+        </p:txBody>
+      </p:sp>
+      <p:sp>
+        <p:nvSpPr>
+          <p:cNvPr id="15" name="Picture Placeholder 14"/>
+          <p:cNvSpPr>
+            <a:spLocks noGrp="1" noChangeAspect="1"/>
+          </p:cNvSpPr>
+          <p:nvPr>
+            <p:ph type="pic" sz="quarter" idx="13"/>
+          </p:nvPr>
+        </p:nvSpPr>
+        <p:spPr bwMode="auto">
+          <a:xfrm>
+            <a:off x="0" y="0"/>
+            <a:ext cx="12192000" cy="4800600"/>
+          </a:xfrm>
+          <a:custGeom>
+            <a:avLst/>
+            <a:gdLst/>
+            <a:ahLst/>
+            <a:cxnLst/>
+            <a:rect l="0" t="0" r="r" b="b"/>
+            <a:pathLst>
+              <a:path w="5760" h="3289">
+                <a:moveTo>
+                  <a:pt x="5760" y="0"/>
+                </a:moveTo>
+                <a:lnTo>
+                  <a:pt x="0" y="0"/>
+                </a:lnTo>
+                <a:lnTo>
+                  <a:pt x="0" y="3100"/>
+                </a:lnTo>
+                <a:lnTo>
+                  <a:pt x="943" y="3100"/>
+                </a:lnTo>
+                <a:lnTo>
+                  <a:pt x="1123" y="3281"/>
+                </a:lnTo>
+                <a:lnTo>
+                  <a:pt x="1123" y="3281"/>
+                </a:lnTo>
+                <a:lnTo>
+                  <a:pt x="1127" y="3283"/>
+                </a:lnTo>
+                <a:lnTo>
+                  <a:pt x="1133" y="3286"/>
+                </a:lnTo>
+                <a:lnTo>
+                  <a:pt x="1139" y="3289"/>
+                </a:lnTo>
+                <a:lnTo>
+                  <a:pt x="1144" y="3289"/>
+                </a:lnTo>
+                <a:lnTo>
+                  <a:pt x="1150" y="3289"/>
+                </a:lnTo>
+                <a:lnTo>
+                  <a:pt x="1155" y="3286"/>
+                </a:lnTo>
+                <a:lnTo>
+                  <a:pt x="1161" y="3283"/>
+                </a:lnTo>
+                <a:lnTo>
+                  <a:pt x="1165" y="3281"/>
+                </a:lnTo>
+                <a:lnTo>
+                  <a:pt x="1345" y="3100"/>
+                </a:lnTo>
+                <a:lnTo>
+                  <a:pt x="5760" y="3100"/>
+                </a:lnTo>
+                <a:lnTo>
+                  <a:pt x="5760" y="0"/>
+                </a:lnTo>
+                <a:close/>
+              </a:path>
+            </a:pathLst>
+          </a:custGeom>
+          <a:noFill/>
+          <a:ln>
+            <a:solidFill>
+              <a:schemeClr val="tx2"/>
+            </a:solidFill>
+          </a:ln>
+        </p:spPr>
+        <p:style>
+          <a:lnRef idx="1">
+            <a:schemeClr val="accent1"/>
+          </a:lnRef>
+          <a:fillRef idx="3">
+            <a:schemeClr val="accent1"/>
+          </a:fillRef>
+          <a:effectRef idx="2">
+            <a:schemeClr val="accent1"/>
+          </a:effectRef>
+          <a:fontRef idx="minor">
+            <a:schemeClr val="lt1"/>
+          </a:fontRef>
+        </p:style>
+        <p:txBody>
+          <a:bodyPr wrap="square" numCol="1" anchor="t" anchorCtr="0" compatLnSpc="1">
+            <a:prstTxWarp prst="textNoShape">
+              <a:avLst/>
+            </a:prstTxWarp>
+            <a:normAutofit/>
+          </a:bodyPr>
+          <a:lstStyle>
+            <a:lvl1pPr marL="0" indent="0" algn="ctr">
+              <a:buFontTx/>
+              <a:buNone/>
+              <a:defRPr sz="1600"/>
+            </a:lvl1pPr>
+          </a:lstStyle>
+          <a:p>
+            <a:r>
+              <a:rPr lang="en-US"/>
+              <a:t>Click icon to add picture</a:t>
+            </a:r>
+            <a:endParaRPr lang="en-US" dirty="0"/>
+          </a:p>
+        </p:txBody>
+      </p:sp>
+      <p:sp>
+        <p:nvSpPr>
+          <p:cNvPr id="4" name="Text Placeholder 3"/>
+          <p:cNvSpPr>
+            <a:spLocks noGrp="1"/>
+          </p:cNvSpPr>
+          <p:nvPr>
+            <p:ph type="body" sz="half" idx="2"/>
+          </p:nvPr>
+        </p:nvSpPr>
+        <p:spPr>
+          <a:xfrm>
+            <a:off x="810000" y="5367338"/>
+            <a:ext cx="10561418" cy="493712"/>
+          </a:xfrm>
+        </p:spPr>
+        <p:txBody>
+          <a:bodyPr>
+            <a:normAutofit/>
+          </a:bodyPr>
+          <a:lstStyle>
+            <a:lvl1pPr marL="0" indent="0">
+              <a:buNone/>
+              <a:defRPr sz="1200"/>
+            </a:lvl1pPr>
+            <a:lvl2pPr marL="457200" indent="0">
+              <a:buNone/>
+              <a:defRPr sz="1200"/>
+            </a:lvl2pPr>
+            <a:lvl3pPr marL="914400" indent="0">
+              <a:buNone/>
+              <a:defRPr sz="1000"/>
+            </a:lvl3pPr>
+            <a:lvl4pPr marL="1371600" indent="0">
+              <a:buNone/>
+              <a:defRPr sz="900"/>
+            </a:lvl4pPr>
+            <a:lvl5pPr marL="1828800" indent="0">
+              <a:buNone/>
+              <a:defRPr sz="900"/>
+            </a:lvl5pPr>
+            <a:lvl6pPr marL="2286000" indent="0">
+              <a:buNone/>
+              <a:defRPr sz="900"/>
+            </a:lvl6pPr>
+            <a:lvl7pPr marL="2743200" indent="0">
+              <a:buNone/>
+              <a:defRPr sz="900"/>
+            </a:lvl7pPr>
+            <a:lvl8pPr marL="3200400" indent="0">
+              <a:buNone/>
+              <a:defRPr sz="900"/>
+            </a:lvl8pPr>
+            <a:lvl9pPr marL="3657600" indent="0">
+              <a:buNone/>
+              <a:defRPr sz="900"/>
+            </a:lvl9pPr>
+          </a:lstStyle>
+          <a:p>
+            <a:pPr lvl="0"/>
+            <a:r>
+              <a:rPr lang="en-US"/>
+              <a:t>Click to edit Master text styles</a:t>
+            </a:r>
+          </a:p>
+        </p:txBody>
+      </p:sp>
+      <p:sp>
+        <p:nvSpPr>
+          <p:cNvPr id="5" name="Date Placeholder 4"/>
+          <p:cNvSpPr>
+            <a:spLocks noGrp="1"/>
+          </p:cNvSpPr>
+          <p:nvPr>
+            <p:ph type="dt" sz="half" idx="10"/>
+          </p:nvPr>
+        </p:nvSpPr>
+        <p:spPr/>
+        <p:txBody>
+          <a:bodyPr/>
+          <a:lstStyle/>
+          <a:p>
+            <a:fld id="{F14DD5ED-21E8-403F-A50A-9F652BDD80BA}" type="datetimeFigureOut">
+              <a:rPr lang="en-US" smtClean="0"/>
+              <a:t>11/8/2021</a:t>
+            </a:fld>
+            <a:endParaRPr lang="en-US"/>
+          </a:p>
+        </p:txBody>
+      </p:sp>
+      <p:sp>
+        <p:nvSpPr>
+          <p:cNvPr id="6" name="Footer Placeholder 5"/>
+          <p:cNvSpPr>
+            <a:spLocks noGrp="1"/>
+          </p:cNvSpPr>
+          <p:nvPr>
+            <p:ph type="ftr" sz="quarter" idx="11"/>
+          </p:nvPr>
+        </p:nvSpPr>
+        <p:spPr/>
+        <p:txBody>
+          <a:bodyPr/>
+          <a:lstStyle/>
+          <a:p>
+            <a:endParaRPr lang="en-US"/>
+          </a:p>
+        </p:txBody>
+      </p:sp>
+      <p:sp>
+        <p:nvSpPr>
+          <p:cNvPr id="7" name="Slide Number Placeholder 6"/>
+          <p:cNvSpPr>
+            <a:spLocks noGrp="1"/>
+          </p:cNvSpPr>
+          <p:nvPr>
+            <p:ph type="sldNum" sz="quarter" idx="12"/>
+          </p:nvPr>
+        </p:nvSpPr>
+        <p:spPr/>
+        <p:txBody>
+          <a:bodyPr/>
+          <a:lstStyle/>
+          <a:p>
+            <a:fld id="{80D652ED-C8C5-4497-96C0-8FA86B77D465}" type="slidenum">
+              <a:rPr lang="en-US" smtClean="0"/>
+              <a:t>‹#›</a:t>
+            </a:fld>
+            <a:endParaRPr lang="en-US"/>
+          </a:p>
+        </p:txBody>
+      </p:sp>
+    </p:spTree>
+    <p:extLst>
+      <p:ext uri="{BB962C8B-B14F-4D97-AF65-F5344CB8AC3E}">
+        <p14:creationId xmlns:p14="http://schemas.microsoft.com/office/powerpoint/2010/main" val="4251611043"/>
+      </p:ext>
+    </p:extLst>
+  </p:cSld>
+  <p:clrMapOvr>
+    <a:masterClrMapping/>
+  </p:clrMapOvr>
+</p:sldLayout>
+</file>
+
+<file path=ppt/slideLayouts/slideLayout11.xml><?xml version="1.0" encoding="utf-8"?>
+<p:sldLayout xmlns:a="http://schemas.openxmlformats.org/drawingml/2006/main" xmlns:r="http://schemas.openxmlformats.org/officeDocument/2006/relationships" xmlns:p="http://schemas.openxmlformats.org/presentationml/2006/main" preserve="1">
+  <p:cSld name="Quote with Caption">
+    <p:spTree>
+      <p:nvGrpSpPr>
+        <p:cNvPr id="1" name=""/>
+        <p:cNvGrpSpPr/>
+        <p:nvPr/>
+      </p:nvGrpSpPr>
+      <p:grpSpPr>
+        <a:xfrm>
+          <a:off x="0" y="0"/>
+          <a:ext cx="0" cy="0"/>
+          <a:chOff x="0" y="0"/>
+          <a:chExt cx="0" cy="0"/>
+        </a:xfrm>
+      </p:grpSpPr>
+      <p:sp>
+        <p:nvSpPr>
+          <p:cNvPr id="8" name="Freeform 6"/>
+          <p:cNvSpPr>
+            <a:spLocks noChangeAspect="1"/>
+          </p:cNvSpPr>
+          <p:nvPr/>
+        </p:nvSpPr>
+        <p:spPr bwMode="auto">
+          <a:xfrm>
+            <a:off x="631697" y="1081456"/>
+            <a:ext cx="6332416" cy="3239188"/>
+          </a:xfrm>
+          <a:custGeom>
+            <a:avLst/>
+            <a:gdLst/>
+            <a:ahLst/>
+            <a:cxnLst/>
+            <a:rect l="0" t="0" r="r" b="b"/>
+            <a:pathLst>
+              <a:path w="3384" h="2308">
+                <a:moveTo>
+                  <a:pt x="3340" y="0"/>
+                </a:moveTo>
+                <a:lnTo>
+                  <a:pt x="44" y="0"/>
+                </a:lnTo>
+                <a:lnTo>
+                  <a:pt x="44" y="0"/>
+                </a:lnTo>
+                <a:lnTo>
+                  <a:pt x="34" y="0"/>
+                </a:lnTo>
+                <a:lnTo>
+                  <a:pt x="26" y="4"/>
+                </a:lnTo>
+                <a:lnTo>
+                  <a:pt x="20" y="8"/>
+                </a:lnTo>
+                <a:lnTo>
+                  <a:pt x="12" y="12"/>
+                </a:lnTo>
+                <a:lnTo>
+                  <a:pt x="8" y="20"/>
+                </a:lnTo>
+                <a:lnTo>
+                  <a:pt x="4" y="26"/>
+                </a:lnTo>
+                <a:lnTo>
+                  <a:pt x="0" y="34"/>
+                </a:lnTo>
+                <a:lnTo>
+                  <a:pt x="0" y="44"/>
+                </a:lnTo>
+                <a:lnTo>
+                  <a:pt x="0" y="2076"/>
+                </a:lnTo>
+                <a:lnTo>
+                  <a:pt x="0" y="2076"/>
+                </a:lnTo>
+                <a:lnTo>
+                  <a:pt x="0" y="2086"/>
+                </a:lnTo>
+                <a:lnTo>
+                  <a:pt x="4" y="2094"/>
+                </a:lnTo>
+                <a:lnTo>
+                  <a:pt x="8" y="2100"/>
+                </a:lnTo>
+                <a:lnTo>
+                  <a:pt x="12" y="2108"/>
+                </a:lnTo>
+                <a:lnTo>
+                  <a:pt x="20" y="2112"/>
+                </a:lnTo>
+                <a:lnTo>
+                  <a:pt x="26" y="2116"/>
+                </a:lnTo>
+                <a:lnTo>
+                  <a:pt x="34" y="2120"/>
+                </a:lnTo>
+                <a:lnTo>
+                  <a:pt x="44" y="2120"/>
+                </a:lnTo>
+                <a:lnTo>
+                  <a:pt x="474" y="2120"/>
+                </a:lnTo>
+                <a:lnTo>
+                  <a:pt x="650" y="2296"/>
+                </a:lnTo>
+                <a:lnTo>
+                  <a:pt x="650" y="2296"/>
+                </a:lnTo>
+                <a:lnTo>
+                  <a:pt x="656" y="2300"/>
+                </a:lnTo>
+                <a:lnTo>
+                  <a:pt x="664" y="2304"/>
+                </a:lnTo>
+                <a:lnTo>
+                  <a:pt x="672" y="2308"/>
+                </a:lnTo>
+                <a:lnTo>
+                  <a:pt x="680" y="2308"/>
+                </a:lnTo>
+                <a:lnTo>
+                  <a:pt x="688" y="2308"/>
+                </a:lnTo>
+                <a:lnTo>
+                  <a:pt x="696" y="2304"/>
+                </a:lnTo>
+                <a:lnTo>
+                  <a:pt x="704" y="2300"/>
+                </a:lnTo>
+                <a:lnTo>
+                  <a:pt x="710" y="2296"/>
+                </a:lnTo>
+                <a:lnTo>
+                  <a:pt x="886" y="2120"/>
+                </a:lnTo>
+                <a:lnTo>
+                  <a:pt x="3340" y="2120"/>
+                </a:lnTo>
+                <a:lnTo>
+                  <a:pt x="3340" y="2120"/>
+                </a:lnTo>
+                <a:lnTo>
+                  <a:pt x="3350" y="2120"/>
+                </a:lnTo>
+                <a:lnTo>
+                  <a:pt x="3358" y="2116"/>
+                </a:lnTo>
+                <a:lnTo>
+                  <a:pt x="3364" y="2112"/>
+                </a:lnTo>
+                <a:lnTo>
+                  <a:pt x="3372" y="2108"/>
+                </a:lnTo>
+                <a:lnTo>
+                  <a:pt x="3376" y="2100"/>
+                </a:lnTo>
+                <a:lnTo>
+                  <a:pt x="3380" y="2094"/>
+                </a:lnTo>
+                <a:lnTo>
+                  <a:pt x="3384" y="2086"/>
+                </a:lnTo>
+                <a:lnTo>
+                  <a:pt x="3384" y="2076"/>
+                </a:lnTo>
+                <a:lnTo>
+                  <a:pt x="3384" y="44"/>
+                </a:lnTo>
+                <a:lnTo>
+                  <a:pt x="3384" y="44"/>
+                </a:lnTo>
+                <a:lnTo>
+                  <a:pt x="3384" y="34"/>
+                </a:lnTo>
+                <a:lnTo>
+                  <a:pt x="3380" y="26"/>
+                </a:lnTo>
+                <a:lnTo>
+                  <a:pt x="3376" y="20"/>
+                </a:lnTo>
+                <a:lnTo>
+                  <a:pt x="3372" y="12"/>
+                </a:lnTo>
+                <a:lnTo>
+                  <a:pt x="3364" y="8"/>
+                </a:lnTo>
+                <a:lnTo>
+                  <a:pt x="3358" y="4"/>
+                </a:lnTo>
+                <a:lnTo>
+                  <a:pt x="3350" y="0"/>
+                </a:lnTo>
+                <a:lnTo>
+                  <a:pt x="3340" y="0"/>
+                </a:lnTo>
+                <a:lnTo>
+                  <a:pt x="3340" y="0"/>
+                </a:lnTo>
+                <a:close/>
+              </a:path>
+            </a:pathLst>
+          </a:custGeom>
+          <a:ln>
+            <a:solidFill>
+              <a:schemeClr val="accent1"/>
+            </a:solidFill>
+          </a:ln>
+        </p:spPr>
+        <p:style>
+          <a:lnRef idx="1">
+            <a:schemeClr val="accent1"/>
+          </a:lnRef>
+          <a:fillRef idx="3">
+            <a:schemeClr val="accent1"/>
+          </a:fillRef>
+          <a:effectRef idx="2">
+            <a:schemeClr val="accent1"/>
+          </a:effectRef>
+          <a:fontRef idx="minor">
+            <a:schemeClr val="lt1"/>
+          </a:fontRef>
+        </p:style>
+      </p:sp>
+      <p:sp>
+        <p:nvSpPr>
+          <p:cNvPr id="2" name="Title 1"/>
+          <p:cNvSpPr>
+            <a:spLocks noGrp="1"/>
+          </p:cNvSpPr>
+          <p:nvPr>
+            <p:ph type="title"/>
+          </p:nvPr>
+        </p:nvSpPr>
+        <p:spPr>
+          <a:xfrm>
+            <a:off x="850985" y="1238502"/>
+            <a:ext cx="5893840" cy="2645912"/>
+          </a:xfrm>
+        </p:spPr>
+        <p:txBody>
+          <a:bodyPr anchor="b"/>
+          <a:lstStyle>
+            <a:lvl1pPr algn="l">
+              <a:defRPr sz="4200" b="1" cap="none"/>
+            </a:lvl1pPr>
+          </a:lstStyle>
+          <a:p>
+            <a:r>
+              <a:rPr lang="en-US"/>
+              <a:t>Click to edit Master title style</a:t>
+            </a:r>
+            <a:endParaRPr lang="en-US" dirty="0"/>
+          </a:p>
+        </p:txBody>
+      </p:sp>
+      <p:sp>
+        <p:nvSpPr>
+          <p:cNvPr id="3" name="Text Placeholder 2"/>
+          <p:cNvSpPr>
+            <a:spLocks noGrp="1"/>
+          </p:cNvSpPr>
+          <p:nvPr>
+            <p:ph type="body" idx="1"/>
+          </p:nvPr>
+        </p:nvSpPr>
+        <p:spPr>
+          <a:xfrm>
+            <a:off x="853190" y="4443680"/>
+            <a:ext cx="5891636" cy="713241"/>
+          </a:xfrm>
+        </p:spPr>
+        <p:txBody>
+          <a:bodyPr anchor="t">
+            <a:noAutofit/>
+          </a:bodyPr>
+          <a:lstStyle>
+            <a:lvl1pPr marL="0" indent="0" algn="l">
+              <a:buNone/>
+              <a:defRPr sz="1800">
+                <a:solidFill>
+                  <a:schemeClr val="tx1"/>
+                </a:solidFill>
+              </a:defRPr>
+            </a:lvl1pPr>
+            <a:lvl2pPr marL="457200" indent="0">
+              <a:buNone/>
+              <a:defRPr sz="1800">
+                <a:solidFill>
+                  <a:schemeClr val="tx1">
+                    <a:tint val="75000"/>
+                  </a:schemeClr>
+                </a:solidFill>
+              </a:defRPr>
+            </a:lvl2pPr>
+            <a:lvl3pPr marL="914400" indent="0">
+              <a:buNone/>
+              <a:defRPr sz="1600">
+                <a:solidFill>
+                  <a:schemeClr val="tx1">
+                    <a:tint val="75000"/>
+                  </a:schemeClr>
+                </a:solidFill>
+              </a:defRPr>
+            </a:lvl3pPr>
+            <a:lvl4pPr marL="1371600" indent="0">
+              <a:buNone/>
+              <a:defRPr sz="1400">
+                <a:solidFill>
+                  <a:schemeClr val="tx1">
+                    <a:tint val="75000"/>
+                  </a:schemeClr>
+                </a:solidFill>
+              </a:defRPr>
+            </a:lvl4pPr>
+            <a:lvl5pPr marL="1828800" indent="0">
+              <a:buNone/>
+              <a:defRPr sz="1400">
+                <a:solidFill>
+                  <a:schemeClr val="tx1">
+                    <a:tint val="75000"/>
+                  </a:schemeClr>
+                </a:solidFill>
+              </a:defRPr>
+            </a:lvl5pPr>
+            <a:lvl6pPr marL="2286000" indent="0">
+              <a:buNone/>
+              <a:defRPr sz="1400">
+                <a:solidFill>
+                  <a:schemeClr val="tx1">
+                    <a:tint val="75000"/>
+                  </a:schemeClr>
+                </a:solidFill>
+              </a:defRPr>
+            </a:lvl6pPr>
+            <a:lvl7pPr marL="2743200" indent="0">
+              <a:buNone/>
+              <a:defRPr sz="1400">
+                <a:solidFill>
+                  <a:schemeClr val="tx1">
+                    <a:tint val="75000"/>
+                  </a:schemeClr>
+                </a:solidFill>
+              </a:defRPr>
+            </a:lvl7pPr>
+            <a:lvl8pPr marL="3200400" indent="0">
+              <a:buNone/>
+              <a:defRPr sz="1400">
+                <a:solidFill>
+                  <a:schemeClr val="tx1">
+                    <a:tint val="75000"/>
+                  </a:schemeClr>
+                </a:solidFill>
+              </a:defRPr>
+            </a:lvl8pPr>
+            <a:lvl9pPr marL="3657600" indent="0">
+              <a:buNone/>
+              <a:defRPr sz="1400">
+                <a:solidFill>
+                  <a:schemeClr val="tx1">
+                    <a:tint val="75000"/>
+                  </a:schemeClr>
+                </a:solidFill>
+              </a:defRPr>
+            </a:lvl9pPr>
+          </a:lstStyle>
+          <a:p>
+            <a:pPr lvl="0"/>
+            <a:r>
+              <a:rPr lang="en-US"/>
+              <a:t>Click to edit Master text styles</a:t>
+            </a:r>
+          </a:p>
+        </p:txBody>
+      </p:sp>
+      <p:sp>
+        <p:nvSpPr>
+          <p:cNvPr id="9" name="Text Placeholder 5"/>
+          <p:cNvSpPr>
+            <a:spLocks noGrp="1"/>
+          </p:cNvSpPr>
+          <p:nvPr>
+            <p:ph type="body" sz="quarter" idx="16"/>
+          </p:nvPr>
+        </p:nvSpPr>
+        <p:spPr>
+          <a:xfrm>
+            <a:off x="7574642" y="1081456"/>
+            <a:ext cx="3810001" cy="4075465"/>
+          </a:xfrm>
+        </p:spPr>
+        <p:txBody>
+          <a:bodyPr anchor="t"/>
+          <a:lstStyle>
+            <a:lvl1pPr marL="0" indent="0">
+              <a:buFontTx/>
+              <a:buNone/>
+              <a:defRPr/>
+            </a:lvl1pPr>
+          </a:lstStyle>
+          <a:p>
+            <a:pPr lvl="0"/>
+            <a:r>
+              <a:rPr lang="en-US"/>
+              <a:t>Click to edit Master text styles</a:t>
+            </a:r>
+          </a:p>
+        </p:txBody>
+      </p:sp>
+      <p:sp>
+        <p:nvSpPr>
+          <p:cNvPr id="4" name="Date Placeholder 3"/>
+          <p:cNvSpPr>
+            <a:spLocks noGrp="1"/>
+          </p:cNvSpPr>
+          <p:nvPr>
+            <p:ph type="dt" sz="half" idx="10"/>
+          </p:nvPr>
+        </p:nvSpPr>
+        <p:spPr/>
+        <p:txBody>
+          <a:bodyPr/>
+          <a:lstStyle/>
+          <a:p>
+            <a:fld id="{F14DD5ED-21E8-403F-A50A-9F652BDD80BA}" type="datetimeFigureOut">
+              <a:rPr lang="en-US" smtClean="0"/>
+              <a:t>11/8/2021</a:t>
+            </a:fld>
+            <a:endParaRPr lang="en-US"/>
+          </a:p>
+        </p:txBody>
+      </p:sp>
+      <p:sp>
+        <p:nvSpPr>
+          <p:cNvPr id="5" name="Footer Placeholder 4"/>
+          <p:cNvSpPr>
+            <a:spLocks noGrp="1"/>
+          </p:cNvSpPr>
+          <p:nvPr>
+            <p:ph type="ftr" sz="quarter" idx="11"/>
+          </p:nvPr>
+        </p:nvSpPr>
+        <p:spPr/>
+        <p:txBody>
+          <a:bodyPr/>
+          <a:lstStyle/>
+          <a:p>
+            <a:endParaRPr lang="en-US"/>
+          </a:p>
+        </p:txBody>
+      </p:sp>
+      <p:sp>
+        <p:nvSpPr>
+          <p:cNvPr id="6" name="Slide Number Placeholder 5"/>
+          <p:cNvSpPr>
+            <a:spLocks noGrp="1"/>
+          </p:cNvSpPr>
+          <p:nvPr>
+            <p:ph type="sldNum" sz="quarter" idx="12"/>
+          </p:nvPr>
+        </p:nvSpPr>
+        <p:spPr/>
+        <p:txBody>
+          <a:bodyPr/>
+          <a:lstStyle/>
+          <a:p>
+            <a:fld id="{80D652ED-C8C5-4497-96C0-8FA86B77D465}" type="slidenum">
+              <a:rPr lang="en-US" smtClean="0"/>
+              <a:t>‹#›</a:t>
+            </a:fld>
+            <a:endParaRPr lang="en-US"/>
+          </a:p>
+        </p:txBody>
+      </p:sp>
+    </p:spTree>
+    <p:extLst>
+      <p:ext uri="{BB962C8B-B14F-4D97-AF65-F5344CB8AC3E}">
+        <p14:creationId xmlns:p14="http://schemas.microsoft.com/office/powerpoint/2010/main" val="489349031"/>
+      </p:ext>
+    </p:extLst>
+  </p:cSld>
+  <p:clrMapOvr>
+    <a:masterClrMapping/>
+  </p:clrMapOvr>
+</p:sldLayout>
+</file>
+
+<file path=ppt/slideLayouts/slideLayout12.xml><?xml version="1.0" encoding="utf-8"?>
+<p:sldLayout xmlns:a="http://schemas.openxmlformats.org/drawingml/2006/main" xmlns:r="http://schemas.openxmlformats.org/officeDocument/2006/relationships" xmlns:p="http://schemas.openxmlformats.org/presentationml/2006/main" preserve="1">
+  <p:cSld name="Name Card">
+    <p:spTree>
+      <p:nvGrpSpPr>
+        <p:cNvPr id="1" name=""/>
+        <p:cNvGrpSpPr/>
+        <p:nvPr/>
+      </p:nvGrpSpPr>
+      <p:grpSpPr>
+        <a:xfrm>
+          <a:off x="0" y="0"/>
+          <a:ext cx="0" cy="0"/>
+          <a:chOff x="0" y="0"/>
+          <a:chExt cx="0" cy="0"/>
+        </a:xfrm>
+      </p:grpSpPr>
+      <p:sp>
+        <p:nvSpPr>
+          <p:cNvPr id="9" name="Freeform 6"/>
+          <p:cNvSpPr>
+            <a:spLocks noChangeAspect="1"/>
+          </p:cNvSpPr>
+          <p:nvPr/>
+        </p:nvSpPr>
+        <p:spPr bwMode="auto">
+          <a:xfrm>
+            <a:off x="1140884" y="2286585"/>
+            <a:ext cx="4895115" cy="2503972"/>
+          </a:xfrm>
+          <a:custGeom>
+            <a:avLst/>
+            <a:gdLst/>
+            <a:ahLst/>
+            <a:cxnLst/>
+            <a:rect l="0" t="0" r="r" b="b"/>
+            <a:pathLst>
+              <a:path w="3384" h="2308">
+                <a:moveTo>
+                  <a:pt x="3340" y="0"/>
+                </a:moveTo>
+                <a:lnTo>
+                  <a:pt x="44" y="0"/>
+                </a:lnTo>
+                <a:lnTo>
+                  <a:pt x="44" y="0"/>
+                </a:lnTo>
+                <a:lnTo>
+                  <a:pt x="34" y="0"/>
+                </a:lnTo>
+                <a:lnTo>
+                  <a:pt x="26" y="4"/>
+                </a:lnTo>
+                <a:lnTo>
+                  <a:pt x="20" y="8"/>
+                </a:lnTo>
+                <a:lnTo>
+                  <a:pt x="12" y="12"/>
+                </a:lnTo>
+                <a:lnTo>
+                  <a:pt x="8" y="20"/>
+                </a:lnTo>
+                <a:lnTo>
+                  <a:pt x="4" y="26"/>
+                </a:lnTo>
+                <a:lnTo>
+                  <a:pt x="0" y="34"/>
+                </a:lnTo>
+                <a:lnTo>
+                  <a:pt x="0" y="44"/>
+                </a:lnTo>
+                <a:lnTo>
+                  <a:pt x="0" y="2076"/>
+                </a:lnTo>
+                <a:lnTo>
+                  <a:pt x="0" y="2076"/>
+                </a:lnTo>
+                <a:lnTo>
+                  <a:pt x="0" y="2086"/>
+                </a:lnTo>
+                <a:lnTo>
+                  <a:pt x="4" y="2094"/>
+                </a:lnTo>
+                <a:lnTo>
+                  <a:pt x="8" y="2100"/>
+                </a:lnTo>
+                <a:lnTo>
+                  <a:pt x="12" y="2108"/>
+                </a:lnTo>
+                <a:lnTo>
+                  <a:pt x="20" y="2112"/>
+                </a:lnTo>
+                <a:lnTo>
+                  <a:pt x="26" y="2116"/>
+                </a:lnTo>
+                <a:lnTo>
+                  <a:pt x="34" y="2120"/>
+                </a:lnTo>
+                <a:lnTo>
+                  <a:pt x="44" y="2120"/>
+                </a:lnTo>
+                <a:lnTo>
+                  <a:pt x="474" y="2120"/>
+                </a:lnTo>
+                <a:lnTo>
+                  <a:pt x="650" y="2296"/>
+                </a:lnTo>
+                <a:lnTo>
+                  <a:pt x="650" y="2296"/>
+                </a:lnTo>
+                <a:lnTo>
+                  <a:pt x="656" y="2300"/>
+                </a:lnTo>
+                <a:lnTo>
+                  <a:pt x="664" y="2304"/>
+                </a:lnTo>
+                <a:lnTo>
+                  <a:pt x="672" y="2308"/>
+                </a:lnTo>
+                <a:lnTo>
+                  <a:pt x="680" y="2308"/>
+                </a:lnTo>
+                <a:lnTo>
+                  <a:pt x="688" y="2308"/>
+                </a:lnTo>
+                <a:lnTo>
+                  <a:pt x="696" y="2304"/>
+                </a:lnTo>
+                <a:lnTo>
+                  <a:pt x="704" y="2300"/>
+                </a:lnTo>
+                <a:lnTo>
+                  <a:pt x="710" y="2296"/>
+                </a:lnTo>
+                <a:lnTo>
+                  <a:pt x="886" y="2120"/>
+                </a:lnTo>
+                <a:lnTo>
+                  <a:pt x="3340" y="2120"/>
+                </a:lnTo>
+                <a:lnTo>
+                  <a:pt x="3340" y="2120"/>
+                </a:lnTo>
+                <a:lnTo>
+                  <a:pt x="3350" y="2120"/>
+                </a:lnTo>
+                <a:lnTo>
+                  <a:pt x="3358" y="2116"/>
+                </a:lnTo>
+                <a:lnTo>
+                  <a:pt x="3364" y="2112"/>
+                </a:lnTo>
+                <a:lnTo>
+                  <a:pt x="3372" y="2108"/>
+                </a:lnTo>
+                <a:lnTo>
+                  <a:pt x="3376" y="2100"/>
+                </a:lnTo>
+                <a:lnTo>
+                  <a:pt x="3380" y="2094"/>
+                </a:lnTo>
+                <a:lnTo>
+                  <a:pt x="3384" y="2086"/>
+                </a:lnTo>
+                <a:lnTo>
+                  <a:pt x="3384" y="2076"/>
+                </a:lnTo>
+                <a:lnTo>
+                  <a:pt x="3384" y="44"/>
+                </a:lnTo>
+                <a:lnTo>
+                  <a:pt x="3384" y="44"/>
+                </a:lnTo>
+                <a:lnTo>
+                  <a:pt x="3384" y="34"/>
+                </a:lnTo>
+                <a:lnTo>
+                  <a:pt x="3380" y="26"/>
+                </a:lnTo>
+                <a:lnTo>
+                  <a:pt x="3376" y="20"/>
+                </a:lnTo>
+                <a:lnTo>
+                  <a:pt x="3372" y="12"/>
+                </a:lnTo>
+                <a:lnTo>
+                  <a:pt x="3364" y="8"/>
+                </a:lnTo>
+                <a:lnTo>
+                  <a:pt x="3358" y="4"/>
+                </a:lnTo>
+                <a:lnTo>
+                  <a:pt x="3350" y="0"/>
+                </a:lnTo>
+                <a:lnTo>
+                  <a:pt x="3340" y="0"/>
+                </a:lnTo>
+                <a:lnTo>
+                  <a:pt x="3340" y="0"/>
+                </a:lnTo>
+                <a:close/>
+              </a:path>
+            </a:pathLst>
+          </a:custGeom>
+          <a:ln>
+            <a:solidFill>
+              <a:schemeClr val="accent1"/>
+            </a:solidFill>
+          </a:ln>
+        </p:spPr>
+        <p:style>
+          <a:lnRef idx="1">
+            <a:schemeClr val="accent1"/>
+          </a:lnRef>
+          <a:fillRef idx="3">
+            <a:schemeClr val="accent1"/>
+          </a:fillRef>
+          <a:effectRef idx="2">
+            <a:schemeClr val="accent1"/>
+          </a:effectRef>
+          <a:fontRef idx="minor">
+            <a:schemeClr val="lt1"/>
+          </a:fontRef>
+        </p:style>
+      </p:sp>
+      <p:sp>
+        <p:nvSpPr>
+          <p:cNvPr id="38" name="Title 1"/>
+          <p:cNvSpPr>
+            <a:spLocks noGrp="1"/>
+          </p:cNvSpPr>
+          <p:nvPr>
+            <p:ph type="title"/>
+          </p:nvPr>
+        </p:nvSpPr>
+        <p:spPr>
+          <a:xfrm>
+            <a:off x="1357089" y="2435957"/>
+            <a:ext cx="4382521" cy="2007789"/>
+          </a:xfrm>
+        </p:spPr>
+        <p:txBody>
+          <a:bodyPr/>
+          <a:lstStyle>
+            <a:lvl1pPr>
+              <a:defRPr sz="3200"/>
+            </a:lvl1pPr>
+          </a:lstStyle>
+          <a:p>
+            <a:r>
+              <a:rPr lang="en-US"/>
+              <a:t>Click to edit Master title style</a:t>
+            </a:r>
+            <a:endParaRPr lang="en-US" dirty="0"/>
+          </a:p>
+        </p:txBody>
+      </p:sp>
+      <p:sp>
+        <p:nvSpPr>
+          <p:cNvPr id="6" name="Text Placeholder 5"/>
+          <p:cNvSpPr>
+            <a:spLocks noGrp="1"/>
+          </p:cNvSpPr>
+          <p:nvPr>
+            <p:ph type="body" sz="quarter" idx="16"/>
+          </p:nvPr>
+        </p:nvSpPr>
+        <p:spPr>
+          <a:xfrm>
+            <a:off x="6156000" y="2286000"/>
+            <a:ext cx="4880300" cy="2295525"/>
+          </a:xfrm>
+        </p:spPr>
+        <p:txBody>
+          <a:bodyPr anchor="t"/>
+          <a:lstStyle>
+            <a:lvl1pPr marL="0" indent="0">
+              <a:buFontTx/>
+              <a:buNone/>
+              <a:defRPr/>
+            </a:lvl1pPr>
+          </a:lstStyle>
+          <a:p>
+            <a:pPr lvl="0"/>
+            <a:r>
+              <a:rPr lang="en-US"/>
+              <a:t>Click to edit Master text styles</a:t>
+            </a:r>
+          </a:p>
+        </p:txBody>
+      </p:sp>
+      <p:sp>
+        <p:nvSpPr>
+          <p:cNvPr id="2" name="Date Placeholder 1"/>
+          <p:cNvSpPr>
+            <a:spLocks noGrp="1"/>
+          </p:cNvSpPr>
+          <p:nvPr>
+            <p:ph type="dt" sz="half" idx="10"/>
+          </p:nvPr>
+        </p:nvSpPr>
+        <p:spPr/>
+        <p:txBody>
+          <a:bodyPr/>
+          <a:lstStyle/>
+          <a:p>
+            <a:fld id="{F14DD5ED-21E8-403F-A50A-9F652BDD80BA}" type="datetimeFigureOut">
+              <a:rPr lang="en-US" smtClean="0"/>
+              <a:t>11/8/2021</a:t>
+            </a:fld>
+            <a:endParaRPr lang="en-US"/>
+          </a:p>
+        </p:txBody>
+      </p:sp>
+      <p:sp>
+        <p:nvSpPr>
+          <p:cNvPr id="3" name="Footer Placeholder 2"/>
+          <p:cNvSpPr>
+            <a:spLocks noGrp="1"/>
+          </p:cNvSpPr>
+          <p:nvPr>
+            <p:ph type="ftr" sz="quarter" idx="11"/>
+          </p:nvPr>
+        </p:nvSpPr>
+        <p:spPr/>
+        <p:txBody>
+          <a:bodyPr/>
+          <a:lstStyle/>
+          <a:p>
+            <a:endParaRPr lang="en-US"/>
+          </a:p>
+        </p:txBody>
+      </p:sp>
+      <p:sp>
+        <p:nvSpPr>
+          <p:cNvPr id="4" name="Slide Number Placeholder 3"/>
+          <p:cNvSpPr>
+            <a:spLocks noGrp="1"/>
+          </p:cNvSpPr>
+          <p:nvPr>
+            <p:ph type="sldNum" sz="quarter" idx="12"/>
+          </p:nvPr>
+        </p:nvSpPr>
+        <p:spPr/>
+        <p:txBody>
+          <a:bodyPr/>
+          <a:lstStyle/>
+          <a:p>
+            <a:fld id="{80D652ED-C8C5-4497-96C0-8FA86B77D465}" type="slidenum">
+              <a:rPr lang="en-US" smtClean="0"/>
+              <a:t>‹#›</a:t>
+            </a:fld>
+            <a:endParaRPr lang="en-US"/>
+          </a:p>
+        </p:txBody>
+      </p:sp>
+    </p:spTree>
+    <p:extLst>
+      <p:ext uri="{BB962C8B-B14F-4D97-AF65-F5344CB8AC3E}">
+        <p14:creationId xmlns:p14="http://schemas.microsoft.com/office/powerpoint/2010/main" val="3674261295"/>
+      </p:ext>
+    </p:extLst>
+  </p:cSld>
+  <p:clrMapOvr>
+    <a:masterClrMapping/>
+  </p:clrMapOvr>
+</p:sldLayout>
+</file>
+
+<file path=ppt/slideLayouts/slideLayout13.xml><?xml version="1.0" encoding="utf-8"?>
 <p:sldLayout xmlns:a="http://schemas.openxmlformats.org/drawingml/2006/main" xmlns:r="http://schemas.openxmlformats.org/officeDocument/2006/relationships" xmlns:p="http://schemas.openxmlformats.org/presentationml/2006/main" type="vertTx" preserve="1">
   <p:cSld name="Title and Vertical Text">
     <p:spTree>
@@ -350,13 +1659,110 @@
       </p:grpSpPr>
       <p:sp>
         <p:nvSpPr>
-          <p:cNvPr id="2" name="Title 1">
-            <a:extLst>
-              <a:ext uri="{FF2B5EF4-FFF2-40B4-BE49-F238E27FC236}">
-                <a16:creationId xmlns:a16="http://schemas.microsoft.com/office/drawing/2014/main" id="{E68FD535-E5E8-49E0-A06A-10A2DAA2819C}"/>
-              </a:ext>
-            </a:extLst>
-          </p:cNvPr>
+          <p:cNvPr id="7" name="Freeform 6"/>
+          <p:cNvSpPr/>
+          <p:nvPr/>
+        </p:nvSpPr>
+        <p:spPr bwMode="auto">
+          <a:xfrm>
+            <a:off x="0" y="0"/>
+            <a:ext cx="12192000" cy="2185988"/>
+          </a:xfrm>
+          <a:custGeom>
+            <a:avLst/>
+            <a:gdLst/>
+            <a:ahLst/>
+            <a:cxnLst/>
+            <a:rect l="0" t="0" r="r" b="b"/>
+            <a:pathLst>
+              <a:path w="5760" h="1377">
+                <a:moveTo>
+                  <a:pt x="5760" y="0"/>
+                </a:moveTo>
+                <a:lnTo>
+                  <a:pt x="0" y="0"/>
+                </a:lnTo>
+                <a:lnTo>
+                  <a:pt x="0" y="1189"/>
+                </a:lnTo>
+                <a:lnTo>
+                  <a:pt x="943" y="1189"/>
+                </a:lnTo>
+                <a:lnTo>
+                  <a:pt x="1123" y="1369"/>
+                </a:lnTo>
+                <a:lnTo>
+                  <a:pt x="1123" y="1369"/>
+                </a:lnTo>
+                <a:lnTo>
+                  <a:pt x="1127" y="1371"/>
+                </a:lnTo>
+                <a:lnTo>
+                  <a:pt x="1133" y="1374"/>
+                </a:lnTo>
+                <a:lnTo>
+                  <a:pt x="1139" y="1377"/>
+                </a:lnTo>
+                <a:lnTo>
+                  <a:pt x="1144" y="1377"/>
+                </a:lnTo>
+                <a:lnTo>
+                  <a:pt x="1150" y="1377"/>
+                </a:lnTo>
+                <a:lnTo>
+                  <a:pt x="1155" y="1374"/>
+                </a:lnTo>
+                <a:lnTo>
+                  <a:pt x="1161" y="1371"/>
+                </a:lnTo>
+                <a:lnTo>
+                  <a:pt x="1165" y="1369"/>
+                </a:lnTo>
+                <a:lnTo>
+                  <a:pt x="1345" y="1189"/>
+                </a:lnTo>
+                <a:lnTo>
+                  <a:pt x="5760" y="1189"/>
+                </a:lnTo>
+                <a:lnTo>
+                  <a:pt x="5760" y="0"/>
+                </a:lnTo>
+                <a:close/>
+              </a:path>
+            </a:pathLst>
+          </a:custGeom>
+          <a:ln/>
+          <a:extLst>
+            <a:ext uri="{91240B29-F687-4f45-9708-019B960494DF}">
+              <a14:hiddenLine xmlns:a14="http://schemas.microsoft.com/office/drawing/2010/main" xmlns="" w="9525">
+                <a:solidFill>
+                  <a:srgbClr val="000000"/>
+                </a:solidFill>
+                <a:round/>
+                <a:headEnd/>
+                <a:tailEnd/>
+              </a14:hiddenLine>
+            </a:ext>
+          </a:extLst>
+        </p:spPr>
+        <p:style>
+          <a:lnRef idx="1">
+            <a:schemeClr val="accent1"/>
+          </a:lnRef>
+          <a:fillRef idx="3">
+            <a:schemeClr val="accent1"/>
+          </a:fillRef>
+          <a:effectRef idx="2">
+            <a:schemeClr val="accent1"/>
+          </a:effectRef>
+          <a:fontRef idx="minor">
+            <a:schemeClr val="lt1"/>
+          </a:fontRef>
+        </p:style>
+      </p:sp>
+      <p:sp>
+        <p:nvSpPr>
+          <p:cNvPr id="2" name="Title 1"/>
           <p:cNvSpPr>
             <a:spLocks noGrp="1"/>
           </p:cNvSpPr>
@@ -373,18 +1779,13 @@
               <a:rPr lang="en-US"/>
               <a:t>Click to edit Master title style</a:t>
             </a:r>
-          </a:p>
-        </p:txBody>
-      </p:sp>
-      <p:sp>
-        <p:nvSpPr>
-          <p:cNvPr id="3" name="Vertical Text Placeholder 2">
-            <a:extLst>
-              <a:ext uri="{FF2B5EF4-FFF2-40B4-BE49-F238E27FC236}">
-                <a16:creationId xmlns:a16="http://schemas.microsoft.com/office/drawing/2014/main" id="{850DE144-FD96-4E77-84F8-953DD60299FD}"/>
-              </a:ext>
-            </a:extLst>
-          </p:cNvPr>
+            <a:endParaRPr lang="en-US" dirty="0"/>
+          </a:p>
+        </p:txBody>
+      </p:sp>
+      <p:sp>
+        <p:nvSpPr>
+          <p:cNvPr id="3" name="Vertical Text Placeholder 2"/>
           <p:cNvSpPr>
             <a:spLocks noGrp="1"/>
           </p:cNvSpPr>
@@ -394,7 +1795,7 @@
         </p:nvSpPr>
         <p:spPr/>
         <p:txBody>
-          <a:bodyPr vert="eaVert"/>
+          <a:bodyPr vert="eaVert" anchor="t"/>
           <a:lstStyle/>
           <a:p>
             <a:pPr lvl="0"/>
@@ -430,18 +1831,13 @@
               <a:rPr lang="en-US"/>
               <a:t>Fifth level</a:t>
             </a:r>
-          </a:p>
-        </p:txBody>
-      </p:sp>
-      <p:sp>
-        <p:nvSpPr>
-          <p:cNvPr id="4" name="Date Placeholder 3">
-            <a:extLst>
-              <a:ext uri="{FF2B5EF4-FFF2-40B4-BE49-F238E27FC236}">
-                <a16:creationId xmlns:a16="http://schemas.microsoft.com/office/drawing/2014/main" id="{D2F7AD2C-2824-435F-A8FF-CF2C4317CBC4}"/>
-              </a:ext>
-            </a:extLst>
-          </p:cNvPr>
+            <a:endParaRPr lang="en-US" dirty="0"/>
+          </a:p>
+        </p:txBody>
+      </p:sp>
+      <p:sp>
+        <p:nvSpPr>
+          <p:cNvPr id="4" name="Date Placeholder 3"/>
           <p:cNvSpPr>
             <a:spLocks noGrp="1"/>
           </p:cNvSpPr>
@@ -456,7 +1852,7 @@
           <a:p>
             <a:fld id="{F14DD5ED-21E8-403F-A50A-9F652BDD80BA}" type="datetimeFigureOut">
               <a:rPr lang="en-US" smtClean="0"/>
-              <a:t>11/7/2021</a:t>
+              <a:t>11/8/2021</a:t>
             </a:fld>
             <a:endParaRPr lang="en-US"/>
           </a:p>
@@ -464,13 +1860,7 @@
       </p:sp>
       <p:sp>
         <p:nvSpPr>
-          <p:cNvPr id="5" name="Footer Placeholder 4">
-            <a:extLst>
-              <a:ext uri="{FF2B5EF4-FFF2-40B4-BE49-F238E27FC236}">
-                <a16:creationId xmlns:a16="http://schemas.microsoft.com/office/drawing/2014/main" id="{5BF882FD-E9D9-487A-BA25-C5071853EFBC}"/>
-              </a:ext>
-            </a:extLst>
-          </p:cNvPr>
+          <p:cNvPr id="5" name="Footer Placeholder 4"/>
           <p:cNvSpPr>
             <a:spLocks noGrp="1"/>
           </p:cNvSpPr>
@@ -489,13 +1879,7 @@
       </p:sp>
       <p:sp>
         <p:nvSpPr>
-          <p:cNvPr id="6" name="Slide Number Placeholder 5">
-            <a:extLst>
-              <a:ext uri="{FF2B5EF4-FFF2-40B4-BE49-F238E27FC236}">
-                <a16:creationId xmlns:a16="http://schemas.microsoft.com/office/drawing/2014/main" id="{F1816454-4EB2-45EF-BB87-2EAB302EE0B5}"/>
-              </a:ext>
-            </a:extLst>
-          </p:cNvPr>
+          <p:cNvPr id="6" name="Slide Number Placeholder 5"/>
           <p:cNvSpPr>
             <a:spLocks noGrp="1"/>
           </p:cNvSpPr>
@@ -519,7 +1903,7 @@
     </p:spTree>
     <p:extLst>
       <p:ext uri="{BB962C8B-B14F-4D97-AF65-F5344CB8AC3E}">
-        <p14:creationId xmlns:p14="http://schemas.microsoft.com/office/powerpoint/2010/main" val="558615448"/>
+        <p14:creationId xmlns:p14="http://schemas.microsoft.com/office/powerpoint/2010/main" val="2182857531"/>
       </p:ext>
     </p:extLst>
   </p:cSld>
@@ -529,7 +1913,7 @@
 </p:sldLayout>
 </file>
 
-<file path=ppt/slideLayouts/slideLayout11.xml><?xml version="1.0" encoding="utf-8"?>
+<file path=ppt/slideLayouts/slideLayout14.xml><?xml version="1.0" encoding="utf-8"?>
 <p:sldLayout xmlns:a="http://schemas.openxmlformats.org/drawingml/2006/main" xmlns:r="http://schemas.openxmlformats.org/officeDocument/2006/relationships" xmlns:p="http://schemas.openxmlformats.org/presentationml/2006/main" type="vertTitleAndTx" preserve="1">
   <p:cSld name="Vertical Title and Text">
     <p:spTree>
@@ -548,13 +1932,112 @@
       </p:grpSpPr>
       <p:sp>
         <p:nvSpPr>
-          <p:cNvPr id="2" name="Vertical Title 1">
-            <a:extLst>
-              <a:ext uri="{FF2B5EF4-FFF2-40B4-BE49-F238E27FC236}">
-                <a16:creationId xmlns:a16="http://schemas.microsoft.com/office/drawing/2014/main" id="{1522F394-12F4-4A04-B5AD-AA5DF4F85F5A}"/>
-              </a:ext>
-            </a:extLst>
-          </p:cNvPr>
+          <p:cNvPr id="12" name="Freeform 6"/>
+          <p:cNvSpPr>
+            <a:spLocks noChangeAspect="1"/>
+          </p:cNvSpPr>
+          <p:nvPr/>
+        </p:nvSpPr>
+        <p:spPr bwMode="auto">
+          <a:xfrm>
+            <a:off x="7669651" y="446089"/>
+            <a:ext cx="4522349" cy="5414962"/>
+          </a:xfrm>
+          <a:custGeom>
+            <a:avLst/>
+            <a:gdLst/>
+            <a:ahLst/>
+            <a:cxnLst/>
+            <a:rect l="0" t="0" r="r" b="b"/>
+            <a:pathLst>
+              <a:path w="2879" h="4320">
+                <a:moveTo>
+                  <a:pt x="183" y="0"/>
+                </a:moveTo>
+                <a:lnTo>
+                  <a:pt x="183" y="1197"/>
+                </a:lnTo>
+                <a:lnTo>
+                  <a:pt x="8" y="1372"/>
+                </a:lnTo>
+                <a:lnTo>
+                  <a:pt x="8" y="1372"/>
+                </a:lnTo>
+                <a:lnTo>
+                  <a:pt x="6" y="1376"/>
+                </a:lnTo>
+                <a:lnTo>
+                  <a:pt x="3" y="1382"/>
+                </a:lnTo>
+                <a:lnTo>
+                  <a:pt x="0" y="1387"/>
+                </a:lnTo>
+                <a:lnTo>
+                  <a:pt x="0" y="1393"/>
+                </a:lnTo>
+                <a:lnTo>
+                  <a:pt x="0" y="1399"/>
+                </a:lnTo>
+                <a:lnTo>
+                  <a:pt x="3" y="1404"/>
+                </a:lnTo>
+                <a:lnTo>
+                  <a:pt x="6" y="1410"/>
+                </a:lnTo>
+                <a:lnTo>
+                  <a:pt x="8" y="1414"/>
+                </a:lnTo>
+                <a:lnTo>
+                  <a:pt x="183" y="1589"/>
+                </a:lnTo>
+                <a:lnTo>
+                  <a:pt x="183" y="4320"/>
+                </a:lnTo>
+                <a:lnTo>
+                  <a:pt x="2879" y="4320"/>
+                </a:lnTo>
+                <a:lnTo>
+                  <a:pt x="2879" y="0"/>
+                </a:lnTo>
+                <a:lnTo>
+                  <a:pt x="183" y="0"/>
+                </a:lnTo>
+                <a:close/>
+              </a:path>
+            </a:pathLst>
+          </a:custGeom>
+          <a:ln/>
+          <a:extLst>
+            <a:ext uri="{91240B29-F687-4f45-9708-019B960494DF}">
+              <a14:hiddenLine xmlns:a14="http://schemas.microsoft.com/office/drawing/2010/main" xmlns="" w="9525">
+                <a:solidFill>
+                  <a:srgbClr val="000000"/>
+                </a:solidFill>
+                <a:round/>
+                <a:headEnd/>
+                <a:tailEnd/>
+              </a14:hiddenLine>
+            </a:ext>
+          </a:extLst>
+        </p:spPr>
+        <p:style>
+          <a:lnRef idx="1">
+            <a:schemeClr val="accent1"/>
+          </a:lnRef>
+          <a:fillRef idx="3">
+            <a:schemeClr val="accent1"/>
+          </a:fillRef>
+          <a:effectRef idx="2">
+            <a:schemeClr val="accent1"/>
+          </a:effectRef>
+          <a:fontRef idx="minor">
+            <a:schemeClr val="lt1"/>
+          </a:fontRef>
+        </p:style>
+      </p:sp>
+      <p:sp>
+        <p:nvSpPr>
+          <p:cNvPr id="2" name="Vertical Title 1"/>
           <p:cNvSpPr>
             <a:spLocks noGrp="1"/>
           </p:cNvSpPr>
@@ -564,8 +2047,8 @@
         </p:nvSpPr>
         <p:spPr>
           <a:xfrm>
-            <a:off x="8724900" y="365125"/>
-            <a:ext cx="2628900" cy="5811838"/>
+            <a:off x="8183540" y="586171"/>
+            <a:ext cx="2494791" cy="5134798"/>
           </a:xfrm>
         </p:spPr>
         <p:txBody>
@@ -576,18 +2059,13 @@
               <a:rPr lang="en-US"/>
               <a:t>Click to edit Master title style</a:t>
             </a:r>
-          </a:p>
-        </p:txBody>
-      </p:sp>
-      <p:sp>
-        <p:nvSpPr>
-          <p:cNvPr id="3" name="Vertical Text Placeholder 2">
-            <a:extLst>
-              <a:ext uri="{FF2B5EF4-FFF2-40B4-BE49-F238E27FC236}">
-                <a16:creationId xmlns:a16="http://schemas.microsoft.com/office/drawing/2014/main" id="{76830E89-B42D-4A96-9978-2221F96A7E19}"/>
-              </a:ext>
-            </a:extLst>
-          </p:cNvPr>
+            <a:endParaRPr lang="en-US" dirty="0"/>
+          </a:p>
+        </p:txBody>
+      </p:sp>
+      <p:sp>
+        <p:nvSpPr>
+          <p:cNvPr id="3" name="Vertical Text Placeholder 2"/>
           <p:cNvSpPr>
             <a:spLocks noGrp="1"/>
           </p:cNvSpPr>
@@ -597,12 +2075,12 @@
         </p:nvSpPr>
         <p:spPr>
           <a:xfrm>
-            <a:off x="838200" y="365125"/>
-            <a:ext cx="7734300" cy="5811838"/>
+            <a:off x="810001" y="446089"/>
+            <a:ext cx="6611540" cy="5414962"/>
           </a:xfrm>
         </p:spPr>
         <p:txBody>
-          <a:bodyPr vert="eaVert"/>
+          <a:bodyPr vert="eaVert" anchor="t"/>
           <a:lstStyle/>
           <a:p>
             <a:pPr lvl="0"/>
@@ -638,18 +2116,13 @@
               <a:rPr lang="en-US"/>
               <a:t>Fifth level</a:t>
             </a:r>
-          </a:p>
-        </p:txBody>
-      </p:sp>
-      <p:sp>
-        <p:nvSpPr>
-          <p:cNvPr id="4" name="Date Placeholder 3">
-            <a:extLst>
-              <a:ext uri="{FF2B5EF4-FFF2-40B4-BE49-F238E27FC236}">
-                <a16:creationId xmlns:a16="http://schemas.microsoft.com/office/drawing/2014/main" id="{F9E536FB-A1D4-45BF-8398-D551FA8C64EB}"/>
-              </a:ext>
-            </a:extLst>
-          </p:cNvPr>
+            <a:endParaRPr lang="en-US" dirty="0"/>
+          </a:p>
+        </p:txBody>
+      </p:sp>
+      <p:sp>
+        <p:nvSpPr>
+          <p:cNvPr id="4" name="Date Placeholder 3"/>
           <p:cNvSpPr>
             <a:spLocks noGrp="1"/>
           </p:cNvSpPr>
@@ -664,7 +2137,7 @@
           <a:p>
             <a:fld id="{F14DD5ED-21E8-403F-A50A-9F652BDD80BA}" type="datetimeFigureOut">
               <a:rPr lang="en-US" smtClean="0"/>
-              <a:t>11/7/2021</a:t>
+              <a:t>11/8/2021</a:t>
             </a:fld>
             <a:endParaRPr lang="en-US"/>
           </a:p>
@@ -672,13 +2145,7 @@
       </p:sp>
       <p:sp>
         <p:nvSpPr>
-          <p:cNvPr id="5" name="Footer Placeholder 4">
-            <a:extLst>
-              <a:ext uri="{FF2B5EF4-FFF2-40B4-BE49-F238E27FC236}">
-                <a16:creationId xmlns:a16="http://schemas.microsoft.com/office/drawing/2014/main" id="{8AB45662-5BE4-4270-A90A-8545D0267981}"/>
-              </a:ext>
-            </a:extLst>
-          </p:cNvPr>
+          <p:cNvPr id="5" name="Footer Placeholder 4"/>
           <p:cNvSpPr>
             <a:spLocks noGrp="1"/>
           </p:cNvSpPr>
@@ -697,13 +2164,7 @@
       </p:sp>
       <p:sp>
         <p:nvSpPr>
-          <p:cNvPr id="6" name="Slide Number Placeholder 5">
-            <a:extLst>
-              <a:ext uri="{FF2B5EF4-FFF2-40B4-BE49-F238E27FC236}">
-                <a16:creationId xmlns:a16="http://schemas.microsoft.com/office/drawing/2014/main" id="{F05C33CE-8FDD-440A-8118-6F8176D82E42}"/>
-              </a:ext>
-            </a:extLst>
-          </p:cNvPr>
+          <p:cNvPr id="6" name="Slide Number Placeholder 5"/>
           <p:cNvSpPr>
             <a:spLocks noGrp="1"/>
           </p:cNvSpPr>
@@ -727,7 +2188,7 @@
     </p:spTree>
     <p:extLst>
       <p:ext uri="{BB962C8B-B14F-4D97-AF65-F5344CB8AC3E}">
-        <p14:creationId xmlns:p14="http://schemas.microsoft.com/office/powerpoint/2010/main" val="1933443909"/>
+        <p14:creationId xmlns:p14="http://schemas.microsoft.com/office/powerpoint/2010/main" val="3734023995"/>
       </p:ext>
     </p:extLst>
   </p:cSld>
@@ -756,13 +2217,110 @@
       </p:grpSpPr>
       <p:sp>
         <p:nvSpPr>
-          <p:cNvPr id="2" name="Title 1">
-            <a:extLst>
-              <a:ext uri="{FF2B5EF4-FFF2-40B4-BE49-F238E27FC236}">
-                <a16:creationId xmlns:a16="http://schemas.microsoft.com/office/drawing/2014/main" id="{6B9FBD1D-60A4-440C-9B1C-F580C7A94DA2}"/>
-              </a:ext>
-            </a:extLst>
-          </p:cNvPr>
+          <p:cNvPr id="11" name="Freeform 6"/>
+          <p:cNvSpPr/>
+          <p:nvPr/>
+        </p:nvSpPr>
+        <p:spPr bwMode="auto">
+          <a:xfrm>
+            <a:off x="0" y="0"/>
+            <a:ext cx="12192000" cy="2185988"/>
+          </a:xfrm>
+          <a:custGeom>
+            <a:avLst/>
+            <a:gdLst/>
+            <a:ahLst/>
+            <a:cxnLst/>
+            <a:rect l="0" t="0" r="r" b="b"/>
+            <a:pathLst>
+              <a:path w="5760" h="1377">
+                <a:moveTo>
+                  <a:pt x="5760" y="0"/>
+                </a:moveTo>
+                <a:lnTo>
+                  <a:pt x="0" y="0"/>
+                </a:lnTo>
+                <a:lnTo>
+                  <a:pt x="0" y="1189"/>
+                </a:lnTo>
+                <a:lnTo>
+                  <a:pt x="943" y="1189"/>
+                </a:lnTo>
+                <a:lnTo>
+                  <a:pt x="1123" y="1369"/>
+                </a:lnTo>
+                <a:lnTo>
+                  <a:pt x="1123" y="1369"/>
+                </a:lnTo>
+                <a:lnTo>
+                  <a:pt x="1127" y="1371"/>
+                </a:lnTo>
+                <a:lnTo>
+                  <a:pt x="1133" y="1374"/>
+                </a:lnTo>
+                <a:lnTo>
+                  <a:pt x="1139" y="1377"/>
+                </a:lnTo>
+                <a:lnTo>
+                  <a:pt x="1144" y="1377"/>
+                </a:lnTo>
+                <a:lnTo>
+                  <a:pt x="1150" y="1377"/>
+                </a:lnTo>
+                <a:lnTo>
+                  <a:pt x="1155" y="1374"/>
+                </a:lnTo>
+                <a:lnTo>
+                  <a:pt x="1161" y="1371"/>
+                </a:lnTo>
+                <a:lnTo>
+                  <a:pt x="1165" y="1369"/>
+                </a:lnTo>
+                <a:lnTo>
+                  <a:pt x="1345" y="1189"/>
+                </a:lnTo>
+                <a:lnTo>
+                  <a:pt x="5760" y="1189"/>
+                </a:lnTo>
+                <a:lnTo>
+                  <a:pt x="5760" y="0"/>
+                </a:lnTo>
+                <a:close/>
+              </a:path>
+            </a:pathLst>
+          </a:custGeom>
+          <a:ln/>
+          <a:extLst>
+            <a:ext uri="{91240B29-F687-4f45-9708-019B960494DF}">
+              <a14:hiddenLine xmlns:a14="http://schemas.microsoft.com/office/drawing/2010/main" xmlns="" w="9525">
+                <a:solidFill>
+                  <a:srgbClr val="000000"/>
+                </a:solidFill>
+                <a:round/>
+                <a:headEnd/>
+                <a:tailEnd/>
+              </a14:hiddenLine>
+            </a:ext>
+          </a:extLst>
+        </p:spPr>
+        <p:style>
+          <a:lnRef idx="1">
+            <a:schemeClr val="accent1"/>
+          </a:lnRef>
+          <a:fillRef idx="3">
+            <a:schemeClr val="accent1"/>
+          </a:fillRef>
+          <a:effectRef idx="2">
+            <a:schemeClr val="accent1"/>
+          </a:effectRef>
+          <a:fontRef idx="minor">
+            <a:schemeClr val="lt1"/>
+          </a:fontRef>
+        </p:style>
+      </p:sp>
+      <p:sp>
+        <p:nvSpPr>
+          <p:cNvPr id="2" name="Title 1"/>
           <p:cNvSpPr>
             <a:spLocks noGrp="1"/>
           </p:cNvSpPr>
@@ -770,7 +2328,12 @@
             <p:ph type="title"/>
           </p:nvPr>
         </p:nvSpPr>
-        <p:spPr/>
+        <p:spPr>
+          <a:xfrm>
+            <a:off x="810000" y="447188"/>
+            <a:ext cx="10571998" cy="970450"/>
+          </a:xfrm>
+        </p:spPr>
         <p:txBody>
           <a:bodyPr/>
           <a:lstStyle/>
@@ -779,18 +2342,13 @@
               <a:rPr lang="en-US"/>
               <a:t>Click to edit Master title style</a:t>
             </a:r>
-          </a:p>
-        </p:txBody>
-      </p:sp>
-      <p:sp>
-        <p:nvSpPr>
-          <p:cNvPr id="3" name="Content Placeholder 2">
-            <a:extLst>
-              <a:ext uri="{FF2B5EF4-FFF2-40B4-BE49-F238E27FC236}">
-                <a16:creationId xmlns:a16="http://schemas.microsoft.com/office/drawing/2014/main" id="{30197123-CE3D-44BD-A63C-7D5431DB7ED4}"/>
-              </a:ext>
-            </a:extLst>
-          </p:cNvPr>
+            <a:endParaRPr lang="en-US" dirty="0"/>
+          </a:p>
+        </p:txBody>
+      </p:sp>
+      <p:sp>
+        <p:nvSpPr>
+          <p:cNvPr id="3" name="Content Placeholder 2"/>
           <p:cNvSpPr>
             <a:spLocks noGrp="1"/>
           </p:cNvSpPr>
@@ -798,7 +2356,12 @@
             <p:ph idx="1"/>
           </p:nvPr>
         </p:nvSpPr>
-        <p:spPr/>
+        <p:spPr>
+          <a:xfrm>
+            <a:off x="818712" y="2222287"/>
+            <a:ext cx="10554574" cy="3636511"/>
+          </a:xfrm>
+        </p:spPr>
         <p:txBody>
           <a:bodyPr/>
           <a:lstStyle/>
@@ -836,18 +2399,13 @@
               <a:rPr lang="en-US"/>
               <a:t>Fifth level</a:t>
             </a:r>
-          </a:p>
-        </p:txBody>
-      </p:sp>
-      <p:sp>
-        <p:nvSpPr>
-          <p:cNvPr id="4" name="Date Placeholder 3">
-            <a:extLst>
-              <a:ext uri="{FF2B5EF4-FFF2-40B4-BE49-F238E27FC236}">
-                <a16:creationId xmlns:a16="http://schemas.microsoft.com/office/drawing/2014/main" id="{910532D3-F57F-4DA4-8C0E-BA9C23990A61}"/>
-              </a:ext>
-            </a:extLst>
-          </p:cNvPr>
+            <a:endParaRPr lang="en-US" dirty="0"/>
+          </a:p>
+        </p:txBody>
+      </p:sp>
+      <p:sp>
+        <p:nvSpPr>
+          <p:cNvPr id="4" name="Date Placeholder 3"/>
           <p:cNvSpPr>
             <a:spLocks noGrp="1"/>
           </p:cNvSpPr>
@@ -862,7 +2420,7 @@
           <a:p>
             <a:fld id="{F14DD5ED-21E8-403F-A50A-9F652BDD80BA}" type="datetimeFigureOut">
               <a:rPr lang="en-US" smtClean="0"/>
-              <a:t>11/7/2021</a:t>
+              <a:t>11/8/2021</a:t>
             </a:fld>
             <a:endParaRPr lang="en-US"/>
           </a:p>
@@ -870,13 +2428,7 @@
       </p:sp>
       <p:sp>
         <p:nvSpPr>
-          <p:cNvPr id="5" name="Footer Placeholder 4">
-            <a:extLst>
-              <a:ext uri="{FF2B5EF4-FFF2-40B4-BE49-F238E27FC236}">
-                <a16:creationId xmlns:a16="http://schemas.microsoft.com/office/drawing/2014/main" id="{2A5FA6FF-4EDB-490B-A400-03873EA25BF9}"/>
-              </a:ext>
-            </a:extLst>
-          </p:cNvPr>
+          <p:cNvPr id="5" name="Footer Placeholder 4"/>
           <p:cNvSpPr>
             <a:spLocks noGrp="1"/>
           </p:cNvSpPr>
@@ -895,13 +2447,7 @@
       </p:sp>
       <p:sp>
         <p:nvSpPr>
-          <p:cNvPr id="6" name="Slide Number Placeholder 5">
-            <a:extLst>
-              <a:ext uri="{FF2B5EF4-FFF2-40B4-BE49-F238E27FC236}">
-                <a16:creationId xmlns:a16="http://schemas.microsoft.com/office/drawing/2014/main" id="{F4EDE2F4-DE6A-4E1C-86E7-F86EF43E4C2D}"/>
-              </a:ext>
-            </a:extLst>
-          </p:cNvPr>
+          <p:cNvPr id="6" name="Slide Number Placeholder 5"/>
           <p:cNvSpPr>
             <a:spLocks noGrp="1"/>
           </p:cNvSpPr>
@@ -925,7 +2471,7 @@
     </p:spTree>
     <p:extLst>
       <p:ext uri="{BB962C8B-B14F-4D97-AF65-F5344CB8AC3E}">
-        <p14:creationId xmlns:p14="http://schemas.microsoft.com/office/powerpoint/2010/main" val="4016880391"/>
+        <p14:creationId xmlns:p14="http://schemas.microsoft.com/office/powerpoint/2010/main" val="902619064"/>
       </p:ext>
     </p:extLst>
   </p:cSld>
@@ -954,13 +2500,104 @@
       </p:grpSpPr>
       <p:sp>
         <p:nvSpPr>
-          <p:cNvPr id="2" name="Title 1">
-            <a:extLst>
-              <a:ext uri="{FF2B5EF4-FFF2-40B4-BE49-F238E27FC236}">
-                <a16:creationId xmlns:a16="http://schemas.microsoft.com/office/drawing/2014/main" id="{F10FAD16-5DEF-48B0-956B-989D2018BDE4}"/>
-              </a:ext>
-            </a:extLst>
-          </p:cNvPr>
+          <p:cNvPr id="10" name="Freeform 7"/>
+          <p:cNvSpPr/>
+          <p:nvPr/>
+        </p:nvSpPr>
+        <p:spPr bwMode="auto">
+          <a:xfrm>
+            <a:off x="0" y="1"/>
+            <a:ext cx="12192000" cy="5203825"/>
+          </a:xfrm>
+          <a:custGeom>
+            <a:avLst/>
+            <a:gdLst/>
+            <a:ahLst/>
+            <a:cxnLst/>
+            <a:rect l="0" t="0" r="r" b="b"/>
+            <a:pathLst>
+              <a:path w="5760" h="3278">
+                <a:moveTo>
+                  <a:pt x="0" y="0"/>
+                </a:moveTo>
+                <a:lnTo>
+                  <a:pt x="5760" y="0"/>
+                </a:lnTo>
+                <a:lnTo>
+                  <a:pt x="5760" y="3090"/>
+                </a:lnTo>
+                <a:lnTo>
+                  <a:pt x="4817" y="3090"/>
+                </a:lnTo>
+                <a:lnTo>
+                  <a:pt x="4637" y="3270"/>
+                </a:lnTo>
+                <a:lnTo>
+                  <a:pt x="4637" y="3270"/>
+                </a:lnTo>
+                <a:lnTo>
+                  <a:pt x="4633" y="3272"/>
+                </a:lnTo>
+                <a:lnTo>
+                  <a:pt x="4627" y="3275"/>
+                </a:lnTo>
+                <a:lnTo>
+                  <a:pt x="4621" y="3278"/>
+                </a:lnTo>
+                <a:lnTo>
+                  <a:pt x="4616" y="3278"/>
+                </a:lnTo>
+                <a:lnTo>
+                  <a:pt x="4610" y="3278"/>
+                </a:lnTo>
+                <a:lnTo>
+                  <a:pt x="4605" y="3275"/>
+                </a:lnTo>
+                <a:lnTo>
+                  <a:pt x="4599" y="3272"/>
+                </a:lnTo>
+                <a:lnTo>
+                  <a:pt x="4595" y="3270"/>
+                </a:lnTo>
+                <a:lnTo>
+                  <a:pt x="4415" y="3090"/>
+                </a:lnTo>
+                <a:lnTo>
+                  <a:pt x="0" y="3090"/>
+                </a:lnTo>
+                <a:lnTo>
+                  <a:pt x="0" y="0"/>
+                </a:lnTo>
+                <a:lnTo>
+                  <a:pt x="0" y="0"/>
+                </a:lnTo>
+                <a:close/>
+              </a:path>
+            </a:pathLst>
+          </a:custGeom>
+          <a:ln>
+            <a:headEnd/>
+            <a:tailEnd/>
+          </a:ln>
+        </p:spPr>
+        <p:style>
+          <a:lnRef idx="1">
+            <a:schemeClr val="accent1"/>
+          </a:lnRef>
+          <a:fillRef idx="3">
+            <a:schemeClr val="accent1"/>
+          </a:fillRef>
+          <a:effectRef idx="2">
+            <a:schemeClr val="accent1"/>
+          </a:effectRef>
+          <a:fontRef idx="minor">
+            <a:schemeClr val="lt1"/>
+          </a:fontRef>
+        </p:style>
+      </p:sp>
+      <p:sp>
+        <p:nvSpPr>
+          <p:cNvPr id="2" name="Title 1"/>
           <p:cNvSpPr>
             <a:spLocks noGrp="1"/>
           </p:cNvSpPr>
@@ -970,15 +2607,15 @@
         </p:nvSpPr>
         <p:spPr>
           <a:xfrm>
-            <a:off x="831850" y="1709738"/>
-            <a:ext cx="10515600" cy="2852737"/>
+            <a:off x="810000" y="2951396"/>
+            <a:ext cx="10561418" cy="1468800"/>
           </a:xfrm>
         </p:spPr>
         <p:txBody>
           <a:bodyPr anchor="b"/>
           <a:lstStyle>
-            <a:lvl1pPr>
-              <a:defRPr sz="6000"/>
+            <a:lvl1pPr algn="r">
+              <a:defRPr sz="4800" b="1" cap="none"/>
             </a:lvl1pPr>
           </a:lstStyle>
           <a:p>
@@ -986,18 +2623,13 @@
               <a:rPr lang="en-US"/>
               <a:t>Click to edit Master title style</a:t>
             </a:r>
-          </a:p>
-        </p:txBody>
-      </p:sp>
-      <p:sp>
-        <p:nvSpPr>
-          <p:cNvPr id="3" name="Text Placeholder 2">
-            <a:extLst>
-              <a:ext uri="{FF2B5EF4-FFF2-40B4-BE49-F238E27FC236}">
-                <a16:creationId xmlns:a16="http://schemas.microsoft.com/office/drawing/2014/main" id="{D609AB0C-EC2A-4872-A751-A6DC963425D7}"/>
-              </a:ext>
-            </a:extLst>
-          </p:cNvPr>
+            <a:endParaRPr lang="en-US" dirty="0"/>
+          </a:p>
+        </p:txBody>
+      </p:sp>
+      <p:sp>
+        <p:nvSpPr>
+          <p:cNvPr id="3" name="Text Placeholder 2"/>
           <p:cNvSpPr>
             <a:spLocks noGrp="1"/>
           </p:cNvSpPr>
@@ -1007,26 +2639,26 @@
         </p:nvSpPr>
         <p:spPr>
           <a:xfrm>
-            <a:off x="831850" y="4589463"/>
-            <a:ext cx="10515600" cy="1500187"/>
+            <a:off x="810000" y="5281201"/>
+            <a:ext cx="10561418" cy="433955"/>
           </a:xfrm>
         </p:spPr>
         <p:txBody>
-          <a:bodyPr/>
+          <a:bodyPr anchor="t">
+            <a:noAutofit/>
+          </a:bodyPr>
           <a:lstStyle>
-            <a:lvl1pPr marL="0" indent="0">
-              <a:buNone/>
-              <a:defRPr sz="2400">
+            <a:lvl1pPr marL="0" indent="0" algn="r">
+              <a:buNone/>
+              <a:defRPr sz="1800">
                 <a:solidFill>
-                  <a:schemeClr val="tx1">
-                    <a:tint val="75000"/>
-                  </a:schemeClr>
+                  <a:schemeClr val="tx1"/>
                 </a:solidFill>
               </a:defRPr>
             </a:lvl1pPr>
             <a:lvl2pPr marL="457200" indent="0">
               <a:buNone/>
-              <a:defRPr sz="2000">
+              <a:defRPr sz="1800">
                 <a:solidFill>
                   <a:schemeClr val="tx1">
                     <a:tint val="75000"/>
@@ -1036,7 +2668,7 @@
             </a:lvl2pPr>
             <a:lvl3pPr marL="914400" indent="0">
               <a:buNone/>
-              <a:defRPr sz="1800">
+              <a:defRPr sz="1600">
                 <a:solidFill>
                   <a:schemeClr val="tx1">
                     <a:tint val="75000"/>
@@ -1046,7 +2678,7 @@
             </a:lvl3pPr>
             <a:lvl4pPr marL="1371600" indent="0">
               <a:buNone/>
-              <a:defRPr sz="1600">
+              <a:defRPr sz="1400">
                 <a:solidFill>
                   <a:schemeClr val="tx1">
                     <a:tint val="75000"/>
@@ -1056,7 +2688,7 @@
             </a:lvl4pPr>
             <a:lvl5pPr marL="1828800" indent="0">
               <a:buNone/>
-              <a:defRPr sz="1600">
+              <a:defRPr sz="1400">
                 <a:solidFill>
                   <a:schemeClr val="tx1">
                     <a:tint val="75000"/>
@@ -1066,7 +2698,7 @@
             </a:lvl5pPr>
             <a:lvl6pPr marL="2286000" indent="0">
               <a:buNone/>
-              <a:defRPr sz="1600">
+              <a:defRPr sz="1400">
                 <a:solidFill>
                   <a:schemeClr val="tx1">
                     <a:tint val="75000"/>
@@ -1076,7 +2708,7 @@
             </a:lvl6pPr>
             <a:lvl7pPr marL="2743200" indent="0">
               <a:buNone/>
-              <a:defRPr sz="1600">
+              <a:defRPr sz="1400">
                 <a:solidFill>
                   <a:schemeClr val="tx1">
                     <a:tint val="75000"/>
@@ -1086,7 +2718,7 @@
             </a:lvl7pPr>
             <a:lvl8pPr marL="3200400" indent="0">
               <a:buNone/>
-              <a:defRPr sz="1600">
+              <a:defRPr sz="1400">
                 <a:solidFill>
                   <a:schemeClr val="tx1">
                     <a:tint val="75000"/>
@@ -1096,7 +2728,7 @@
             </a:lvl8pPr>
             <a:lvl9pPr marL="3657600" indent="0">
               <a:buNone/>
-              <a:defRPr sz="1600">
+              <a:defRPr sz="1400">
                 <a:solidFill>
                   <a:schemeClr val="tx1">
                     <a:tint val="75000"/>
@@ -1116,13 +2748,7 @@
       </p:sp>
       <p:sp>
         <p:nvSpPr>
-          <p:cNvPr id="4" name="Date Placeholder 3">
-            <a:extLst>
-              <a:ext uri="{FF2B5EF4-FFF2-40B4-BE49-F238E27FC236}">
-                <a16:creationId xmlns:a16="http://schemas.microsoft.com/office/drawing/2014/main" id="{EBEB2848-4A8A-49FC-B6F7-4E118B6A17DF}"/>
-              </a:ext>
-            </a:extLst>
-          </p:cNvPr>
+          <p:cNvPr id="4" name="Date Placeholder 3"/>
           <p:cNvSpPr>
             <a:spLocks noGrp="1"/>
           </p:cNvSpPr>
@@ -1137,7 +2763,7 @@
           <a:p>
             <a:fld id="{F14DD5ED-21E8-403F-A50A-9F652BDD80BA}" type="datetimeFigureOut">
               <a:rPr lang="en-US" smtClean="0"/>
-              <a:t>11/7/2021</a:t>
+              <a:t>11/8/2021</a:t>
             </a:fld>
             <a:endParaRPr lang="en-US"/>
           </a:p>
@@ -1145,13 +2771,7 @@
       </p:sp>
       <p:sp>
         <p:nvSpPr>
-          <p:cNvPr id="5" name="Footer Placeholder 4">
-            <a:extLst>
-              <a:ext uri="{FF2B5EF4-FFF2-40B4-BE49-F238E27FC236}">
-                <a16:creationId xmlns:a16="http://schemas.microsoft.com/office/drawing/2014/main" id="{CBB063EE-2CE5-4AD0-A69F-7779970A2D04}"/>
-              </a:ext>
-            </a:extLst>
-          </p:cNvPr>
+          <p:cNvPr id="5" name="Footer Placeholder 4"/>
           <p:cNvSpPr>
             <a:spLocks noGrp="1"/>
           </p:cNvSpPr>
@@ -1170,13 +2790,7 @@
       </p:sp>
       <p:sp>
         <p:nvSpPr>
-          <p:cNvPr id="6" name="Slide Number Placeholder 5">
-            <a:extLst>
-              <a:ext uri="{FF2B5EF4-FFF2-40B4-BE49-F238E27FC236}">
-                <a16:creationId xmlns:a16="http://schemas.microsoft.com/office/drawing/2014/main" id="{293FDC2D-0BFE-4786-BC4C-917BD0C73F50}"/>
-              </a:ext>
-            </a:extLst>
-          </p:cNvPr>
+          <p:cNvPr id="6" name="Slide Number Placeholder 5"/>
           <p:cNvSpPr>
             <a:spLocks noGrp="1"/>
           </p:cNvSpPr>
@@ -1200,7 +2814,7 @@
     </p:spTree>
     <p:extLst>
       <p:ext uri="{BB962C8B-B14F-4D97-AF65-F5344CB8AC3E}">
-        <p14:creationId xmlns:p14="http://schemas.microsoft.com/office/powerpoint/2010/main" val="1798142485"/>
+        <p14:creationId xmlns:p14="http://schemas.microsoft.com/office/powerpoint/2010/main" val="390257264"/>
       </p:ext>
     </p:extLst>
   </p:cSld>
@@ -1229,13 +2843,110 @@
       </p:grpSpPr>
       <p:sp>
         <p:nvSpPr>
-          <p:cNvPr id="2" name="Title 1">
-            <a:extLst>
-              <a:ext uri="{FF2B5EF4-FFF2-40B4-BE49-F238E27FC236}">
-                <a16:creationId xmlns:a16="http://schemas.microsoft.com/office/drawing/2014/main" id="{63463EB2-3BBF-4F6D-8B37-3E7D0E241638}"/>
-              </a:ext>
-            </a:extLst>
-          </p:cNvPr>
+          <p:cNvPr id="8" name="Freeform 6"/>
+          <p:cNvSpPr/>
+          <p:nvPr/>
+        </p:nvSpPr>
+        <p:spPr bwMode="auto">
+          <a:xfrm>
+            <a:off x="0" y="0"/>
+            <a:ext cx="12192000" cy="2185988"/>
+          </a:xfrm>
+          <a:custGeom>
+            <a:avLst/>
+            <a:gdLst/>
+            <a:ahLst/>
+            <a:cxnLst/>
+            <a:rect l="0" t="0" r="r" b="b"/>
+            <a:pathLst>
+              <a:path w="5760" h="1377">
+                <a:moveTo>
+                  <a:pt x="5760" y="0"/>
+                </a:moveTo>
+                <a:lnTo>
+                  <a:pt x="0" y="0"/>
+                </a:lnTo>
+                <a:lnTo>
+                  <a:pt x="0" y="1189"/>
+                </a:lnTo>
+                <a:lnTo>
+                  <a:pt x="943" y="1189"/>
+                </a:lnTo>
+                <a:lnTo>
+                  <a:pt x="1123" y="1369"/>
+                </a:lnTo>
+                <a:lnTo>
+                  <a:pt x="1123" y="1369"/>
+                </a:lnTo>
+                <a:lnTo>
+                  <a:pt x="1127" y="1371"/>
+                </a:lnTo>
+                <a:lnTo>
+                  <a:pt x="1133" y="1374"/>
+                </a:lnTo>
+                <a:lnTo>
+                  <a:pt x="1139" y="1377"/>
+                </a:lnTo>
+                <a:lnTo>
+                  <a:pt x="1144" y="1377"/>
+                </a:lnTo>
+                <a:lnTo>
+                  <a:pt x="1150" y="1377"/>
+                </a:lnTo>
+                <a:lnTo>
+                  <a:pt x="1155" y="1374"/>
+                </a:lnTo>
+                <a:lnTo>
+                  <a:pt x="1161" y="1371"/>
+                </a:lnTo>
+                <a:lnTo>
+                  <a:pt x="1165" y="1369"/>
+                </a:lnTo>
+                <a:lnTo>
+                  <a:pt x="1345" y="1189"/>
+                </a:lnTo>
+                <a:lnTo>
+                  <a:pt x="5760" y="1189"/>
+                </a:lnTo>
+                <a:lnTo>
+                  <a:pt x="5760" y="0"/>
+                </a:lnTo>
+                <a:close/>
+              </a:path>
+            </a:pathLst>
+          </a:custGeom>
+          <a:ln/>
+          <a:extLst>
+            <a:ext uri="{91240B29-F687-4f45-9708-019B960494DF}">
+              <a14:hiddenLine xmlns:a14="http://schemas.microsoft.com/office/drawing/2010/main" xmlns="" w="9525">
+                <a:solidFill>
+                  <a:srgbClr val="000000"/>
+                </a:solidFill>
+                <a:round/>
+                <a:headEnd/>
+                <a:tailEnd/>
+              </a14:hiddenLine>
+            </a:ext>
+          </a:extLst>
+        </p:spPr>
+        <p:style>
+          <a:lnRef idx="1">
+            <a:schemeClr val="accent1"/>
+          </a:lnRef>
+          <a:fillRef idx="3">
+            <a:schemeClr val="accent1"/>
+          </a:fillRef>
+          <a:effectRef idx="2">
+            <a:schemeClr val="accent1"/>
+          </a:effectRef>
+          <a:fontRef idx="minor">
+            <a:schemeClr val="lt1"/>
+          </a:fontRef>
+        </p:style>
+      </p:sp>
+      <p:sp>
+        <p:nvSpPr>
+          <p:cNvPr id="2" name="Title 1"/>
           <p:cNvSpPr>
             <a:spLocks noGrp="1"/>
           </p:cNvSpPr>
@@ -1252,18 +2963,13 @@
               <a:rPr lang="en-US"/>
               <a:t>Click to edit Master title style</a:t>
             </a:r>
-          </a:p>
-        </p:txBody>
-      </p:sp>
-      <p:sp>
-        <p:nvSpPr>
-          <p:cNvPr id="3" name="Content Placeholder 2">
-            <a:extLst>
-              <a:ext uri="{FF2B5EF4-FFF2-40B4-BE49-F238E27FC236}">
-                <a16:creationId xmlns:a16="http://schemas.microsoft.com/office/drawing/2014/main" id="{2CA35EE7-7EDE-4113-A0C6-CDA6894CB9A9}"/>
-              </a:ext>
-            </a:extLst>
-          </p:cNvPr>
+            <a:endParaRPr lang="en-US" dirty="0"/>
+          </a:p>
+        </p:txBody>
+      </p:sp>
+      <p:sp>
+        <p:nvSpPr>
+          <p:cNvPr id="3" name="Content Placeholder 2"/>
           <p:cNvSpPr>
             <a:spLocks noGrp="1"/>
           </p:cNvSpPr>
@@ -1273,175 +2979,157 @@
         </p:nvSpPr>
         <p:spPr>
           <a:xfrm>
-            <a:off x="838200" y="1825625"/>
-            <a:ext cx="5181600" cy="4351338"/>
+            <a:off x="818712" y="2222287"/>
+            <a:ext cx="5185873" cy="3638763"/>
           </a:xfrm>
         </p:spPr>
         <p:txBody>
+          <a:bodyPr>
+            <a:normAutofit/>
+          </a:bodyPr>
+          <a:lstStyle/>
+          <a:p>
+            <a:pPr lvl="0"/>
+            <a:r>
+              <a:rPr lang="en-US"/>
+              <a:t>Click to edit Master text styles</a:t>
+            </a:r>
+          </a:p>
+          <a:p>
+            <a:pPr lvl="1"/>
+            <a:r>
+              <a:rPr lang="en-US"/>
+              <a:t>Second level</a:t>
+            </a:r>
+          </a:p>
+          <a:p>
+            <a:pPr lvl="2"/>
+            <a:r>
+              <a:rPr lang="en-US"/>
+              <a:t>Third level</a:t>
+            </a:r>
+          </a:p>
+          <a:p>
+            <a:pPr lvl="3"/>
+            <a:r>
+              <a:rPr lang="en-US"/>
+              <a:t>Fourth level</a:t>
+            </a:r>
+          </a:p>
+          <a:p>
+            <a:pPr lvl="4"/>
+            <a:r>
+              <a:rPr lang="en-US"/>
+              <a:t>Fifth level</a:t>
+            </a:r>
+            <a:endParaRPr lang="en-US" dirty="0"/>
+          </a:p>
+        </p:txBody>
+      </p:sp>
+      <p:sp>
+        <p:nvSpPr>
+          <p:cNvPr id="4" name="Content Placeholder 3"/>
+          <p:cNvSpPr>
+            <a:spLocks noGrp="1"/>
+          </p:cNvSpPr>
+          <p:nvPr>
+            <p:ph sz="half" idx="2"/>
+          </p:nvPr>
+        </p:nvSpPr>
+        <p:spPr>
+          <a:xfrm>
+            <a:off x="6187415" y="2222287"/>
+            <a:ext cx="5194583" cy="3638764"/>
+          </a:xfrm>
+        </p:spPr>
+        <p:txBody>
+          <a:bodyPr>
+            <a:normAutofit/>
+          </a:bodyPr>
+          <a:lstStyle/>
+          <a:p>
+            <a:pPr lvl="0"/>
+            <a:r>
+              <a:rPr lang="en-US"/>
+              <a:t>Click to edit Master text styles</a:t>
+            </a:r>
+          </a:p>
+          <a:p>
+            <a:pPr lvl="1"/>
+            <a:r>
+              <a:rPr lang="en-US"/>
+              <a:t>Second level</a:t>
+            </a:r>
+          </a:p>
+          <a:p>
+            <a:pPr lvl="2"/>
+            <a:r>
+              <a:rPr lang="en-US"/>
+              <a:t>Third level</a:t>
+            </a:r>
+          </a:p>
+          <a:p>
+            <a:pPr lvl="3"/>
+            <a:r>
+              <a:rPr lang="en-US"/>
+              <a:t>Fourth level</a:t>
+            </a:r>
+          </a:p>
+          <a:p>
+            <a:pPr lvl="4"/>
+            <a:r>
+              <a:rPr lang="en-US"/>
+              <a:t>Fifth level</a:t>
+            </a:r>
+            <a:endParaRPr lang="en-US" dirty="0"/>
+          </a:p>
+        </p:txBody>
+      </p:sp>
+      <p:sp>
+        <p:nvSpPr>
+          <p:cNvPr id="5" name="Date Placeholder 4"/>
+          <p:cNvSpPr>
+            <a:spLocks noGrp="1"/>
+          </p:cNvSpPr>
+          <p:nvPr>
+            <p:ph type="dt" sz="half" idx="10"/>
+          </p:nvPr>
+        </p:nvSpPr>
+        <p:spPr/>
+        <p:txBody>
           <a:bodyPr/>
           <a:lstStyle/>
           <a:p>
-            <a:pPr lvl="0"/>
-            <a:r>
-              <a:rPr lang="en-US"/>
-              <a:t>Click to edit Master text styles</a:t>
-            </a:r>
-          </a:p>
-          <a:p>
-            <a:pPr lvl="1"/>
-            <a:r>
-              <a:rPr lang="en-US"/>
-              <a:t>Second level</a:t>
-            </a:r>
-          </a:p>
-          <a:p>
-            <a:pPr lvl="2"/>
-            <a:r>
-              <a:rPr lang="en-US"/>
-              <a:t>Third level</a:t>
-            </a:r>
-          </a:p>
-          <a:p>
-            <a:pPr lvl="3"/>
-            <a:r>
-              <a:rPr lang="en-US"/>
-              <a:t>Fourth level</a:t>
-            </a:r>
-          </a:p>
-          <a:p>
-            <a:pPr lvl="4"/>
-            <a:r>
-              <a:rPr lang="en-US"/>
-              <a:t>Fifth level</a:t>
-            </a:r>
-          </a:p>
-        </p:txBody>
-      </p:sp>
-      <p:sp>
-        <p:nvSpPr>
-          <p:cNvPr id="4" name="Content Placeholder 3">
-            <a:extLst>
-              <a:ext uri="{FF2B5EF4-FFF2-40B4-BE49-F238E27FC236}">
-                <a16:creationId xmlns:a16="http://schemas.microsoft.com/office/drawing/2014/main" id="{A52C1E06-CA63-4785-AA4C-6B58290E6E62}"/>
-              </a:ext>
-            </a:extLst>
-          </p:cNvPr>
-          <p:cNvSpPr>
-            <a:spLocks noGrp="1"/>
-          </p:cNvSpPr>
-          <p:nvPr>
-            <p:ph sz="half" idx="2"/>
-          </p:nvPr>
-        </p:nvSpPr>
-        <p:spPr>
-          <a:xfrm>
-            <a:off x="6172200" y="1825625"/>
-            <a:ext cx="5181600" cy="4351338"/>
-          </a:xfrm>
-        </p:spPr>
+            <a:fld id="{F14DD5ED-21E8-403F-A50A-9F652BDD80BA}" type="datetimeFigureOut">
+              <a:rPr lang="en-US" smtClean="0"/>
+              <a:t>11/8/2021</a:t>
+            </a:fld>
+            <a:endParaRPr lang="en-US"/>
+          </a:p>
+        </p:txBody>
+      </p:sp>
+      <p:sp>
+        <p:nvSpPr>
+          <p:cNvPr id="6" name="Footer Placeholder 5"/>
+          <p:cNvSpPr>
+            <a:spLocks noGrp="1"/>
+          </p:cNvSpPr>
+          <p:nvPr>
+            <p:ph type="ftr" sz="quarter" idx="11"/>
+          </p:nvPr>
+        </p:nvSpPr>
+        <p:spPr/>
         <p:txBody>
           <a:bodyPr/>
           <a:lstStyle/>
           <a:p>
-            <a:pPr lvl="0"/>
-            <a:r>
-              <a:rPr lang="en-US"/>
-              <a:t>Click to edit Master text styles</a:t>
-            </a:r>
-          </a:p>
-          <a:p>
-            <a:pPr lvl="1"/>
-            <a:r>
-              <a:rPr lang="en-US"/>
-              <a:t>Second level</a:t>
-            </a:r>
-          </a:p>
-          <a:p>
-            <a:pPr lvl="2"/>
-            <a:r>
-              <a:rPr lang="en-US"/>
-              <a:t>Third level</a:t>
-            </a:r>
-          </a:p>
-          <a:p>
-            <a:pPr lvl="3"/>
-            <a:r>
-              <a:rPr lang="en-US"/>
-              <a:t>Fourth level</a:t>
-            </a:r>
-          </a:p>
-          <a:p>
-            <a:pPr lvl="4"/>
-            <a:r>
-              <a:rPr lang="en-US"/>
-              <a:t>Fifth level</a:t>
-            </a:r>
-          </a:p>
-        </p:txBody>
-      </p:sp>
-      <p:sp>
-        <p:nvSpPr>
-          <p:cNvPr id="5" name="Date Placeholder 4">
-            <a:extLst>
-              <a:ext uri="{FF2B5EF4-FFF2-40B4-BE49-F238E27FC236}">
-                <a16:creationId xmlns:a16="http://schemas.microsoft.com/office/drawing/2014/main" id="{B3EE4876-693E-4568-A5BA-C94078E02E33}"/>
-              </a:ext>
-            </a:extLst>
-          </p:cNvPr>
-          <p:cNvSpPr>
-            <a:spLocks noGrp="1"/>
-          </p:cNvSpPr>
-          <p:nvPr>
-            <p:ph type="dt" sz="half" idx="10"/>
-          </p:nvPr>
-        </p:nvSpPr>
-        <p:spPr/>
-        <p:txBody>
-          <a:bodyPr/>
-          <a:lstStyle/>
-          <a:p>
-            <a:fld id="{F14DD5ED-21E8-403F-A50A-9F652BDD80BA}" type="datetimeFigureOut">
-              <a:rPr lang="en-US" smtClean="0"/>
-              <a:t>11/7/2021</a:t>
-            </a:fld>
             <a:endParaRPr lang="en-US"/>
           </a:p>
         </p:txBody>
       </p:sp>
       <p:sp>
         <p:nvSpPr>
-          <p:cNvPr id="6" name="Footer Placeholder 5">
-            <a:extLst>
-              <a:ext uri="{FF2B5EF4-FFF2-40B4-BE49-F238E27FC236}">
-                <a16:creationId xmlns:a16="http://schemas.microsoft.com/office/drawing/2014/main" id="{686DC883-CE4B-481C-8CFC-27D9DA9B27F8}"/>
-              </a:ext>
-            </a:extLst>
-          </p:cNvPr>
-          <p:cNvSpPr>
-            <a:spLocks noGrp="1"/>
-          </p:cNvSpPr>
-          <p:nvPr>
-            <p:ph type="ftr" sz="quarter" idx="11"/>
-          </p:nvPr>
-        </p:nvSpPr>
-        <p:spPr/>
-        <p:txBody>
-          <a:bodyPr/>
-          <a:lstStyle/>
-          <a:p>
-            <a:endParaRPr lang="en-US"/>
-          </a:p>
-        </p:txBody>
-      </p:sp>
-      <p:sp>
-        <p:nvSpPr>
-          <p:cNvPr id="7" name="Slide Number Placeholder 6">
-            <a:extLst>
-              <a:ext uri="{FF2B5EF4-FFF2-40B4-BE49-F238E27FC236}">
-                <a16:creationId xmlns:a16="http://schemas.microsoft.com/office/drawing/2014/main" id="{E17960C2-6AAC-45F6-8D53-EB0E10760FD0}"/>
-              </a:ext>
-            </a:extLst>
-          </p:cNvPr>
+          <p:cNvPr id="7" name="Slide Number Placeholder 6"/>
           <p:cNvSpPr>
             <a:spLocks noGrp="1"/>
           </p:cNvSpPr>
@@ -1465,7 +3153,7 @@
     </p:spTree>
     <p:extLst>
       <p:ext uri="{BB962C8B-B14F-4D97-AF65-F5344CB8AC3E}">
-        <p14:creationId xmlns:p14="http://schemas.microsoft.com/office/powerpoint/2010/main" val="681842609"/>
+        <p14:creationId xmlns:p14="http://schemas.microsoft.com/office/powerpoint/2010/main" val="644397047"/>
       </p:ext>
     </p:extLst>
   </p:cSld>
@@ -1494,65 +3182,158 @@
       </p:grpSpPr>
       <p:sp>
         <p:nvSpPr>
-          <p:cNvPr id="2" name="Title 1">
-            <a:extLst>
-              <a:ext uri="{FF2B5EF4-FFF2-40B4-BE49-F238E27FC236}">
-                <a16:creationId xmlns:a16="http://schemas.microsoft.com/office/drawing/2014/main" id="{96EFD28B-7A0B-4660-ADF8-B62222AEF0FB}"/>
-              </a:ext>
-            </a:extLst>
-          </p:cNvPr>
+          <p:cNvPr id="10" name="Freeform 6"/>
+          <p:cNvSpPr/>
+          <p:nvPr/>
+        </p:nvSpPr>
+        <p:spPr bwMode="auto">
+          <a:xfrm>
+            <a:off x="0" y="0"/>
+            <a:ext cx="12192000" cy="2185988"/>
+          </a:xfrm>
+          <a:custGeom>
+            <a:avLst/>
+            <a:gdLst/>
+            <a:ahLst/>
+            <a:cxnLst/>
+            <a:rect l="0" t="0" r="r" b="b"/>
+            <a:pathLst>
+              <a:path w="5760" h="1377">
+                <a:moveTo>
+                  <a:pt x="5760" y="0"/>
+                </a:moveTo>
+                <a:lnTo>
+                  <a:pt x="0" y="0"/>
+                </a:lnTo>
+                <a:lnTo>
+                  <a:pt x="0" y="1189"/>
+                </a:lnTo>
+                <a:lnTo>
+                  <a:pt x="943" y="1189"/>
+                </a:lnTo>
+                <a:lnTo>
+                  <a:pt x="1123" y="1369"/>
+                </a:lnTo>
+                <a:lnTo>
+                  <a:pt x="1123" y="1369"/>
+                </a:lnTo>
+                <a:lnTo>
+                  <a:pt x="1127" y="1371"/>
+                </a:lnTo>
+                <a:lnTo>
+                  <a:pt x="1133" y="1374"/>
+                </a:lnTo>
+                <a:lnTo>
+                  <a:pt x="1139" y="1377"/>
+                </a:lnTo>
+                <a:lnTo>
+                  <a:pt x="1144" y="1377"/>
+                </a:lnTo>
+                <a:lnTo>
+                  <a:pt x="1150" y="1377"/>
+                </a:lnTo>
+                <a:lnTo>
+                  <a:pt x="1155" y="1374"/>
+                </a:lnTo>
+                <a:lnTo>
+                  <a:pt x="1161" y="1371"/>
+                </a:lnTo>
+                <a:lnTo>
+                  <a:pt x="1165" y="1369"/>
+                </a:lnTo>
+                <a:lnTo>
+                  <a:pt x="1345" y="1189"/>
+                </a:lnTo>
+                <a:lnTo>
+                  <a:pt x="5760" y="1189"/>
+                </a:lnTo>
+                <a:lnTo>
+                  <a:pt x="5760" y="0"/>
+                </a:lnTo>
+                <a:close/>
+              </a:path>
+            </a:pathLst>
+          </a:custGeom>
+          <a:ln/>
+          <a:extLst>
+            <a:ext uri="{91240B29-F687-4f45-9708-019B960494DF}">
+              <a14:hiddenLine xmlns:a14="http://schemas.microsoft.com/office/drawing/2010/main" xmlns="" w="9525">
+                <a:solidFill>
+                  <a:srgbClr val="000000"/>
+                </a:solidFill>
+                <a:round/>
+                <a:headEnd/>
+                <a:tailEnd/>
+              </a14:hiddenLine>
+            </a:ext>
+          </a:extLst>
+        </p:spPr>
+        <p:style>
+          <a:lnRef idx="1">
+            <a:schemeClr val="accent1"/>
+          </a:lnRef>
+          <a:fillRef idx="3">
+            <a:schemeClr val="accent1"/>
+          </a:fillRef>
+          <a:effectRef idx="2">
+            <a:schemeClr val="accent1"/>
+          </a:effectRef>
+          <a:fontRef idx="minor">
+            <a:schemeClr val="lt1"/>
+          </a:fontRef>
+        </p:style>
+      </p:sp>
+      <p:sp>
+        <p:nvSpPr>
+          <p:cNvPr id="2" name="Title 1"/>
           <p:cNvSpPr>
             <a:spLocks noGrp="1"/>
           </p:cNvSpPr>
           <p:nvPr>
             <p:ph type="title"/>
+          </p:nvPr>
+        </p:nvSpPr>
+        <p:spPr/>
+        <p:txBody>
+          <a:bodyPr/>
+          <a:lstStyle>
+            <a:lvl1pPr>
+              <a:defRPr/>
+            </a:lvl1pPr>
+          </a:lstStyle>
+          <a:p>
+            <a:r>
+              <a:rPr lang="en-US"/>
+              <a:t>Click to edit Master title style</a:t>
+            </a:r>
+            <a:endParaRPr lang="en-US" dirty="0"/>
+          </a:p>
+        </p:txBody>
+      </p:sp>
+      <p:sp>
+        <p:nvSpPr>
+          <p:cNvPr id="3" name="Text Placeholder 2"/>
+          <p:cNvSpPr>
+            <a:spLocks noGrp="1"/>
+          </p:cNvSpPr>
+          <p:nvPr>
+            <p:ph type="body" idx="1"/>
           </p:nvPr>
         </p:nvSpPr>
         <p:spPr>
           <a:xfrm>
-            <a:off x="839788" y="365125"/>
-            <a:ext cx="10515600" cy="1325563"/>
+            <a:off x="814728" y="2174875"/>
+            <a:ext cx="5189857" cy="576262"/>
           </a:xfrm>
         </p:spPr>
         <p:txBody>
-          <a:bodyPr/>
-          <a:lstStyle/>
-          <a:p>
-            <a:r>
-              <a:rPr lang="en-US"/>
-              <a:t>Click to edit Master title style</a:t>
-            </a:r>
-          </a:p>
-        </p:txBody>
-      </p:sp>
-      <p:sp>
-        <p:nvSpPr>
-          <p:cNvPr id="3" name="Text Placeholder 2">
-            <a:extLst>
-              <a:ext uri="{FF2B5EF4-FFF2-40B4-BE49-F238E27FC236}">
-                <a16:creationId xmlns:a16="http://schemas.microsoft.com/office/drawing/2014/main" id="{344B4847-78A1-4C81-B7F0-B83BF9F1E127}"/>
-              </a:ext>
-            </a:extLst>
-          </p:cNvPr>
-          <p:cNvSpPr>
-            <a:spLocks noGrp="1"/>
-          </p:cNvSpPr>
-          <p:nvPr>
-            <p:ph type="body" idx="1"/>
-          </p:nvPr>
-        </p:nvSpPr>
-        <p:spPr>
-          <a:xfrm>
-            <a:off x="839788" y="1681163"/>
-            <a:ext cx="5157787" cy="823912"/>
-          </a:xfrm>
-        </p:spPr>
-        <p:txBody>
-          <a:bodyPr anchor="b"/>
+          <a:bodyPr anchor="b">
+            <a:noAutofit/>
+          </a:bodyPr>
           <a:lstStyle>
-            <a:lvl1pPr marL="0" indent="0">
-              <a:buNone/>
-              <a:defRPr sz="2400" b="1"/>
+            <a:lvl1pPr marL="0" indent="0" algn="ctr">
+              <a:buNone/>
+              <a:defRPr sz="2000" b="0"/>
             </a:lvl1pPr>
             <a:lvl2pPr marL="457200" indent="0">
               <a:buNone/>
@@ -1598,13 +3379,7 @@
       </p:sp>
       <p:sp>
         <p:nvSpPr>
-          <p:cNvPr id="4" name="Content Placeholder 3">
-            <a:extLst>
-              <a:ext uri="{FF2B5EF4-FFF2-40B4-BE49-F238E27FC236}">
-                <a16:creationId xmlns:a16="http://schemas.microsoft.com/office/drawing/2014/main" id="{61183005-AB9E-4914-A8D1-4BCE102F7A79}"/>
-              </a:ext>
-            </a:extLst>
-          </p:cNvPr>
+          <p:cNvPr id="4" name="Content Placeholder 3"/>
           <p:cNvSpPr>
             <a:spLocks noGrp="1"/>
           </p:cNvSpPr>
@@ -1614,12 +3389,14 @@
         </p:nvSpPr>
         <p:spPr>
           <a:xfrm>
-            <a:off x="839788" y="2505075"/>
-            <a:ext cx="5157787" cy="3684588"/>
+            <a:off x="814729" y="2751138"/>
+            <a:ext cx="5189856" cy="3109913"/>
           </a:xfrm>
         </p:spPr>
         <p:txBody>
-          <a:bodyPr/>
+          <a:bodyPr anchor="t">
+            <a:normAutofit/>
+          </a:bodyPr>
           <a:lstStyle/>
           <a:p>
             <a:pPr lvl="0"/>
@@ -1655,18 +3432,13 @@
               <a:rPr lang="en-US"/>
               <a:t>Fifth level</a:t>
             </a:r>
-          </a:p>
-        </p:txBody>
-      </p:sp>
-      <p:sp>
-        <p:nvSpPr>
-          <p:cNvPr id="5" name="Text Placeholder 4">
-            <a:extLst>
-              <a:ext uri="{FF2B5EF4-FFF2-40B4-BE49-F238E27FC236}">
-                <a16:creationId xmlns:a16="http://schemas.microsoft.com/office/drawing/2014/main" id="{D13B092A-528E-4695-BC19-352E563DA6BC}"/>
-              </a:ext>
-            </a:extLst>
-          </p:cNvPr>
+            <a:endParaRPr lang="en-US" dirty="0"/>
+          </a:p>
+        </p:txBody>
+      </p:sp>
+      <p:sp>
+        <p:nvSpPr>
+          <p:cNvPr id="5" name="Text Placeholder 4"/>
           <p:cNvSpPr>
             <a:spLocks noGrp="1"/>
           </p:cNvSpPr>
@@ -1676,16 +3448,18 @@
         </p:nvSpPr>
         <p:spPr>
           <a:xfrm>
-            <a:off x="6172200" y="1681163"/>
-            <a:ext cx="5183188" cy="823912"/>
+            <a:off x="6187415" y="2174875"/>
+            <a:ext cx="5194583" cy="576262"/>
           </a:xfrm>
         </p:spPr>
         <p:txBody>
-          <a:bodyPr anchor="b"/>
+          <a:bodyPr anchor="b">
+            <a:noAutofit/>
+          </a:bodyPr>
           <a:lstStyle>
-            <a:lvl1pPr marL="0" indent="0">
-              <a:buNone/>
-              <a:defRPr sz="2400" b="1"/>
+            <a:lvl1pPr marL="0" indent="0" algn="ctr">
+              <a:buNone/>
+              <a:defRPr sz="2000" b="0"/>
             </a:lvl1pPr>
             <a:lvl2pPr marL="457200" indent="0">
               <a:buNone/>
@@ -1731,13 +3505,7 @@
       </p:sp>
       <p:sp>
         <p:nvSpPr>
-          <p:cNvPr id="6" name="Content Placeholder 5">
-            <a:extLst>
-              <a:ext uri="{FF2B5EF4-FFF2-40B4-BE49-F238E27FC236}">
-                <a16:creationId xmlns:a16="http://schemas.microsoft.com/office/drawing/2014/main" id="{1B7D9436-0B51-4087-AE9C-E3F4F339A631}"/>
-              </a:ext>
-            </a:extLst>
-          </p:cNvPr>
+          <p:cNvPr id="6" name="Content Placeholder 5"/>
           <p:cNvSpPr>
             <a:spLocks noGrp="1"/>
           </p:cNvSpPr>
@@ -1747,64 +3515,84 @@
         </p:nvSpPr>
         <p:spPr>
           <a:xfrm>
-            <a:off x="6172200" y="2505075"/>
-            <a:ext cx="5183188" cy="3684588"/>
+            <a:off x="6187415" y="2751138"/>
+            <a:ext cx="5194583" cy="3109913"/>
           </a:xfrm>
         </p:spPr>
         <p:txBody>
+          <a:bodyPr anchor="t">
+            <a:normAutofit/>
+          </a:bodyPr>
+          <a:lstStyle/>
+          <a:p>
+            <a:pPr lvl="0"/>
+            <a:r>
+              <a:rPr lang="en-US"/>
+              <a:t>Click to edit Master text styles</a:t>
+            </a:r>
+          </a:p>
+          <a:p>
+            <a:pPr lvl="1"/>
+            <a:r>
+              <a:rPr lang="en-US"/>
+              <a:t>Second level</a:t>
+            </a:r>
+          </a:p>
+          <a:p>
+            <a:pPr lvl="2"/>
+            <a:r>
+              <a:rPr lang="en-US"/>
+              <a:t>Third level</a:t>
+            </a:r>
+          </a:p>
+          <a:p>
+            <a:pPr lvl="3"/>
+            <a:r>
+              <a:rPr lang="en-US"/>
+              <a:t>Fourth level</a:t>
+            </a:r>
+          </a:p>
+          <a:p>
+            <a:pPr lvl="4"/>
+            <a:r>
+              <a:rPr lang="en-US"/>
+              <a:t>Fifth level</a:t>
+            </a:r>
+            <a:endParaRPr lang="en-US" dirty="0"/>
+          </a:p>
+        </p:txBody>
+      </p:sp>
+      <p:sp>
+        <p:nvSpPr>
+          <p:cNvPr id="7" name="Date Placeholder 6"/>
+          <p:cNvSpPr>
+            <a:spLocks noGrp="1"/>
+          </p:cNvSpPr>
+          <p:nvPr>
+            <p:ph type="dt" sz="half" idx="10"/>
+          </p:nvPr>
+        </p:nvSpPr>
+        <p:spPr/>
+        <p:txBody>
           <a:bodyPr/>
           <a:lstStyle/>
           <a:p>
-            <a:pPr lvl="0"/>
-            <a:r>
-              <a:rPr lang="en-US"/>
-              <a:t>Click to edit Master text styles</a:t>
-            </a:r>
-          </a:p>
-          <a:p>
-            <a:pPr lvl="1"/>
-            <a:r>
-              <a:rPr lang="en-US"/>
-              <a:t>Second level</a:t>
-            </a:r>
-          </a:p>
-          <a:p>
-            <a:pPr lvl="2"/>
-            <a:r>
-              <a:rPr lang="en-US"/>
-              <a:t>Third level</a:t>
-            </a:r>
-          </a:p>
-          <a:p>
-            <a:pPr lvl="3"/>
-            <a:r>
-              <a:rPr lang="en-US"/>
-              <a:t>Fourth level</a:t>
-            </a:r>
-          </a:p>
-          <a:p>
-            <a:pPr lvl="4"/>
-            <a:r>
-              <a:rPr lang="en-US"/>
-              <a:t>Fifth level</a:t>
-            </a:r>
-          </a:p>
-        </p:txBody>
-      </p:sp>
-      <p:sp>
-        <p:nvSpPr>
-          <p:cNvPr id="7" name="Date Placeholder 6">
-            <a:extLst>
-              <a:ext uri="{FF2B5EF4-FFF2-40B4-BE49-F238E27FC236}">
-                <a16:creationId xmlns:a16="http://schemas.microsoft.com/office/drawing/2014/main" id="{5DE0CBB3-164F-471F-A585-7858A252827C}"/>
-              </a:ext>
-            </a:extLst>
-          </p:cNvPr>
-          <p:cNvSpPr>
-            <a:spLocks noGrp="1"/>
-          </p:cNvSpPr>
-          <p:nvPr>
-            <p:ph type="dt" sz="half" idx="10"/>
+            <a:fld id="{F14DD5ED-21E8-403F-A50A-9F652BDD80BA}" type="datetimeFigureOut">
+              <a:rPr lang="en-US" smtClean="0"/>
+              <a:t>11/8/2021</a:t>
+            </a:fld>
+            <a:endParaRPr lang="en-US"/>
+          </a:p>
+        </p:txBody>
+      </p:sp>
+      <p:sp>
+        <p:nvSpPr>
+          <p:cNvPr id="8" name="Footer Placeholder 7"/>
+          <p:cNvSpPr>
+            <a:spLocks noGrp="1"/>
+          </p:cNvSpPr>
+          <p:nvPr>
+            <p:ph type="ftr" sz="quarter" idx="11"/>
           </p:nvPr>
         </p:nvSpPr>
         <p:spPr/>
@@ -1812,48 +3600,13 @@
           <a:bodyPr/>
           <a:lstStyle/>
           <a:p>
-            <a:fld id="{F14DD5ED-21E8-403F-A50A-9F652BDD80BA}" type="datetimeFigureOut">
-              <a:rPr lang="en-US" smtClean="0"/>
-              <a:t>11/7/2021</a:t>
-            </a:fld>
             <a:endParaRPr lang="en-US"/>
           </a:p>
         </p:txBody>
       </p:sp>
       <p:sp>
         <p:nvSpPr>
-          <p:cNvPr id="8" name="Footer Placeholder 7">
-            <a:extLst>
-              <a:ext uri="{FF2B5EF4-FFF2-40B4-BE49-F238E27FC236}">
-                <a16:creationId xmlns:a16="http://schemas.microsoft.com/office/drawing/2014/main" id="{35A3FE2E-7A28-4F23-9ADA-E94AB278147C}"/>
-              </a:ext>
-            </a:extLst>
-          </p:cNvPr>
-          <p:cNvSpPr>
-            <a:spLocks noGrp="1"/>
-          </p:cNvSpPr>
-          <p:nvPr>
-            <p:ph type="ftr" sz="quarter" idx="11"/>
-          </p:nvPr>
-        </p:nvSpPr>
-        <p:spPr/>
-        <p:txBody>
-          <a:bodyPr/>
-          <a:lstStyle/>
-          <a:p>
-            <a:endParaRPr lang="en-US"/>
-          </a:p>
-        </p:txBody>
-      </p:sp>
-      <p:sp>
-        <p:nvSpPr>
-          <p:cNvPr id="9" name="Slide Number Placeholder 8">
-            <a:extLst>
-              <a:ext uri="{FF2B5EF4-FFF2-40B4-BE49-F238E27FC236}">
-                <a16:creationId xmlns:a16="http://schemas.microsoft.com/office/drawing/2014/main" id="{809F83A8-8053-429A-A05F-EB9B18603764}"/>
-              </a:ext>
-            </a:extLst>
-          </p:cNvPr>
+          <p:cNvPr id="9" name="Slide Number Placeholder 8"/>
           <p:cNvSpPr>
             <a:spLocks noGrp="1"/>
           </p:cNvSpPr>
@@ -1877,7 +3630,7 @@
     </p:spTree>
     <p:extLst>
       <p:ext uri="{BB962C8B-B14F-4D97-AF65-F5344CB8AC3E}">
-        <p14:creationId xmlns:p14="http://schemas.microsoft.com/office/powerpoint/2010/main" val="1871507289"/>
+        <p14:creationId xmlns:p14="http://schemas.microsoft.com/office/powerpoint/2010/main" val="2148174152"/>
       </p:ext>
     </p:extLst>
   </p:cSld>
@@ -1906,13 +3659,110 @@
       </p:grpSpPr>
       <p:sp>
         <p:nvSpPr>
-          <p:cNvPr id="2" name="Title 1">
-            <a:extLst>
-              <a:ext uri="{FF2B5EF4-FFF2-40B4-BE49-F238E27FC236}">
-                <a16:creationId xmlns:a16="http://schemas.microsoft.com/office/drawing/2014/main" id="{1B8B11DE-7AF0-4D25-9838-6FCD47FA3438}"/>
-              </a:ext>
-            </a:extLst>
-          </p:cNvPr>
+          <p:cNvPr id="6" name="Freeform 6"/>
+          <p:cNvSpPr/>
+          <p:nvPr/>
+        </p:nvSpPr>
+        <p:spPr bwMode="auto">
+          <a:xfrm>
+            <a:off x="0" y="0"/>
+            <a:ext cx="12192000" cy="2185988"/>
+          </a:xfrm>
+          <a:custGeom>
+            <a:avLst/>
+            <a:gdLst/>
+            <a:ahLst/>
+            <a:cxnLst/>
+            <a:rect l="0" t="0" r="r" b="b"/>
+            <a:pathLst>
+              <a:path w="5760" h="1377">
+                <a:moveTo>
+                  <a:pt x="5760" y="0"/>
+                </a:moveTo>
+                <a:lnTo>
+                  <a:pt x="0" y="0"/>
+                </a:lnTo>
+                <a:lnTo>
+                  <a:pt x="0" y="1189"/>
+                </a:lnTo>
+                <a:lnTo>
+                  <a:pt x="943" y="1189"/>
+                </a:lnTo>
+                <a:lnTo>
+                  <a:pt x="1123" y="1369"/>
+                </a:lnTo>
+                <a:lnTo>
+                  <a:pt x="1123" y="1369"/>
+                </a:lnTo>
+                <a:lnTo>
+                  <a:pt x="1127" y="1371"/>
+                </a:lnTo>
+                <a:lnTo>
+                  <a:pt x="1133" y="1374"/>
+                </a:lnTo>
+                <a:lnTo>
+                  <a:pt x="1139" y="1377"/>
+                </a:lnTo>
+                <a:lnTo>
+                  <a:pt x="1144" y="1377"/>
+                </a:lnTo>
+                <a:lnTo>
+                  <a:pt x="1150" y="1377"/>
+                </a:lnTo>
+                <a:lnTo>
+                  <a:pt x="1155" y="1374"/>
+                </a:lnTo>
+                <a:lnTo>
+                  <a:pt x="1161" y="1371"/>
+                </a:lnTo>
+                <a:lnTo>
+                  <a:pt x="1165" y="1369"/>
+                </a:lnTo>
+                <a:lnTo>
+                  <a:pt x="1345" y="1189"/>
+                </a:lnTo>
+                <a:lnTo>
+                  <a:pt x="5760" y="1189"/>
+                </a:lnTo>
+                <a:lnTo>
+                  <a:pt x="5760" y="0"/>
+                </a:lnTo>
+                <a:close/>
+              </a:path>
+            </a:pathLst>
+          </a:custGeom>
+          <a:ln/>
+          <a:extLst>
+            <a:ext uri="{91240B29-F687-4f45-9708-019B960494DF}">
+              <a14:hiddenLine xmlns:a14="http://schemas.microsoft.com/office/drawing/2010/main" xmlns="" w="9525">
+                <a:solidFill>
+                  <a:srgbClr val="000000"/>
+                </a:solidFill>
+                <a:round/>
+                <a:headEnd/>
+                <a:tailEnd/>
+              </a14:hiddenLine>
+            </a:ext>
+          </a:extLst>
+        </p:spPr>
+        <p:style>
+          <a:lnRef idx="1">
+            <a:schemeClr val="accent1"/>
+          </a:lnRef>
+          <a:fillRef idx="3">
+            <a:schemeClr val="accent1"/>
+          </a:fillRef>
+          <a:effectRef idx="2">
+            <a:schemeClr val="accent1"/>
+          </a:effectRef>
+          <a:fontRef idx="minor">
+            <a:schemeClr val="lt1"/>
+          </a:fontRef>
+        </p:style>
+      </p:sp>
+      <p:sp>
+        <p:nvSpPr>
+          <p:cNvPr id="2" name="Title 1"/>
           <p:cNvSpPr>
             <a:spLocks noGrp="1"/>
           </p:cNvSpPr>
@@ -1929,18 +3779,13 @@
               <a:rPr lang="en-US"/>
               <a:t>Click to edit Master title style</a:t>
             </a:r>
-          </a:p>
-        </p:txBody>
-      </p:sp>
-      <p:sp>
-        <p:nvSpPr>
-          <p:cNvPr id="3" name="Date Placeholder 2">
-            <a:extLst>
-              <a:ext uri="{FF2B5EF4-FFF2-40B4-BE49-F238E27FC236}">
-                <a16:creationId xmlns:a16="http://schemas.microsoft.com/office/drawing/2014/main" id="{4802FB87-E181-4006-84D6-141DE7D31E2F}"/>
-              </a:ext>
-            </a:extLst>
-          </p:cNvPr>
+            <a:endParaRPr lang="en-US" dirty="0"/>
+          </a:p>
+        </p:txBody>
+      </p:sp>
+      <p:sp>
+        <p:nvSpPr>
+          <p:cNvPr id="3" name="Date Placeholder 2"/>
           <p:cNvSpPr>
             <a:spLocks noGrp="1"/>
           </p:cNvSpPr>
@@ -1955,7 +3800,7 @@
           <a:p>
             <a:fld id="{F14DD5ED-21E8-403F-A50A-9F652BDD80BA}" type="datetimeFigureOut">
               <a:rPr lang="en-US" smtClean="0"/>
-              <a:t>11/7/2021</a:t>
+              <a:t>11/8/2021</a:t>
             </a:fld>
             <a:endParaRPr lang="en-US"/>
           </a:p>
@@ -1963,13 +3808,7 @@
       </p:sp>
       <p:sp>
         <p:nvSpPr>
-          <p:cNvPr id="4" name="Footer Placeholder 3">
-            <a:extLst>
-              <a:ext uri="{FF2B5EF4-FFF2-40B4-BE49-F238E27FC236}">
-                <a16:creationId xmlns:a16="http://schemas.microsoft.com/office/drawing/2014/main" id="{20BE2C1F-E8A0-49B2-B4CD-554C799790C4}"/>
-              </a:ext>
-            </a:extLst>
-          </p:cNvPr>
+          <p:cNvPr id="4" name="Footer Placeholder 3"/>
           <p:cNvSpPr>
             <a:spLocks noGrp="1"/>
           </p:cNvSpPr>
@@ -1988,13 +3827,7 @@
       </p:sp>
       <p:sp>
         <p:nvSpPr>
-          <p:cNvPr id="5" name="Slide Number Placeholder 4">
-            <a:extLst>
-              <a:ext uri="{FF2B5EF4-FFF2-40B4-BE49-F238E27FC236}">
-                <a16:creationId xmlns:a16="http://schemas.microsoft.com/office/drawing/2014/main" id="{081CB32A-A9AF-489E-85B9-4FD5531E23F1}"/>
-              </a:ext>
-            </a:extLst>
-          </p:cNvPr>
+          <p:cNvPr id="5" name="Slide Number Placeholder 4"/>
           <p:cNvSpPr>
             <a:spLocks noGrp="1"/>
           </p:cNvSpPr>
@@ -2018,7 +3851,7 @@
     </p:spTree>
     <p:extLst>
       <p:ext uri="{BB962C8B-B14F-4D97-AF65-F5344CB8AC3E}">
-        <p14:creationId xmlns:p14="http://schemas.microsoft.com/office/powerpoint/2010/main" val="3809985670"/>
+        <p14:creationId xmlns:p14="http://schemas.microsoft.com/office/powerpoint/2010/main" val="94418889"/>
       </p:ext>
     </p:extLst>
   </p:cSld>
@@ -2047,13 +3880,7 @@
       </p:grpSpPr>
       <p:sp>
         <p:nvSpPr>
-          <p:cNvPr id="2" name="Date Placeholder 1">
-            <a:extLst>
-              <a:ext uri="{FF2B5EF4-FFF2-40B4-BE49-F238E27FC236}">
-                <a16:creationId xmlns:a16="http://schemas.microsoft.com/office/drawing/2014/main" id="{C46627F8-3792-48D5-BD99-70198FF1D7FD}"/>
-              </a:ext>
-            </a:extLst>
-          </p:cNvPr>
+          <p:cNvPr id="2" name="Date Placeholder 1"/>
           <p:cNvSpPr>
             <a:spLocks noGrp="1"/>
           </p:cNvSpPr>
@@ -2068,7 +3895,7 @@
           <a:p>
             <a:fld id="{F14DD5ED-21E8-403F-A50A-9F652BDD80BA}" type="datetimeFigureOut">
               <a:rPr lang="en-US" smtClean="0"/>
-              <a:t>11/7/2021</a:t>
+              <a:t>11/8/2021</a:t>
             </a:fld>
             <a:endParaRPr lang="en-US"/>
           </a:p>
@@ -2076,13 +3903,7 @@
       </p:sp>
       <p:sp>
         <p:nvSpPr>
-          <p:cNvPr id="3" name="Footer Placeholder 2">
-            <a:extLst>
-              <a:ext uri="{FF2B5EF4-FFF2-40B4-BE49-F238E27FC236}">
-                <a16:creationId xmlns:a16="http://schemas.microsoft.com/office/drawing/2014/main" id="{8AF538EC-4B65-48DA-B059-C6C07046C63E}"/>
-              </a:ext>
-            </a:extLst>
-          </p:cNvPr>
+          <p:cNvPr id="3" name="Footer Placeholder 2"/>
           <p:cNvSpPr>
             <a:spLocks noGrp="1"/>
           </p:cNvSpPr>
@@ -2101,13 +3922,7 @@
       </p:sp>
       <p:sp>
         <p:nvSpPr>
-          <p:cNvPr id="4" name="Slide Number Placeholder 3">
-            <a:extLst>
-              <a:ext uri="{FF2B5EF4-FFF2-40B4-BE49-F238E27FC236}">
-                <a16:creationId xmlns:a16="http://schemas.microsoft.com/office/drawing/2014/main" id="{C0134B2C-77E1-4292-91C6-DDA1804691E4}"/>
-              </a:ext>
-            </a:extLst>
-          </p:cNvPr>
+          <p:cNvPr id="4" name="Slide Number Placeholder 3"/>
           <p:cNvSpPr>
             <a:spLocks noGrp="1"/>
           </p:cNvSpPr>
@@ -2131,7 +3946,7 @@
     </p:spTree>
     <p:extLst>
       <p:ext uri="{BB962C8B-B14F-4D97-AF65-F5344CB8AC3E}">
-        <p14:creationId xmlns:p14="http://schemas.microsoft.com/office/powerpoint/2010/main" val="2266055346"/>
+        <p14:creationId xmlns:p14="http://schemas.microsoft.com/office/powerpoint/2010/main" val="4188199520"/>
       </p:ext>
     </p:extLst>
   </p:cSld>
@@ -2160,13 +3975,223 @@
       </p:grpSpPr>
       <p:sp>
         <p:nvSpPr>
-          <p:cNvPr id="2" name="Title 1">
-            <a:extLst>
-              <a:ext uri="{FF2B5EF4-FFF2-40B4-BE49-F238E27FC236}">
-                <a16:creationId xmlns:a16="http://schemas.microsoft.com/office/drawing/2014/main" id="{198F6138-75BB-4CF8-BCEF-ABF10E0021B6}"/>
-              </a:ext>
-            </a:extLst>
-          </p:cNvPr>
+          <p:cNvPr id="12" name="Freeform 6"/>
+          <p:cNvSpPr>
+            <a:spLocks noChangeAspect="1"/>
+          </p:cNvSpPr>
+          <p:nvPr/>
+        </p:nvSpPr>
+        <p:spPr bwMode="auto">
+          <a:xfrm>
+            <a:off x="1073151" y="446087"/>
+            <a:ext cx="3547533" cy="1814651"/>
+          </a:xfrm>
+          <a:custGeom>
+            <a:avLst/>
+            <a:gdLst/>
+            <a:ahLst/>
+            <a:cxnLst/>
+            <a:rect l="0" t="0" r="r" b="b"/>
+            <a:pathLst>
+              <a:path w="3384" h="2308">
+                <a:moveTo>
+                  <a:pt x="3340" y="0"/>
+                </a:moveTo>
+                <a:lnTo>
+                  <a:pt x="44" y="0"/>
+                </a:lnTo>
+                <a:lnTo>
+                  <a:pt x="44" y="0"/>
+                </a:lnTo>
+                <a:lnTo>
+                  <a:pt x="34" y="0"/>
+                </a:lnTo>
+                <a:lnTo>
+                  <a:pt x="26" y="4"/>
+                </a:lnTo>
+                <a:lnTo>
+                  <a:pt x="20" y="8"/>
+                </a:lnTo>
+                <a:lnTo>
+                  <a:pt x="12" y="12"/>
+                </a:lnTo>
+                <a:lnTo>
+                  <a:pt x="8" y="20"/>
+                </a:lnTo>
+                <a:lnTo>
+                  <a:pt x="4" y="26"/>
+                </a:lnTo>
+                <a:lnTo>
+                  <a:pt x="0" y="34"/>
+                </a:lnTo>
+                <a:lnTo>
+                  <a:pt x="0" y="44"/>
+                </a:lnTo>
+                <a:lnTo>
+                  <a:pt x="0" y="2076"/>
+                </a:lnTo>
+                <a:lnTo>
+                  <a:pt x="0" y="2076"/>
+                </a:lnTo>
+                <a:lnTo>
+                  <a:pt x="0" y="2086"/>
+                </a:lnTo>
+                <a:lnTo>
+                  <a:pt x="4" y="2094"/>
+                </a:lnTo>
+                <a:lnTo>
+                  <a:pt x="8" y="2100"/>
+                </a:lnTo>
+                <a:lnTo>
+                  <a:pt x="12" y="2108"/>
+                </a:lnTo>
+                <a:lnTo>
+                  <a:pt x="20" y="2112"/>
+                </a:lnTo>
+                <a:lnTo>
+                  <a:pt x="26" y="2116"/>
+                </a:lnTo>
+                <a:lnTo>
+                  <a:pt x="34" y="2120"/>
+                </a:lnTo>
+                <a:lnTo>
+                  <a:pt x="44" y="2120"/>
+                </a:lnTo>
+                <a:lnTo>
+                  <a:pt x="474" y="2120"/>
+                </a:lnTo>
+                <a:lnTo>
+                  <a:pt x="650" y="2296"/>
+                </a:lnTo>
+                <a:lnTo>
+                  <a:pt x="650" y="2296"/>
+                </a:lnTo>
+                <a:lnTo>
+                  <a:pt x="656" y="2300"/>
+                </a:lnTo>
+                <a:lnTo>
+                  <a:pt x="664" y="2304"/>
+                </a:lnTo>
+                <a:lnTo>
+                  <a:pt x="672" y="2308"/>
+                </a:lnTo>
+                <a:lnTo>
+                  <a:pt x="680" y="2308"/>
+                </a:lnTo>
+                <a:lnTo>
+                  <a:pt x="688" y="2308"/>
+                </a:lnTo>
+                <a:lnTo>
+                  <a:pt x="696" y="2304"/>
+                </a:lnTo>
+                <a:lnTo>
+                  <a:pt x="704" y="2300"/>
+                </a:lnTo>
+                <a:lnTo>
+                  <a:pt x="710" y="2296"/>
+                </a:lnTo>
+                <a:lnTo>
+                  <a:pt x="886" y="2120"/>
+                </a:lnTo>
+                <a:lnTo>
+                  <a:pt x="3340" y="2120"/>
+                </a:lnTo>
+                <a:lnTo>
+                  <a:pt x="3340" y="2120"/>
+                </a:lnTo>
+                <a:lnTo>
+                  <a:pt x="3350" y="2120"/>
+                </a:lnTo>
+                <a:lnTo>
+                  <a:pt x="3358" y="2116"/>
+                </a:lnTo>
+                <a:lnTo>
+                  <a:pt x="3364" y="2112"/>
+                </a:lnTo>
+                <a:lnTo>
+                  <a:pt x="3372" y="2108"/>
+                </a:lnTo>
+                <a:lnTo>
+                  <a:pt x="3376" y="2100"/>
+                </a:lnTo>
+                <a:lnTo>
+                  <a:pt x="3380" y="2094"/>
+                </a:lnTo>
+                <a:lnTo>
+                  <a:pt x="3384" y="2086"/>
+                </a:lnTo>
+                <a:lnTo>
+                  <a:pt x="3384" y="2076"/>
+                </a:lnTo>
+                <a:lnTo>
+                  <a:pt x="3384" y="44"/>
+                </a:lnTo>
+                <a:lnTo>
+                  <a:pt x="3384" y="44"/>
+                </a:lnTo>
+                <a:lnTo>
+                  <a:pt x="3384" y="34"/>
+                </a:lnTo>
+                <a:lnTo>
+                  <a:pt x="3380" y="26"/>
+                </a:lnTo>
+                <a:lnTo>
+                  <a:pt x="3376" y="20"/>
+                </a:lnTo>
+                <a:lnTo>
+                  <a:pt x="3372" y="12"/>
+                </a:lnTo>
+                <a:lnTo>
+                  <a:pt x="3364" y="8"/>
+                </a:lnTo>
+                <a:lnTo>
+                  <a:pt x="3358" y="4"/>
+                </a:lnTo>
+                <a:lnTo>
+                  <a:pt x="3350" y="0"/>
+                </a:lnTo>
+                <a:lnTo>
+                  <a:pt x="3340" y="0"/>
+                </a:lnTo>
+                <a:lnTo>
+                  <a:pt x="3340" y="0"/>
+                </a:lnTo>
+                <a:close/>
+              </a:path>
+            </a:pathLst>
+          </a:custGeom>
+          <a:ln/>
+          <a:extLst>
+            <a:ext uri="{91240B29-F687-4f45-9708-019B960494DF}">
+              <a14:hiddenLine xmlns:a14="http://schemas.microsoft.com/office/drawing/2010/main" xmlns="" w="9525">
+                <a:solidFill>
+                  <a:srgbClr val="000000"/>
+                </a:solidFill>
+                <a:round/>
+                <a:headEnd/>
+                <a:tailEnd/>
+              </a14:hiddenLine>
+            </a:ext>
+          </a:extLst>
+        </p:spPr>
+        <p:style>
+          <a:lnRef idx="1">
+            <a:schemeClr val="accent1"/>
+          </a:lnRef>
+          <a:fillRef idx="3">
+            <a:schemeClr val="accent1"/>
+          </a:fillRef>
+          <a:effectRef idx="2">
+            <a:schemeClr val="accent1"/>
+          </a:effectRef>
+          <a:fontRef idx="minor">
+            <a:schemeClr val="lt1"/>
+          </a:fontRef>
+        </p:style>
+      </p:sp>
+      <p:sp>
+        <p:nvSpPr>
+          <p:cNvPr id="2" name="Title 1"/>
           <p:cNvSpPr>
             <a:spLocks noGrp="1"/>
           </p:cNvSpPr>
@@ -2176,15 +4201,15 @@
         </p:nvSpPr>
         <p:spPr>
           <a:xfrm>
-            <a:off x="839788" y="457200"/>
-            <a:ext cx="3932237" cy="1600200"/>
+            <a:off x="1073151" y="446088"/>
+            <a:ext cx="3547533" cy="1618396"/>
           </a:xfrm>
         </p:spPr>
         <p:txBody>
           <a:bodyPr anchor="b"/>
           <a:lstStyle>
-            <a:lvl1pPr>
-              <a:defRPr sz="3200"/>
+            <a:lvl1pPr algn="l">
+              <a:defRPr sz="2000" b="1"/>
             </a:lvl1pPr>
           </a:lstStyle>
           <a:p>
@@ -2192,18 +4217,13 @@
               <a:rPr lang="en-US"/>
               <a:t>Click to edit Master title style</a:t>
             </a:r>
-          </a:p>
-        </p:txBody>
-      </p:sp>
-      <p:sp>
-        <p:nvSpPr>
-          <p:cNvPr id="3" name="Content Placeholder 2">
-            <a:extLst>
-              <a:ext uri="{FF2B5EF4-FFF2-40B4-BE49-F238E27FC236}">
-                <a16:creationId xmlns:a16="http://schemas.microsoft.com/office/drawing/2014/main" id="{3B7674B6-AB0B-491B-89BC-D2A99ABB94F5}"/>
-              </a:ext>
-            </a:extLst>
-          </p:cNvPr>
+            <a:endParaRPr lang="en-US" dirty="0"/>
+          </a:p>
+        </p:txBody>
+      </p:sp>
+      <p:sp>
+        <p:nvSpPr>
+          <p:cNvPr id="3" name="Content Placeholder 2"/>
           <p:cNvSpPr>
             <a:spLocks noGrp="1"/>
           </p:cNvSpPr>
@@ -2213,41 +4233,15 @@
         </p:nvSpPr>
         <p:spPr>
           <a:xfrm>
-            <a:off x="5183188" y="987425"/>
-            <a:ext cx="6172200" cy="4873625"/>
+            <a:off x="4855633" y="446088"/>
+            <a:ext cx="6252633" cy="5414963"/>
           </a:xfrm>
         </p:spPr>
         <p:txBody>
-          <a:bodyPr/>
-          <a:lstStyle>
-            <a:lvl1pPr>
-              <a:defRPr sz="3200"/>
-            </a:lvl1pPr>
-            <a:lvl2pPr>
-              <a:defRPr sz="2800"/>
-            </a:lvl2pPr>
-            <a:lvl3pPr>
-              <a:defRPr sz="2400"/>
-            </a:lvl3pPr>
-            <a:lvl4pPr>
-              <a:defRPr sz="2000"/>
-            </a:lvl4pPr>
-            <a:lvl5pPr>
-              <a:defRPr sz="2000"/>
-            </a:lvl5pPr>
-            <a:lvl6pPr>
-              <a:defRPr sz="2000"/>
-            </a:lvl6pPr>
-            <a:lvl7pPr>
-              <a:defRPr sz="2000"/>
-            </a:lvl7pPr>
-            <a:lvl8pPr>
-              <a:defRPr sz="2000"/>
-            </a:lvl8pPr>
-            <a:lvl9pPr>
-              <a:defRPr sz="2000"/>
-            </a:lvl9pPr>
-          </a:lstStyle>
+          <a:bodyPr>
+            <a:normAutofit/>
+          </a:bodyPr>
+          <a:lstStyle/>
           <a:p>
             <a:pPr lvl="0"/>
             <a:r>
@@ -2282,18 +4276,13 @@
               <a:rPr lang="en-US"/>
               <a:t>Fifth level</a:t>
             </a:r>
-          </a:p>
-        </p:txBody>
-      </p:sp>
-      <p:sp>
-        <p:nvSpPr>
-          <p:cNvPr id="4" name="Text Placeholder 3">
-            <a:extLst>
-              <a:ext uri="{FF2B5EF4-FFF2-40B4-BE49-F238E27FC236}">
-                <a16:creationId xmlns:a16="http://schemas.microsoft.com/office/drawing/2014/main" id="{0DC20168-8123-4A63-A3E1-D41070561F30}"/>
-              </a:ext>
-            </a:extLst>
-          </p:cNvPr>
+            <a:endParaRPr lang="en-US" dirty="0"/>
+          </a:p>
+        </p:txBody>
+      </p:sp>
+      <p:sp>
+        <p:nvSpPr>
+          <p:cNvPr id="4" name="Text Placeholder 3"/>
           <p:cNvSpPr>
             <a:spLocks noGrp="1"/>
           </p:cNvSpPr>
@@ -2303,8 +4292,8 @@
         </p:nvSpPr>
         <p:spPr>
           <a:xfrm>
-            <a:off x="839788" y="2057400"/>
-            <a:ext cx="3932237" cy="3811588"/>
+            <a:off x="1073151" y="2260738"/>
+            <a:ext cx="3547533" cy="3600311"/>
           </a:xfrm>
         </p:spPr>
         <p:txBody>
@@ -2312,39 +4301,39 @@
           <a:lstStyle>
             <a:lvl1pPr marL="0" indent="0">
               <a:buNone/>
-              <a:defRPr sz="1600"/>
+              <a:defRPr sz="1400"/>
             </a:lvl1pPr>
             <a:lvl2pPr marL="457200" indent="0">
               <a:buNone/>
-              <a:defRPr sz="1400"/>
+              <a:defRPr sz="1200"/>
             </a:lvl2pPr>
             <a:lvl3pPr marL="914400" indent="0">
               <a:buNone/>
-              <a:defRPr sz="1200"/>
+              <a:defRPr sz="1000"/>
             </a:lvl3pPr>
             <a:lvl4pPr marL="1371600" indent="0">
               <a:buNone/>
-              <a:defRPr sz="1000"/>
+              <a:defRPr sz="900"/>
             </a:lvl4pPr>
             <a:lvl5pPr marL="1828800" indent="0">
               <a:buNone/>
-              <a:defRPr sz="1000"/>
+              <a:defRPr sz="900"/>
             </a:lvl5pPr>
             <a:lvl6pPr marL="2286000" indent="0">
               <a:buNone/>
-              <a:defRPr sz="1000"/>
+              <a:defRPr sz="900"/>
             </a:lvl6pPr>
             <a:lvl7pPr marL="2743200" indent="0">
               <a:buNone/>
-              <a:defRPr sz="1000"/>
+              <a:defRPr sz="900"/>
             </a:lvl7pPr>
             <a:lvl8pPr marL="3200400" indent="0">
               <a:buNone/>
-              <a:defRPr sz="1000"/>
+              <a:defRPr sz="900"/>
             </a:lvl8pPr>
             <a:lvl9pPr marL="3657600" indent="0">
               <a:buNone/>
-              <a:defRPr sz="1000"/>
+              <a:defRPr sz="900"/>
             </a:lvl9pPr>
           </a:lstStyle>
           <a:p>
@@ -2358,13 +4347,7 @@
       </p:sp>
       <p:sp>
         <p:nvSpPr>
-          <p:cNvPr id="5" name="Date Placeholder 4">
-            <a:extLst>
-              <a:ext uri="{FF2B5EF4-FFF2-40B4-BE49-F238E27FC236}">
-                <a16:creationId xmlns:a16="http://schemas.microsoft.com/office/drawing/2014/main" id="{DA1E0DCC-1270-43BA-A58C-A0F59ABC140F}"/>
-              </a:ext>
-            </a:extLst>
-          </p:cNvPr>
+          <p:cNvPr id="5" name="Date Placeholder 4"/>
           <p:cNvSpPr>
             <a:spLocks noGrp="1"/>
           </p:cNvSpPr>
@@ -2379,7 +4362,7 @@
           <a:p>
             <a:fld id="{F14DD5ED-21E8-403F-A50A-9F652BDD80BA}" type="datetimeFigureOut">
               <a:rPr lang="en-US" smtClean="0"/>
-              <a:t>11/7/2021</a:t>
+              <a:t>11/8/2021</a:t>
             </a:fld>
             <a:endParaRPr lang="en-US"/>
           </a:p>
@@ -2387,13 +4370,7 @@
       </p:sp>
       <p:sp>
         <p:nvSpPr>
-          <p:cNvPr id="6" name="Footer Placeholder 5">
-            <a:extLst>
-              <a:ext uri="{FF2B5EF4-FFF2-40B4-BE49-F238E27FC236}">
-                <a16:creationId xmlns:a16="http://schemas.microsoft.com/office/drawing/2014/main" id="{939A1D05-FC17-4C51-825D-9E286A363E86}"/>
-              </a:ext>
-            </a:extLst>
-          </p:cNvPr>
+          <p:cNvPr id="6" name="Footer Placeholder 5"/>
           <p:cNvSpPr>
             <a:spLocks noGrp="1"/>
           </p:cNvSpPr>
@@ -2412,13 +4389,7 @@
       </p:sp>
       <p:sp>
         <p:nvSpPr>
-          <p:cNvPr id="7" name="Slide Number Placeholder 6">
-            <a:extLst>
-              <a:ext uri="{FF2B5EF4-FFF2-40B4-BE49-F238E27FC236}">
-                <a16:creationId xmlns:a16="http://schemas.microsoft.com/office/drawing/2014/main" id="{63B4EF65-73C1-48AB-8EAC-83048C6429C0}"/>
-              </a:ext>
-            </a:extLst>
-          </p:cNvPr>
+          <p:cNvPr id="7" name="Slide Number Placeholder 6"/>
           <p:cNvSpPr>
             <a:spLocks noGrp="1"/>
           </p:cNvSpPr>
@@ -2442,7 +4413,7 @@
     </p:spTree>
     <p:extLst>
       <p:ext uri="{BB962C8B-B14F-4D97-AF65-F5344CB8AC3E}">
-        <p14:creationId xmlns:p14="http://schemas.microsoft.com/office/powerpoint/2010/main" val="1854459175"/>
+        <p14:creationId xmlns:p14="http://schemas.microsoft.com/office/powerpoint/2010/main" val="3408364176"/>
       </p:ext>
     </p:extLst>
   </p:cSld>
@@ -2471,13 +4442,7 @@
       </p:grpSpPr>
       <p:sp>
         <p:nvSpPr>
-          <p:cNvPr id="2" name="Title 1">
-            <a:extLst>
-              <a:ext uri="{FF2B5EF4-FFF2-40B4-BE49-F238E27FC236}">
-                <a16:creationId xmlns:a16="http://schemas.microsoft.com/office/drawing/2014/main" id="{E6A6675F-6426-4E35-B304-233577682D76}"/>
-              </a:ext>
-            </a:extLst>
-          </p:cNvPr>
+          <p:cNvPr id="2" name="Title 1"/>
           <p:cNvSpPr>
             <a:spLocks noGrp="1"/>
           </p:cNvSpPr>
@@ -2487,15 +4452,17 @@
         </p:nvSpPr>
         <p:spPr>
           <a:xfrm>
-            <a:off x="839788" y="457200"/>
-            <a:ext cx="3932237" cy="1600200"/>
+            <a:off x="814728" y="727522"/>
+            <a:ext cx="4852988" cy="1617163"/>
           </a:xfrm>
         </p:spPr>
         <p:txBody>
-          <a:bodyPr anchor="b"/>
+          <a:bodyPr anchor="b">
+            <a:normAutofit/>
+          </a:bodyPr>
           <a:lstStyle>
-            <a:lvl1pPr>
-              <a:defRPr sz="3200"/>
+            <a:lvl1pPr algn="l">
+              <a:defRPr sz="2400" b="0"/>
             </a:lvl1pPr>
           </a:lstStyle>
           <a:p>
@@ -2503,210 +4470,244 @@
               <a:rPr lang="en-US"/>
               <a:t>Click to edit Master title style</a:t>
             </a:r>
-          </a:p>
-        </p:txBody>
-      </p:sp>
-      <p:sp>
-        <p:nvSpPr>
-          <p:cNvPr id="3" name="Picture Placeholder 2">
-            <a:extLst>
-              <a:ext uri="{FF2B5EF4-FFF2-40B4-BE49-F238E27FC236}">
-                <a16:creationId xmlns:a16="http://schemas.microsoft.com/office/drawing/2014/main" id="{56D41534-F6A4-48D5-8380-64F0EFFBB7E0}"/>
-              </a:ext>
-            </a:extLst>
-          </p:cNvPr>
-          <p:cNvSpPr>
-            <a:spLocks noGrp="1"/>
-          </p:cNvSpPr>
-          <p:nvPr>
-            <p:ph type="pic" idx="1"/>
+            <a:endParaRPr lang="en-US" dirty="0"/>
+          </a:p>
+        </p:txBody>
+      </p:sp>
+      <p:sp>
+        <p:nvSpPr>
+          <p:cNvPr id="9" name="Picture Placeholder 11"/>
+          <p:cNvSpPr>
+            <a:spLocks noGrp="1" noChangeAspect="1"/>
+          </p:cNvSpPr>
+          <p:nvPr>
+            <p:ph type="pic" sz="quarter" idx="13"/>
+          </p:nvPr>
+        </p:nvSpPr>
+        <p:spPr bwMode="auto">
+          <a:xfrm>
+            <a:off x="6098117" y="0"/>
+            <a:ext cx="6093883" cy="6858000"/>
+          </a:xfrm>
+          <a:custGeom>
+            <a:avLst/>
+            <a:gdLst/>
+            <a:ahLst/>
+            <a:cxnLst/>
+            <a:rect l="0" t="0" r="r" b="b"/>
+            <a:pathLst>
+              <a:path w="2879" h="4320">
+                <a:moveTo>
+                  <a:pt x="183" y="0"/>
+                </a:moveTo>
+                <a:lnTo>
+                  <a:pt x="183" y="1197"/>
+                </a:lnTo>
+                <a:lnTo>
+                  <a:pt x="8" y="1372"/>
+                </a:lnTo>
+                <a:lnTo>
+                  <a:pt x="8" y="1372"/>
+                </a:lnTo>
+                <a:lnTo>
+                  <a:pt x="6" y="1376"/>
+                </a:lnTo>
+                <a:lnTo>
+                  <a:pt x="3" y="1382"/>
+                </a:lnTo>
+                <a:lnTo>
+                  <a:pt x="0" y="1387"/>
+                </a:lnTo>
+                <a:lnTo>
+                  <a:pt x="0" y="1393"/>
+                </a:lnTo>
+                <a:lnTo>
+                  <a:pt x="0" y="1399"/>
+                </a:lnTo>
+                <a:lnTo>
+                  <a:pt x="3" y="1404"/>
+                </a:lnTo>
+                <a:lnTo>
+                  <a:pt x="6" y="1410"/>
+                </a:lnTo>
+                <a:lnTo>
+                  <a:pt x="8" y="1414"/>
+                </a:lnTo>
+                <a:lnTo>
+                  <a:pt x="183" y="1589"/>
+                </a:lnTo>
+                <a:lnTo>
+                  <a:pt x="183" y="4320"/>
+                </a:lnTo>
+                <a:lnTo>
+                  <a:pt x="2879" y="4320"/>
+                </a:lnTo>
+                <a:lnTo>
+                  <a:pt x="2879" y="0"/>
+                </a:lnTo>
+                <a:lnTo>
+                  <a:pt x="183" y="0"/>
+                </a:lnTo>
+                <a:close/>
+              </a:path>
+            </a:pathLst>
+          </a:custGeom>
+          <a:noFill/>
+          <a:ln w="9525">
+            <a:solidFill>
+              <a:schemeClr val="tx2"/>
+            </a:solidFill>
+            <a:round/>
+            <a:headEnd/>
+            <a:tailEnd/>
+          </a:ln>
+          <a:effectLst/>
+        </p:spPr>
+        <p:txBody>
+          <a:bodyPr wrap="square" numCol="1" anchor="t" anchorCtr="0" compatLnSpc="1">
+            <a:prstTxWarp prst="textNoShape">
+              <a:avLst/>
+            </a:prstTxWarp>
+            <a:normAutofit/>
+          </a:bodyPr>
+          <a:lstStyle>
+            <a:lvl1pPr algn="ctr">
+              <a:buFontTx/>
+              <a:buNone/>
+              <a:defRPr sz="1400"/>
+            </a:lvl1pPr>
+          </a:lstStyle>
+          <a:p>
+            <a:r>
+              <a:rPr lang="en-US"/>
+              <a:t>Click icon to add picture</a:t>
+            </a:r>
+            <a:endParaRPr lang="en-US" dirty="0"/>
+          </a:p>
+        </p:txBody>
+      </p:sp>
+      <p:sp>
+        <p:nvSpPr>
+          <p:cNvPr id="4" name="Text Placeholder 3"/>
+          <p:cNvSpPr>
+            <a:spLocks noGrp="1"/>
+          </p:cNvSpPr>
+          <p:nvPr>
+            <p:ph type="body" sz="half" idx="2"/>
           </p:nvPr>
         </p:nvSpPr>
         <p:spPr>
           <a:xfrm>
-            <a:off x="5183188" y="987425"/>
-            <a:ext cx="6172200" cy="4873625"/>
+            <a:off x="814728" y="2344684"/>
+            <a:ext cx="4852988" cy="3516365"/>
           </a:xfrm>
         </p:spPr>
         <p:txBody>
-          <a:bodyPr/>
+          <a:bodyPr anchor="t">
+            <a:normAutofit/>
+          </a:bodyPr>
           <a:lstStyle>
             <a:lvl1pPr marL="0" indent="0">
               <a:buNone/>
-              <a:defRPr sz="3200"/>
+              <a:defRPr sz="1200"/>
             </a:lvl1pPr>
             <a:lvl2pPr marL="457200" indent="0">
               <a:buNone/>
-              <a:defRPr sz="2800"/>
+              <a:defRPr sz="1200"/>
             </a:lvl2pPr>
             <a:lvl3pPr marL="914400" indent="0">
               <a:buNone/>
-              <a:defRPr sz="2400"/>
+              <a:defRPr sz="1000"/>
             </a:lvl3pPr>
             <a:lvl4pPr marL="1371600" indent="0">
               <a:buNone/>
-              <a:defRPr sz="2000"/>
+              <a:defRPr sz="900"/>
             </a:lvl4pPr>
             <a:lvl5pPr marL="1828800" indent="0">
               <a:buNone/>
-              <a:defRPr sz="2000"/>
+              <a:defRPr sz="900"/>
             </a:lvl5pPr>
             <a:lvl6pPr marL="2286000" indent="0">
               <a:buNone/>
-              <a:defRPr sz="2000"/>
+              <a:defRPr sz="900"/>
             </a:lvl6pPr>
             <a:lvl7pPr marL="2743200" indent="0">
               <a:buNone/>
-              <a:defRPr sz="2000"/>
+              <a:defRPr sz="900"/>
             </a:lvl7pPr>
             <a:lvl8pPr marL="3200400" indent="0">
               <a:buNone/>
-              <a:defRPr sz="2000"/>
+              <a:defRPr sz="900"/>
             </a:lvl8pPr>
             <a:lvl9pPr marL="3657600" indent="0">
               <a:buNone/>
-              <a:defRPr sz="2000"/>
+              <a:defRPr sz="900"/>
             </a:lvl9pPr>
           </a:lstStyle>
           <a:p>
-            <a:endParaRPr lang="en-US"/>
-          </a:p>
-        </p:txBody>
-      </p:sp>
-      <p:sp>
-        <p:nvSpPr>
-          <p:cNvPr id="4" name="Text Placeholder 3">
-            <a:extLst>
-              <a:ext uri="{FF2B5EF4-FFF2-40B4-BE49-F238E27FC236}">
-                <a16:creationId xmlns:a16="http://schemas.microsoft.com/office/drawing/2014/main" id="{EE69622D-EB62-4EDE-ABE0-81E3CCE4BC9E}"/>
-              </a:ext>
-            </a:extLst>
-          </p:cNvPr>
-          <p:cNvSpPr>
-            <a:spLocks noGrp="1"/>
-          </p:cNvSpPr>
-          <p:nvPr>
-            <p:ph type="body" sz="half" idx="2"/>
+            <a:pPr lvl="0"/>
+            <a:r>
+              <a:rPr lang="en-US"/>
+              <a:t>Click to edit Master text styles</a:t>
+            </a:r>
+          </a:p>
+        </p:txBody>
+      </p:sp>
+      <p:sp>
+        <p:nvSpPr>
+          <p:cNvPr id="5" name="Date Placeholder 4"/>
+          <p:cNvSpPr>
+            <a:spLocks noGrp="1"/>
+          </p:cNvSpPr>
+          <p:nvPr>
+            <p:ph type="dt" sz="half" idx="10"/>
           </p:nvPr>
         </p:nvSpPr>
         <p:spPr>
           <a:xfrm>
-            <a:off x="839788" y="2057400"/>
-            <a:ext cx="3932237" cy="3811588"/>
+            <a:off x="3885810" y="6041362"/>
+            <a:ext cx="976879" cy="365125"/>
           </a:xfrm>
         </p:spPr>
         <p:txBody>
           <a:bodyPr/>
-          <a:lstStyle>
-            <a:lvl1pPr marL="0" indent="0">
-              <a:buNone/>
-              <a:defRPr sz="1600"/>
-            </a:lvl1pPr>
-            <a:lvl2pPr marL="457200" indent="0">
-              <a:buNone/>
-              <a:defRPr sz="1400"/>
-            </a:lvl2pPr>
-            <a:lvl3pPr marL="914400" indent="0">
-              <a:buNone/>
-              <a:defRPr sz="1200"/>
-            </a:lvl3pPr>
-            <a:lvl4pPr marL="1371600" indent="0">
-              <a:buNone/>
-              <a:defRPr sz="1000"/>
-            </a:lvl4pPr>
-            <a:lvl5pPr marL="1828800" indent="0">
-              <a:buNone/>
-              <a:defRPr sz="1000"/>
-            </a:lvl5pPr>
-            <a:lvl6pPr marL="2286000" indent="0">
-              <a:buNone/>
-              <a:defRPr sz="1000"/>
-            </a:lvl6pPr>
-            <a:lvl7pPr marL="2743200" indent="0">
-              <a:buNone/>
-              <a:defRPr sz="1000"/>
-            </a:lvl7pPr>
-            <a:lvl8pPr marL="3200400" indent="0">
-              <a:buNone/>
-              <a:defRPr sz="1000"/>
-            </a:lvl8pPr>
-            <a:lvl9pPr marL="3657600" indent="0">
-              <a:buNone/>
-              <a:defRPr sz="1000"/>
-            </a:lvl9pPr>
-          </a:lstStyle>
-          <a:p>
-            <a:pPr lvl="0"/>
-            <a:r>
-              <a:rPr lang="en-US"/>
-              <a:t>Click to edit Master text styles</a:t>
-            </a:r>
-          </a:p>
-        </p:txBody>
-      </p:sp>
-      <p:sp>
-        <p:nvSpPr>
-          <p:cNvPr id="5" name="Date Placeholder 4">
-            <a:extLst>
-              <a:ext uri="{FF2B5EF4-FFF2-40B4-BE49-F238E27FC236}">
-                <a16:creationId xmlns:a16="http://schemas.microsoft.com/office/drawing/2014/main" id="{72AADC5A-0C2F-43B0-85FE-077CB7706042}"/>
-              </a:ext>
-            </a:extLst>
-          </p:cNvPr>
-          <p:cNvSpPr>
-            <a:spLocks noGrp="1"/>
-          </p:cNvSpPr>
-          <p:nvPr>
-            <p:ph type="dt" sz="half" idx="10"/>
-          </p:nvPr>
-        </p:nvSpPr>
-        <p:spPr/>
+          <a:lstStyle/>
+          <a:p>
+            <a:fld id="{F14DD5ED-21E8-403F-A50A-9F652BDD80BA}" type="datetimeFigureOut">
+              <a:rPr lang="en-US" smtClean="0"/>
+              <a:t>11/8/2021</a:t>
+            </a:fld>
+            <a:endParaRPr lang="en-US"/>
+          </a:p>
+        </p:txBody>
+      </p:sp>
+      <p:sp>
+        <p:nvSpPr>
+          <p:cNvPr id="6" name="Footer Placeholder 5"/>
+          <p:cNvSpPr>
+            <a:spLocks noGrp="1"/>
+          </p:cNvSpPr>
+          <p:nvPr>
+            <p:ph type="ftr" sz="quarter" idx="11"/>
+          </p:nvPr>
+        </p:nvSpPr>
+        <p:spPr>
+          <a:xfrm>
+            <a:off x="590396" y="6041362"/>
+            <a:ext cx="3295413" cy="365125"/>
+          </a:xfrm>
+        </p:spPr>
         <p:txBody>
           <a:bodyPr/>
           <a:lstStyle/>
           <a:p>
-            <a:fld id="{F14DD5ED-21E8-403F-A50A-9F652BDD80BA}" type="datetimeFigureOut">
-              <a:rPr lang="en-US" smtClean="0"/>
-              <a:t>11/7/2021</a:t>
-            </a:fld>
             <a:endParaRPr lang="en-US"/>
           </a:p>
         </p:txBody>
       </p:sp>
       <p:sp>
         <p:nvSpPr>
-          <p:cNvPr id="6" name="Footer Placeholder 5">
-            <a:extLst>
-              <a:ext uri="{FF2B5EF4-FFF2-40B4-BE49-F238E27FC236}">
-                <a16:creationId xmlns:a16="http://schemas.microsoft.com/office/drawing/2014/main" id="{0FF95749-34F9-4032-8F50-07F2C37E12E7}"/>
-              </a:ext>
-            </a:extLst>
-          </p:cNvPr>
-          <p:cNvSpPr>
-            <a:spLocks noGrp="1"/>
-          </p:cNvSpPr>
-          <p:nvPr>
-            <p:ph type="ftr" sz="quarter" idx="11"/>
-          </p:nvPr>
-        </p:nvSpPr>
-        <p:spPr/>
-        <p:txBody>
-          <a:bodyPr/>
-          <a:lstStyle/>
-          <a:p>
-            <a:endParaRPr lang="en-US"/>
-          </a:p>
-        </p:txBody>
-      </p:sp>
-      <p:sp>
-        <p:nvSpPr>
-          <p:cNvPr id="7" name="Slide Number Placeholder 6">
-            <a:extLst>
-              <a:ext uri="{FF2B5EF4-FFF2-40B4-BE49-F238E27FC236}">
-                <a16:creationId xmlns:a16="http://schemas.microsoft.com/office/drawing/2014/main" id="{294004E9-2E57-444C-B6EF-B19489F85802}"/>
-              </a:ext>
-            </a:extLst>
-          </p:cNvPr>
+          <p:cNvPr id="7" name="Slide Number Placeholder 6"/>
           <p:cNvSpPr>
             <a:spLocks noGrp="1"/>
           </p:cNvSpPr>
@@ -2714,7 +4715,12 @@
             <p:ph type="sldNum" sz="quarter" idx="12"/>
           </p:nvPr>
         </p:nvSpPr>
-        <p:spPr/>
+        <p:spPr>
+          <a:xfrm>
+            <a:off x="4862689" y="5915888"/>
+            <a:ext cx="1062155" cy="490599"/>
+          </a:xfrm>
+        </p:spPr>
         <p:txBody>
           <a:bodyPr/>
           <a:lstStyle/>
@@ -2730,7 +4736,7 @@
     </p:spTree>
     <p:extLst>
       <p:ext uri="{BB962C8B-B14F-4D97-AF65-F5344CB8AC3E}">
-        <p14:creationId xmlns:p14="http://schemas.microsoft.com/office/powerpoint/2010/main" val="2642654163"/>
+        <p14:creationId xmlns:p14="http://schemas.microsoft.com/office/powerpoint/2010/main" val="3328303511"/>
       </p:ext>
     </p:extLst>
   </p:cSld>
@@ -2745,7 +4751,7 @@
   <p:cSld>
     <p:bg>
       <p:bgRef idx="1001">
-        <a:schemeClr val="bg1"/>
+        <a:schemeClr val="bg2"/>
       </p:bgRef>
     </p:bg>
     <p:spTree>
@@ -2764,13 +4770,7 @@
       </p:grpSpPr>
       <p:sp>
         <p:nvSpPr>
-          <p:cNvPr id="2" name="Title Placeholder 1">
-            <a:extLst>
-              <a:ext uri="{FF2B5EF4-FFF2-40B4-BE49-F238E27FC236}">
-                <a16:creationId xmlns:a16="http://schemas.microsoft.com/office/drawing/2014/main" id="{CEDBDABC-C17F-4453-90F2-4FFADFC9FBA1}"/>
-              </a:ext>
-            </a:extLst>
-          </p:cNvPr>
+          <p:cNvPr id="2" name="Title Placeholder 1"/>
           <p:cNvSpPr>
             <a:spLocks noGrp="1"/>
           </p:cNvSpPr>
@@ -2780,217 +4780,203 @@
         </p:nvSpPr>
         <p:spPr>
           <a:xfrm>
-            <a:off x="838200" y="365125"/>
-            <a:ext cx="10515600" cy="1325563"/>
+            <a:off x="810000" y="447188"/>
+            <a:ext cx="10571998" cy="970450"/>
+          </a:xfrm>
+          <a:prstGeom prst="rect">
+            <a:avLst/>
+          </a:prstGeom>
+          <a:effectLst>
+            <a:outerShdw blurRad="50800" dir="14400000">
+              <a:srgbClr val="000000">
+                <a:alpha val="60000"/>
+              </a:srgbClr>
+            </a:outerShdw>
+          </a:effectLst>
+        </p:spPr>
+        <p:txBody>
+          <a:bodyPr vert="horz" lIns="91440" tIns="45720" rIns="91440" bIns="45720" rtlCol="0" anchor="b">
+            <a:noAutofit/>
+          </a:bodyPr>
+          <a:lstStyle/>
+          <a:p>
+            <a:r>
+              <a:rPr lang="en-US"/>
+              <a:t>Click to edit Master title style</a:t>
+            </a:r>
+            <a:endParaRPr lang="en-US" dirty="0"/>
+          </a:p>
+        </p:txBody>
+      </p:sp>
+      <p:sp>
+        <p:nvSpPr>
+          <p:cNvPr id="3" name="Text Placeholder 2"/>
+          <p:cNvSpPr>
+            <a:spLocks noGrp="1"/>
+          </p:cNvSpPr>
+          <p:nvPr>
+            <p:ph type="body" idx="1"/>
+          </p:nvPr>
+        </p:nvSpPr>
+        <p:spPr>
+          <a:xfrm>
+            <a:off x="810000" y="2184401"/>
+            <a:ext cx="10563285" cy="3674397"/>
+          </a:xfrm>
+          <a:prstGeom prst="rect">
+            <a:avLst/>
+          </a:prstGeom>
+          <a:effectLst>
+            <a:outerShdw blurRad="50800" dir="14400000">
+              <a:srgbClr val="000000">
+                <a:alpha val="40000"/>
+              </a:srgbClr>
+            </a:outerShdw>
+          </a:effectLst>
+        </p:spPr>
+        <p:txBody>
+          <a:bodyPr vert="horz" lIns="91440" tIns="45720" rIns="91440" bIns="45720" rtlCol="0" anchor="ctr">
+            <a:normAutofit/>
+          </a:bodyPr>
+          <a:lstStyle/>
+          <a:p>
+            <a:pPr lvl="0"/>
+            <a:r>
+              <a:rPr lang="en-US"/>
+              <a:t>Click to edit Master text styles</a:t>
+            </a:r>
+          </a:p>
+          <a:p>
+            <a:pPr lvl="1"/>
+            <a:r>
+              <a:rPr lang="en-US"/>
+              <a:t>Second level</a:t>
+            </a:r>
+          </a:p>
+          <a:p>
+            <a:pPr lvl="2"/>
+            <a:r>
+              <a:rPr lang="en-US"/>
+              <a:t>Third level</a:t>
+            </a:r>
+          </a:p>
+          <a:p>
+            <a:pPr lvl="3"/>
+            <a:r>
+              <a:rPr lang="en-US"/>
+              <a:t>Fourth level</a:t>
+            </a:r>
+          </a:p>
+          <a:p>
+            <a:pPr lvl="4"/>
+            <a:r>
+              <a:rPr lang="en-US"/>
+              <a:t>Fifth level</a:t>
+            </a:r>
+            <a:endParaRPr lang="en-US" dirty="0"/>
+          </a:p>
+        </p:txBody>
+      </p:sp>
+      <p:sp>
+        <p:nvSpPr>
+          <p:cNvPr id="5" name="Footer Placeholder 4"/>
+          <p:cNvSpPr>
+            <a:spLocks noGrp="1"/>
+          </p:cNvSpPr>
+          <p:nvPr>
+            <p:ph type="ftr" sz="quarter" idx="3"/>
+          </p:nvPr>
+        </p:nvSpPr>
+        <p:spPr>
+          <a:xfrm>
+            <a:off x="451514" y="6041362"/>
+            <a:ext cx="8644320" cy="365125"/>
           </a:xfrm>
           <a:prstGeom prst="rect">
             <a:avLst/>
           </a:prstGeom>
         </p:spPr>
         <p:txBody>
-          <a:bodyPr vert="horz" lIns="91440" tIns="45720" rIns="91440" bIns="45720" rtlCol="0" anchor="ctr">
-            <a:normAutofit/>
-          </a:bodyPr>
-          <a:lstStyle/>
-          <a:p>
-            <a:r>
-              <a:rPr lang="en-US"/>
-              <a:t>Click to edit Master title style</a:t>
-            </a:r>
-          </a:p>
-        </p:txBody>
-      </p:sp>
-      <p:sp>
-        <p:nvSpPr>
-          <p:cNvPr id="3" name="Text Placeholder 2">
-            <a:extLst>
-              <a:ext uri="{FF2B5EF4-FFF2-40B4-BE49-F238E27FC236}">
-                <a16:creationId xmlns:a16="http://schemas.microsoft.com/office/drawing/2014/main" id="{EB7D9B53-0CDA-4177-B175-E55C042C4F0F}"/>
-              </a:ext>
-            </a:extLst>
-          </p:cNvPr>
-          <p:cNvSpPr>
-            <a:spLocks noGrp="1"/>
-          </p:cNvSpPr>
-          <p:nvPr>
-            <p:ph type="body" idx="1"/>
+          <a:bodyPr vert="horz" lIns="91440" tIns="45720" rIns="91440" bIns="45720" rtlCol="0" anchor="b"/>
+          <a:lstStyle>
+            <a:lvl1pPr algn="l">
+              <a:defRPr sz="900">
+                <a:solidFill>
+                  <a:schemeClr val="tx1"/>
+                </a:solidFill>
+              </a:defRPr>
+            </a:lvl1pPr>
+          </a:lstStyle>
+          <a:p>
+            <a:endParaRPr lang="en-US"/>
+          </a:p>
+        </p:txBody>
+      </p:sp>
+      <p:sp>
+        <p:nvSpPr>
+          <p:cNvPr id="4" name="Date Placeholder 3"/>
+          <p:cNvSpPr>
+            <a:spLocks noGrp="1"/>
+          </p:cNvSpPr>
+          <p:nvPr>
+            <p:ph type="dt" sz="half" idx="2"/>
           </p:nvPr>
         </p:nvSpPr>
         <p:spPr>
           <a:xfrm>
-            <a:off x="838200" y="1825625"/>
-            <a:ext cx="10515600" cy="4351338"/>
+            <a:off x="9334626" y="6041362"/>
+            <a:ext cx="1343706" cy="365125"/>
           </a:xfrm>
           <a:prstGeom prst="rect">
             <a:avLst/>
           </a:prstGeom>
         </p:spPr>
         <p:txBody>
-          <a:bodyPr vert="horz" lIns="91440" tIns="45720" rIns="91440" bIns="45720" rtlCol="0">
-            <a:normAutofit/>
-          </a:bodyPr>
-          <a:lstStyle/>
-          <a:p>
-            <a:pPr lvl="0"/>
-            <a:r>
-              <a:rPr lang="en-US"/>
-              <a:t>Click to edit Master text styles</a:t>
-            </a:r>
-          </a:p>
-          <a:p>
-            <a:pPr lvl="1"/>
-            <a:r>
-              <a:rPr lang="en-US"/>
-              <a:t>Second level</a:t>
-            </a:r>
-          </a:p>
-          <a:p>
-            <a:pPr lvl="2"/>
-            <a:r>
-              <a:rPr lang="en-US"/>
-              <a:t>Third level</a:t>
-            </a:r>
-          </a:p>
-          <a:p>
-            <a:pPr lvl="3"/>
-            <a:r>
-              <a:rPr lang="en-US"/>
-              <a:t>Fourth level</a:t>
-            </a:r>
-          </a:p>
-          <a:p>
-            <a:pPr lvl="4"/>
-            <a:r>
-              <a:rPr lang="en-US"/>
-              <a:t>Fifth level</a:t>
-            </a:r>
-          </a:p>
-        </p:txBody>
-      </p:sp>
-      <p:sp>
-        <p:nvSpPr>
-          <p:cNvPr id="4" name="Date Placeholder 3">
-            <a:extLst>
-              <a:ext uri="{FF2B5EF4-FFF2-40B4-BE49-F238E27FC236}">
-                <a16:creationId xmlns:a16="http://schemas.microsoft.com/office/drawing/2014/main" id="{D2895D8E-2E29-45AA-B769-5195B15A8257}"/>
-              </a:ext>
-            </a:extLst>
-          </p:cNvPr>
-          <p:cNvSpPr>
-            <a:spLocks noGrp="1"/>
-          </p:cNvSpPr>
-          <p:nvPr>
-            <p:ph type="dt" sz="half" idx="2"/>
+          <a:bodyPr vert="horz" lIns="91440" tIns="45720" rIns="91440" bIns="45720" rtlCol="0" anchor="b"/>
+          <a:lstStyle>
+            <a:lvl1pPr algn="r">
+              <a:defRPr sz="900">
+                <a:solidFill>
+                  <a:schemeClr val="tx1"/>
+                </a:solidFill>
+              </a:defRPr>
+            </a:lvl1pPr>
+          </a:lstStyle>
+          <a:p>
+            <a:fld id="{F14DD5ED-21E8-403F-A50A-9F652BDD80BA}" type="datetimeFigureOut">
+              <a:rPr lang="en-US" smtClean="0"/>
+              <a:t>11/8/2021</a:t>
+            </a:fld>
+            <a:endParaRPr lang="en-US"/>
+          </a:p>
+        </p:txBody>
+      </p:sp>
+      <p:sp>
+        <p:nvSpPr>
+          <p:cNvPr id="6" name="Slide Number Placeholder 5"/>
+          <p:cNvSpPr>
+            <a:spLocks noGrp="1"/>
+          </p:cNvSpPr>
+          <p:nvPr>
+            <p:ph type="sldNum" sz="quarter" idx="4"/>
           </p:nvPr>
         </p:nvSpPr>
         <p:spPr>
           <a:xfrm>
-            <a:off x="838200" y="6356350"/>
-            <a:ext cx="2743200" cy="365125"/>
+            <a:off x="10678331" y="5915888"/>
+            <a:ext cx="1062155" cy="490599"/>
           </a:xfrm>
           <a:prstGeom prst="rect">
             <a:avLst/>
           </a:prstGeom>
         </p:spPr>
         <p:txBody>
-          <a:bodyPr vert="horz" lIns="91440" tIns="45720" rIns="91440" bIns="45720" rtlCol="0" anchor="ctr"/>
-          <a:lstStyle>
-            <a:lvl1pPr algn="l">
-              <a:defRPr sz="1200">
-                <a:solidFill>
-                  <a:schemeClr val="tx1">
-                    <a:tint val="75000"/>
-                  </a:schemeClr>
-                </a:solidFill>
-              </a:defRPr>
-            </a:lvl1pPr>
-          </a:lstStyle>
-          <a:p>
-            <a:fld id="{F14DD5ED-21E8-403F-A50A-9F652BDD80BA}" type="datetimeFigureOut">
-              <a:rPr lang="en-US" smtClean="0"/>
-              <a:t>11/7/2021</a:t>
-            </a:fld>
-            <a:endParaRPr lang="en-US"/>
-          </a:p>
-        </p:txBody>
-      </p:sp>
-      <p:sp>
-        <p:nvSpPr>
-          <p:cNvPr id="5" name="Footer Placeholder 4">
-            <a:extLst>
-              <a:ext uri="{FF2B5EF4-FFF2-40B4-BE49-F238E27FC236}">
-                <a16:creationId xmlns:a16="http://schemas.microsoft.com/office/drawing/2014/main" id="{AB2B10F7-24A8-4728-87F2-C6F984EFAC9F}"/>
-              </a:ext>
-            </a:extLst>
-          </p:cNvPr>
-          <p:cNvSpPr>
-            <a:spLocks noGrp="1"/>
-          </p:cNvSpPr>
-          <p:nvPr>
-            <p:ph type="ftr" sz="quarter" idx="3"/>
-          </p:nvPr>
-        </p:nvSpPr>
-        <p:spPr>
-          <a:xfrm>
-            <a:off x="4038600" y="6356350"/>
-            <a:ext cx="4114800" cy="365125"/>
-          </a:xfrm>
-          <a:prstGeom prst="rect">
-            <a:avLst/>
-          </a:prstGeom>
-        </p:spPr>
-        <p:txBody>
-          <a:bodyPr vert="horz" lIns="91440" tIns="45720" rIns="91440" bIns="45720" rtlCol="0" anchor="ctr"/>
-          <a:lstStyle>
-            <a:lvl1pPr algn="ctr">
-              <a:defRPr sz="1200">
-                <a:solidFill>
-                  <a:schemeClr val="tx1">
-                    <a:tint val="75000"/>
-                  </a:schemeClr>
-                </a:solidFill>
-              </a:defRPr>
-            </a:lvl1pPr>
-          </a:lstStyle>
-          <a:p>
-            <a:endParaRPr lang="en-US"/>
-          </a:p>
-        </p:txBody>
-      </p:sp>
-      <p:sp>
-        <p:nvSpPr>
-          <p:cNvPr id="6" name="Slide Number Placeholder 5">
-            <a:extLst>
-              <a:ext uri="{FF2B5EF4-FFF2-40B4-BE49-F238E27FC236}">
-                <a16:creationId xmlns:a16="http://schemas.microsoft.com/office/drawing/2014/main" id="{D898FA43-47A8-4BFB-9184-D94453D12379}"/>
-              </a:ext>
-            </a:extLst>
-          </p:cNvPr>
-          <p:cNvSpPr>
-            <a:spLocks noGrp="1"/>
-          </p:cNvSpPr>
-          <p:nvPr>
-            <p:ph type="sldNum" sz="quarter" idx="4"/>
-          </p:nvPr>
-        </p:nvSpPr>
-        <p:spPr>
-          <a:xfrm>
-            <a:off x="8610600" y="6356350"/>
-            <a:ext cx="2743200" cy="365125"/>
-          </a:xfrm>
-          <a:prstGeom prst="rect">
-            <a:avLst/>
-          </a:prstGeom>
-        </p:spPr>
-        <p:txBody>
-          <a:bodyPr vert="horz" lIns="91440" tIns="45720" rIns="91440" bIns="45720" rtlCol="0" anchor="ctr"/>
+          <a:bodyPr vert="horz" lIns="91440" tIns="45720" rIns="91440" bIns="10800" rtlCol="0" anchor="b"/>
           <a:lstStyle>
             <a:lvl1pPr algn="r">
-              <a:defRPr sz="1200">
+              <a:defRPr sz="2000">
                 <a:solidFill>
-                  <a:schemeClr val="tx1">
-                    <a:tint val="75000"/>
-                  </a:schemeClr>
+                  <a:schemeClr val="accent1"/>
                 </a:solidFill>
               </a:defRPr>
             </a:lvl1pPr>
@@ -3007,55 +4993,114 @@
     </p:spTree>
     <p:extLst>
       <p:ext uri="{BB962C8B-B14F-4D97-AF65-F5344CB8AC3E}">
-        <p14:creationId xmlns:p14="http://schemas.microsoft.com/office/powerpoint/2010/main" val="901123828"/>
+        <p14:creationId xmlns:p14="http://schemas.microsoft.com/office/powerpoint/2010/main" val="1179680662"/>
       </p:ext>
     </p:extLst>
   </p:cSld>
-  <p:clrMap bg1="lt1" tx1="dk1" bg2="lt2" tx2="dk2" accent1="accent1" accent2="accent2" accent3="accent3" accent4="accent4" accent5="accent5" accent6="accent6" hlink="hlink" folHlink="folHlink"/>
+  <p:clrMap bg1="dk1" tx1="lt1" bg2="dk2" tx2="lt2" accent1="accent1" accent2="accent2" accent3="accent3" accent4="accent4" accent5="accent5" accent6="accent6" hlink="hlink" folHlink="folHlink"/>
   <p:sldLayoutIdLst>
-    <p:sldLayoutId id="2147483649" r:id="rId1"/>
-    <p:sldLayoutId id="2147483650" r:id="rId2"/>
-    <p:sldLayoutId id="2147483651" r:id="rId3"/>
-    <p:sldLayoutId id="2147483652" r:id="rId4"/>
-    <p:sldLayoutId id="2147483653" r:id="rId5"/>
-    <p:sldLayoutId id="2147483654" r:id="rId6"/>
-    <p:sldLayoutId id="2147483655" r:id="rId7"/>
-    <p:sldLayoutId id="2147483656" r:id="rId8"/>
-    <p:sldLayoutId id="2147483657" r:id="rId9"/>
-    <p:sldLayoutId id="2147483658" r:id="rId10"/>
-    <p:sldLayoutId id="2147483659" r:id="rId11"/>
+    <p:sldLayoutId id="2147483661" r:id="rId1"/>
+    <p:sldLayoutId id="2147483662" r:id="rId2"/>
+    <p:sldLayoutId id="2147483663" r:id="rId3"/>
+    <p:sldLayoutId id="2147483664" r:id="rId4"/>
+    <p:sldLayoutId id="2147483665" r:id="rId5"/>
+    <p:sldLayoutId id="2147483666" r:id="rId6"/>
+    <p:sldLayoutId id="2147483667" r:id="rId7"/>
+    <p:sldLayoutId id="2147483668" r:id="rId8"/>
+    <p:sldLayoutId id="2147483669" r:id="rId9"/>
+    <p:sldLayoutId id="2147483670" r:id="rId10"/>
+    <p:sldLayoutId id="2147483671" r:id="rId11"/>
+    <p:sldLayoutId id="2147483672" r:id="rId12"/>
+    <p:sldLayoutId id="2147483673" r:id="rId13"/>
+    <p:sldLayoutId id="2147483674" r:id="rId14"/>
   </p:sldLayoutIdLst>
   <p:txStyles>
     <p:titleStyle>
-      <a:lvl1pPr algn="l" defTabSz="914400" rtl="0" eaLnBrk="1" latinLnBrk="0" hangingPunct="1">
-        <a:lnSpc>
-          <a:spcPct val="90000"/>
-        </a:lnSpc>
+      <a:lvl1pPr algn="l" defTabSz="457200" rtl="0" eaLnBrk="1" latinLnBrk="0" hangingPunct="1">
         <a:spcBef>
           <a:spcPct val="0"/>
         </a:spcBef>
         <a:buNone/>
-        <a:defRPr sz="4400" kern="1200">
+        <a:defRPr sz="4000" b="1" kern="1200">
           <a:solidFill>
-            <a:schemeClr val="tx1"/>
+            <a:srgbClr val="FEFEFE"/>
           </a:solidFill>
           <a:latin typeface="+mj-lt"/>
           <a:ea typeface="+mj-ea"/>
           <a:cs typeface="+mj-cs"/>
         </a:defRPr>
       </a:lvl1pPr>
+      <a:lvl2pPr eaLnBrk="1" hangingPunct="1">
+        <a:defRPr>
+          <a:solidFill>
+            <a:schemeClr val="tx2"/>
+          </a:solidFill>
+        </a:defRPr>
+      </a:lvl2pPr>
+      <a:lvl3pPr eaLnBrk="1" hangingPunct="1">
+        <a:defRPr>
+          <a:solidFill>
+            <a:schemeClr val="tx2"/>
+          </a:solidFill>
+        </a:defRPr>
+      </a:lvl3pPr>
+      <a:lvl4pPr eaLnBrk="1" hangingPunct="1">
+        <a:defRPr>
+          <a:solidFill>
+            <a:schemeClr val="tx2"/>
+          </a:solidFill>
+        </a:defRPr>
+      </a:lvl4pPr>
+      <a:lvl5pPr eaLnBrk="1" hangingPunct="1">
+        <a:defRPr>
+          <a:solidFill>
+            <a:schemeClr val="tx2"/>
+          </a:solidFill>
+        </a:defRPr>
+      </a:lvl5pPr>
+      <a:lvl6pPr eaLnBrk="1" hangingPunct="1">
+        <a:defRPr>
+          <a:solidFill>
+            <a:schemeClr val="tx2"/>
+          </a:solidFill>
+        </a:defRPr>
+      </a:lvl6pPr>
+      <a:lvl7pPr eaLnBrk="1" hangingPunct="1">
+        <a:defRPr>
+          <a:solidFill>
+            <a:schemeClr val="tx2"/>
+          </a:solidFill>
+        </a:defRPr>
+      </a:lvl7pPr>
+      <a:lvl8pPr eaLnBrk="1" hangingPunct="1">
+        <a:defRPr>
+          <a:solidFill>
+            <a:schemeClr val="tx2"/>
+          </a:solidFill>
+        </a:defRPr>
+      </a:lvl8pPr>
+      <a:lvl9pPr eaLnBrk="1" hangingPunct="1">
+        <a:defRPr>
+          <a:solidFill>
+            <a:schemeClr val="tx2"/>
+          </a:solidFill>
+        </a:defRPr>
+      </a:lvl9pPr>
     </p:titleStyle>
     <p:bodyStyle>
-      <a:lvl1pPr marL="228600" indent="-228600" algn="l" defTabSz="914400" rtl="0" eaLnBrk="1" latinLnBrk="0" hangingPunct="1">
-        <a:lnSpc>
-          <a:spcPct val="90000"/>
-        </a:lnSpc>
+      <a:lvl1pPr marL="342900" indent="-342900" algn="l" defTabSz="457200" rtl="0" eaLnBrk="1" latinLnBrk="0" hangingPunct="1">
         <a:spcBef>
-          <a:spcPts val="1000"/>
+          <a:spcPct val="20000"/>
         </a:spcBef>
-        <a:buFont typeface="Arial" panose="020B0604020202020204" pitchFamily="34" charset="0"/>
-        <a:buChar char="•"/>
-        <a:defRPr sz="2800" kern="1200">
+        <a:spcAft>
+          <a:spcPts val="600"/>
+        </a:spcAft>
+        <a:buClr>
+          <a:schemeClr val="accent1"/>
+        </a:buClr>
+        <a:buFont typeface="Wingdings 2" charset="2"/>
+        <a:buChar char=""/>
+        <a:defRPr sz="1800" kern="1200">
           <a:solidFill>
             <a:schemeClr val="tx1"/>
           </a:solidFill>
@@ -3064,16 +5109,19 @@
           <a:cs typeface="+mn-cs"/>
         </a:defRPr>
       </a:lvl1pPr>
-      <a:lvl2pPr marL="685800" indent="-228600" algn="l" defTabSz="914400" rtl="0" eaLnBrk="1" latinLnBrk="0" hangingPunct="1">
-        <a:lnSpc>
-          <a:spcPct val="90000"/>
-        </a:lnSpc>
+      <a:lvl2pPr marL="742950" indent="-285750" algn="l" defTabSz="457200" rtl="0" eaLnBrk="1" latinLnBrk="0" hangingPunct="1">
         <a:spcBef>
-          <a:spcPts val="500"/>
+          <a:spcPct val="20000"/>
         </a:spcBef>
-        <a:buFont typeface="Arial" panose="020B0604020202020204" pitchFamily="34" charset="0"/>
-        <a:buChar char="•"/>
-        <a:defRPr sz="2400" kern="1200">
+        <a:spcAft>
+          <a:spcPts val="600"/>
+        </a:spcAft>
+        <a:buClr>
+          <a:schemeClr val="accent1"/>
+        </a:buClr>
+        <a:buFont typeface="Wingdings 2" charset="2"/>
+        <a:buChar char=""/>
+        <a:defRPr sz="1600" kern="1200">
           <a:solidFill>
             <a:schemeClr val="tx1"/>
           </a:solidFill>
@@ -3082,16 +5130,19 @@
           <a:cs typeface="+mn-cs"/>
         </a:defRPr>
       </a:lvl2pPr>
-      <a:lvl3pPr marL="1143000" indent="-228600" algn="l" defTabSz="914400" rtl="0" eaLnBrk="1" latinLnBrk="0" hangingPunct="1">
-        <a:lnSpc>
-          <a:spcPct val="90000"/>
-        </a:lnSpc>
+      <a:lvl3pPr marL="1143000" indent="-228600" algn="l" defTabSz="457200" rtl="0" eaLnBrk="1" latinLnBrk="0" hangingPunct="1">
         <a:spcBef>
-          <a:spcPts val="500"/>
+          <a:spcPct val="20000"/>
         </a:spcBef>
-        <a:buFont typeface="Arial" panose="020B0604020202020204" pitchFamily="34" charset="0"/>
-        <a:buChar char="•"/>
-        <a:defRPr sz="2000" kern="1200">
+        <a:spcAft>
+          <a:spcPts val="600"/>
+        </a:spcAft>
+        <a:buClr>
+          <a:schemeClr val="accent1"/>
+        </a:buClr>
+        <a:buFont typeface="Wingdings 2" charset="2"/>
+        <a:buChar char=""/>
+        <a:defRPr sz="1400" kern="1200">
           <a:solidFill>
             <a:schemeClr val="tx1"/>
           </a:solidFill>
@@ -3100,16 +5151,19 @@
           <a:cs typeface="+mn-cs"/>
         </a:defRPr>
       </a:lvl3pPr>
-      <a:lvl4pPr marL="1600200" indent="-228600" algn="l" defTabSz="914400" rtl="0" eaLnBrk="1" latinLnBrk="0" hangingPunct="1">
-        <a:lnSpc>
-          <a:spcPct val="90000"/>
-        </a:lnSpc>
+      <a:lvl4pPr marL="1600200" indent="-228600" algn="l" defTabSz="457200" rtl="0" eaLnBrk="1" latinLnBrk="0" hangingPunct="1">
         <a:spcBef>
-          <a:spcPts val="500"/>
+          <a:spcPct val="20000"/>
         </a:spcBef>
-        <a:buFont typeface="Arial" panose="020B0604020202020204" pitchFamily="34" charset="0"/>
-        <a:buChar char="•"/>
-        <a:defRPr sz="1800" kern="1200">
+        <a:spcAft>
+          <a:spcPts val="600"/>
+        </a:spcAft>
+        <a:buClr>
+          <a:schemeClr val="accent1"/>
+        </a:buClr>
+        <a:buFont typeface="Wingdings 2" charset="2"/>
+        <a:buChar char=""/>
+        <a:defRPr sz="1200" kern="1200">
           <a:solidFill>
             <a:schemeClr val="tx1"/>
           </a:solidFill>
@@ -3118,16 +5172,19 @@
           <a:cs typeface="+mn-cs"/>
         </a:defRPr>
       </a:lvl4pPr>
-      <a:lvl5pPr marL="2057400" indent="-228600" algn="l" defTabSz="914400" rtl="0" eaLnBrk="1" latinLnBrk="0" hangingPunct="1">
-        <a:lnSpc>
-          <a:spcPct val="90000"/>
-        </a:lnSpc>
+      <a:lvl5pPr marL="2057400" indent="-228600" algn="l" defTabSz="457200" rtl="0" eaLnBrk="1" latinLnBrk="0" hangingPunct="1">
         <a:spcBef>
-          <a:spcPts val="500"/>
+          <a:spcPct val="20000"/>
         </a:spcBef>
-        <a:buFont typeface="Arial" panose="020B0604020202020204" pitchFamily="34" charset="0"/>
-        <a:buChar char="•"/>
-        <a:defRPr sz="1800" kern="1200">
+        <a:spcAft>
+          <a:spcPts val="600"/>
+        </a:spcAft>
+        <a:buClr>
+          <a:schemeClr val="accent1"/>
+        </a:buClr>
+        <a:buFont typeface="Wingdings 2" charset="2"/>
+        <a:buChar char=""/>
+        <a:defRPr sz="1200" kern="1200">
           <a:solidFill>
             <a:schemeClr val="tx1"/>
           </a:solidFill>
@@ -3136,16 +5193,19 @@
           <a:cs typeface="+mn-cs"/>
         </a:defRPr>
       </a:lvl5pPr>
-      <a:lvl6pPr marL="2514600" indent="-228600" algn="l" defTabSz="914400" rtl="0" eaLnBrk="1" latinLnBrk="0" hangingPunct="1">
-        <a:lnSpc>
-          <a:spcPct val="90000"/>
-        </a:lnSpc>
+      <a:lvl6pPr marL="2400000" indent="-228600" algn="l" defTabSz="457200" rtl="0" eaLnBrk="1" latinLnBrk="0" hangingPunct="1">
         <a:spcBef>
-          <a:spcPts val="500"/>
+          <a:spcPct val="20000"/>
         </a:spcBef>
-        <a:buFont typeface="Arial" panose="020B0604020202020204" pitchFamily="34" charset="0"/>
-        <a:buChar char="•"/>
-        <a:defRPr sz="1800" kern="1200">
+        <a:spcAft>
+          <a:spcPts val="600"/>
+        </a:spcAft>
+        <a:buClr>
+          <a:schemeClr val="accent1"/>
+        </a:buClr>
+        <a:buFont typeface="Wingdings 2" charset="2"/>
+        <a:buChar char=""/>
+        <a:defRPr sz="1200" kern="1200">
           <a:solidFill>
             <a:schemeClr val="tx1"/>
           </a:solidFill>
@@ -3154,16 +5214,19 @@
           <a:cs typeface="+mn-cs"/>
         </a:defRPr>
       </a:lvl6pPr>
-      <a:lvl7pPr marL="2971800" indent="-228600" algn="l" defTabSz="914400" rtl="0" eaLnBrk="1" latinLnBrk="0" hangingPunct="1">
-        <a:lnSpc>
-          <a:spcPct val="90000"/>
-        </a:lnSpc>
+      <a:lvl7pPr marL="2800000" indent="-228600" algn="l" defTabSz="457200" rtl="0" eaLnBrk="1" latinLnBrk="0" hangingPunct="1">
         <a:spcBef>
-          <a:spcPts val="500"/>
+          <a:spcPct val="20000"/>
         </a:spcBef>
-        <a:buFont typeface="Arial" panose="020B0604020202020204" pitchFamily="34" charset="0"/>
-        <a:buChar char="•"/>
-        <a:defRPr sz="1800" kern="1200">
+        <a:spcAft>
+          <a:spcPts val="600"/>
+        </a:spcAft>
+        <a:buClr>
+          <a:schemeClr val="accent1"/>
+        </a:buClr>
+        <a:buFont typeface="Wingdings 2" charset="2"/>
+        <a:buChar char=""/>
+        <a:defRPr sz="1200" kern="1200">
           <a:solidFill>
             <a:schemeClr val="tx1"/>
           </a:solidFill>
@@ -3172,16 +5235,19 @@
           <a:cs typeface="+mn-cs"/>
         </a:defRPr>
       </a:lvl7pPr>
-      <a:lvl8pPr marL="3429000" indent="-228600" algn="l" defTabSz="914400" rtl="0" eaLnBrk="1" latinLnBrk="0" hangingPunct="1">
-        <a:lnSpc>
-          <a:spcPct val="90000"/>
-        </a:lnSpc>
+      <a:lvl8pPr marL="3200000" indent="-228600" algn="l" defTabSz="457200" rtl="0" eaLnBrk="1" latinLnBrk="0" hangingPunct="1">
         <a:spcBef>
-          <a:spcPts val="500"/>
+          <a:spcPct val="20000"/>
         </a:spcBef>
-        <a:buFont typeface="Arial" panose="020B0604020202020204" pitchFamily="34" charset="0"/>
-        <a:buChar char="•"/>
-        <a:defRPr sz="1800" kern="1200">
+        <a:spcAft>
+          <a:spcPts val="600"/>
+        </a:spcAft>
+        <a:buClr>
+          <a:schemeClr val="accent1"/>
+        </a:buClr>
+        <a:buFont typeface="Wingdings 2" charset="2"/>
+        <a:buChar char=""/>
+        <a:defRPr sz="1200" kern="1200">
           <a:solidFill>
             <a:schemeClr val="tx1"/>
           </a:solidFill>
@@ -3190,16 +5256,19 @@
           <a:cs typeface="+mn-cs"/>
         </a:defRPr>
       </a:lvl8pPr>
-      <a:lvl9pPr marL="3886200" indent="-228600" algn="l" defTabSz="914400" rtl="0" eaLnBrk="1" latinLnBrk="0" hangingPunct="1">
-        <a:lnSpc>
-          <a:spcPct val="90000"/>
-        </a:lnSpc>
+      <a:lvl9pPr marL="3600000" indent="-228600" algn="l" defTabSz="457200" rtl="0" eaLnBrk="1" latinLnBrk="0" hangingPunct="1">
         <a:spcBef>
-          <a:spcPts val="500"/>
+          <a:spcPct val="20000"/>
         </a:spcBef>
-        <a:buFont typeface="Arial" panose="020B0604020202020204" pitchFamily="34" charset="0"/>
-        <a:buChar char="•"/>
-        <a:defRPr sz="1800" kern="1200">
+        <a:spcAft>
+          <a:spcPts val="600"/>
+        </a:spcAft>
+        <a:buClr>
+          <a:schemeClr val="accent1"/>
+        </a:buClr>
+        <a:buFont typeface="Wingdings 2" charset="2"/>
+        <a:buChar char=""/>
+        <a:defRPr sz="1200" kern="1200">
           <a:solidFill>
             <a:schemeClr val="tx1"/>
           </a:solidFill>
@@ -3213,7 +5282,7 @@
       <a:defPPr>
         <a:defRPr lang="en-US"/>
       </a:defPPr>
-      <a:lvl1pPr marL="0" algn="l" defTabSz="914400" rtl="0" eaLnBrk="1" latinLnBrk="0" hangingPunct="1">
+      <a:lvl1pPr marL="0" algn="l" defTabSz="457200" rtl="0" eaLnBrk="1" latinLnBrk="0" hangingPunct="1">
         <a:defRPr sz="1800" kern="1200">
           <a:solidFill>
             <a:schemeClr val="tx1"/>
@@ -3223,7 +5292,7 @@
           <a:cs typeface="+mn-cs"/>
         </a:defRPr>
       </a:lvl1pPr>
-      <a:lvl2pPr marL="457200" algn="l" defTabSz="914400" rtl="0" eaLnBrk="1" latinLnBrk="0" hangingPunct="1">
+      <a:lvl2pPr marL="457200" algn="l" defTabSz="457200" rtl="0" eaLnBrk="1" latinLnBrk="0" hangingPunct="1">
         <a:defRPr sz="1800" kern="1200">
           <a:solidFill>
             <a:schemeClr val="tx1"/>
@@ -3233,7 +5302,7 @@
           <a:cs typeface="+mn-cs"/>
         </a:defRPr>
       </a:lvl2pPr>
-      <a:lvl3pPr marL="914400" algn="l" defTabSz="914400" rtl="0" eaLnBrk="1" latinLnBrk="0" hangingPunct="1">
+      <a:lvl3pPr marL="914400" algn="l" defTabSz="457200" rtl="0" eaLnBrk="1" latinLnBrk="0" hangingPunct="1">
         <a:defRPr sz="1800" kern="1200">
           <a:solidFill>
             <a:schemeClr val="tx1"/>
@@ -3243,7 +5312,7 @@
           <a:cs typeface="+mn-cs"/>
         </a:defRPr>
       </a:lvl3pPr>
-      <a:lvl4pPr marL="1371600" algn="l" defTabSz="914400" rtl="0" eaLnBrk="1" latinLnBrk="0" hangingPunct="1">
+      <a:lvl4pPr marL="1371600" algn="l" defTabSz="457200" rtl="0" eaLnBrk="1" latinLnBrk="0" hangingPunct="1">
         <a:defRPr sz="1800" kern="1200">
           <a:solidFill>
             <a:schemeClr val="tx1"/>
@@ -3253,7 +5322,7 @@
           <a:cs typeface="+mn-cs"/>
         </a:defRPr>
       </a:lvl4pPr>
-      <a:lvl5pPr marL="1828800" algn="l" defTabSz="914400" rtl="0" eaLnBrk="1" latinLnBrk="0" hangingPunct="1">
+      <a:lvl5pPr marL="1828800" algn="l" defTabSz="457200" rtl="0" eaLnBrk="1" latinLnBrk="0" hangingPunct="1">
         <a:defRPr sz="1800" kern="1200">
           <a:solidFill>
             <a:schemeClr val="tx1"/>
@@ -3263,7 +5332,7 @@
           <a:cs typeface="+mn-cs"/>
         </a:defRPr>
       </a:lvl5pPr>
-      <a:lvl6pPr marL="2286000" algn="l" defTabSz="914400" rtl="0" eaLnBrk="1" latinLnBrk="0" hangingPunct="1">
+      <a:lvl6pPr marL="2286000" algn="l" defTabSz="457200" rtl="0" eaLnBrk="1" latinLnBrk="0" hangingPunct="1">
         <a:defRPr sz="1800" kern="1200">
           <a:solidFill>
             <a:schemeClr val="tx1"/>
@@ -3273,7 +5342,7 @@
           <a:cs typeface="+mn-cs"/>
         </a:defRPr>
       </a:lvl6pPr>
-      <a:lvl7pPr marL="2743200" algn="l" defTabSz="914400" rtl="0" eaLnBrk="1" latinLnBrk="0" hangingPunct="1">
+      <a:lvl7pPr marL="2743200" algn="l" defTabSz="457200" rtl="0" eaLnBrk="1" latinLnBrk="0" hangingPunct="1">
         <a:defRPr sz="1800" kern="1200">
           <a:solidFill>
             <a:schemeClr val="tx1"/>
@@ -3283,7 +5352,7 @@
           <a:cs typeface="+mn-cs"/>
         </a:defRPr>
       </a:lvl7pPr>
-      <a:lvl8pPr marL="3200400" algn="l" defTabSz="914400" rtl="0" eaLnBrk="1" latinLnBrk="0" hangingPunct="1">
+      <a:lvl8pPr marL="3200400" algn="l" defTabSz="457200" rtl="0" eaLnBrk="1" latinLnBrk="0" hangingPunct="1">
         <a:defRPr sz="1800" kern="1200">
           <a:solidFill>
             <a:schemeClr val="tx1"/>
@@ -3293,7 +5362,7 @@
           <a:cs typeface="+mn-cs"/>
         </a:defRPr>
       </a:lvl8pPr>
-      <a:lvl9pPr marL="3657600" algn="l" defTabSz="914400" rtl="0" eaLnBrk="1" latinLnBrk="0" hangingPunct="1">
+      <a:lvl9pPr marL="3657600" algn="l" defTabSz="457200" rtl="0" eaLnBrk="1" latinLnBrk="0" hangingPunct="1">
         <a:defRPr sz="1800" kern="1200">
           <a:solidFill>
             <a:schemeClr val="tx1"/>
@@ -3370,17 +5439,24 @@
             <p:ph type="subTitle" idx="1"/>
           </p:nvPr>
         </p:nvSpPr>
-        <p:spPr/>
-        <p:txBody>
-          <a:bodyPr/>
+        <p:spPr>
+          <a:xfrm>
+            <a:off x="810001" y="5280846"/>
+            <a:ext cx="10572000" cy="815153"/>
+          </a:xfrm>
+        </p:spPr>
+        <p:txBody>
+          <a:bodyPr>
+            <a:normAutofit/>
+          </a:bodyPr>
           <a:lstStyle/>
           <a:p>
             <a:r>
-              <a:rPr lang="bg-BG" dirty="0"/>
+              <a:rPr lang="bg-BG" sz="3600" dirty="0"/>
               <a:t>Отбор </a:t>
             </a:r>
             <a:r>
-              <a:rPr lang="en-US" dirty="0"/>
+              <a:rPr lang="en-US" sz="3600" dirty="0"/>
               <a:t>CBBA-6890</a:t>
             </a:r>
           </a:p>
@@ -3434,8 +5510,8 @@
         </p:nvSpPr>
         <p:spPr>
           <a:xfrm>
-            <a:off x="838200" y="489504"/>
-            <a:ext cx="10515600" cy="1325563"/>
+            <a:off x="387626" y="631722"/>
+            <a:ext cx="10515600" cy="595867"/>
           </a:xfrm>
         </p:spPr>
         <p:txBody>
@@ -3468,8 +5544,8 @@
         </p:nvSpPr>
         <p:spPr>
           <a:xfrm>
-            <a:off x="6718434" y="2160103"/>
-            <a:ext cx="5473566" cy="4351338"/>
+            <a:off x="6470770" y="1577006"/>
+            <a:ext cx="5827247" cy="4351338"/>
           </a:xfrm>
         </p:spPr>
         <p:txBody>
@@ -3480,72 +5556,72 @@
               <a:buNone/>
             </a:pPr>
             <a:r>
-              <a:rPr lang="bg-BG" dirty="0"/>
+              <a:rPr lang="bg-BG" sz="2000" dirty="0"/>
               <a:t>Иван </a:t>
             </a:r>
             <a:r>
-              <a:rPr lang="bg-BG" dirty="0" err="1"/>
+              <a:rPr lang="bg-BG" sz="2000" dirty="0" err="1"/>
               <a:t>Бързев</a:t>
             </a:r>
             <a:r>
-              <a:rPr lang="bg-BG" dirty="0"/>
+              <a:rPr lang="bg-BG" sz="2000" dirty="0"/>
               <a:t> </a:t>
             </a:r>
             <a:r>
-              <a:rPr lang="en-US" dirty="0"/>
+              <a:rPr lang="en-US" sz="2000" dirty="0"/>
               <a:t>- Back-end developer</a:t>
             </a:r>
-            <a:endParaRPr lang="bg-BG" dirty="0"/>
+            <a:endParaRPr lang="bg-BG" sz="2000" dirty="0"/>
           </a:p>
           <a:p>
             <a:pPr marL="0" indent="0">
               <a:buNone/>
             </a:pPr>
             <a:r>
-              <a:rPr lang="bg-BG" dirty="0"/>
+              <a:rPr lang="bg-BG" sz="2000" dirty="0"/>
               <a:t>Пресиан Стефанов</a:t>
             </a:r>
             <a:r>
-              <a:rPr lang="en-US" dirty="0"/>
+              <a:rPr lang="en-US" sz="2000" dirty="0"/>
               <a:t> - Front-end developer</a:t>
             </a:r>
-            <a:endParaRPr lang="bg-BG" dirty="0"/>
+            <a:endParaRPr lang="bg-BG" sz="2000" dirty="0"/>
           </a:p>
           <a:p>
             <a:pPr marL="0" indent="0">
               <a:buNone/>
             </a:pPr>
             <a:r>
-              <a:rPr lang="bg-BG" dirty="0"/>
+              <a:rPr lang="bg-BG" sz="2000" dirty="0"/>
               <a:t>Георги Матеев</a:t>
             </a:r>
             <a:r>
-              <a:rPr lang="en-US" dirty="0"/>
-              <a:t> - Q&amp;A </a:t>
-            </a:r>
-            <a:endParaRPr lang="bg-BG" dirty="0"/>
+              <a:rPr lang="en-US" sz="2000" dirty="0"/>
+              <a:t> - Q&amp;A engineer</a:t>
+            </a:r>
+            <a:endParaRPr lang="bg-BG" sz="2000" dirty="0"/>
           </a:p>
           <a:p>
             <a:pPr marL="0" indent="0">
               <a:buNone/>
             </a:pPr>
             <a:r>
-              <a:rPr lang="bg-BG" dirty="0"/>
+              <a:rPr lang="bg-BG" sz="2000" dirty="0"/>
               <a:t>Велека Костова</a:t>
             </a:r>
             <a:r>
-              <a:rPr lang="en-US" dirty="0"/>
+              <a:rPr lang="en-US" sz="2000" dirty="0"/>
               <a:t> </a:t>
             </a:r>
             <a:r>
-              <a:rPr lang="bg-BG" dirty="0"/>
+              <a:rPr lang="bg-BG" sz="2000" dirty="0"/>
               <a:t>-</a:t>
             </a:r>
             <a:r>
-              <a:rPr lang="en-US" dirty="0"/>
+              <a:rPr lang="en-US" sz="2000" dirty="0"/>
               <a:t> Scrum trainer</a:t>
             </a:r>
-            <a:endParaRPr lang="bg-BG" dirty="0"/>
+            <a:endParaRPr lang="bg-BG" sz="2000" dirty="0"/>
           </a:p>
           <a:p>
             <a:pPr marL="0" indent="0">
@@ -3589,7 +5665,7 @@
         </p:blipFill>
         <p:spPr>
           <a:xfrm>
-            <a:off x="536800" y="2160103"/>
+            <a:off x="510296" y="2562966"/>
             <a:ext cx="5827248" cy="3545611"/>
           </a:xfrm>
           <a:prstGeom prst="rect">
@@ -3645,8 +5721,8 @@
         </p:nvSpPr>
         <p:spPr>
           <a:xfrm>
-            <a:off x="692426" y="921717"/>
-            <a:ext cx="10515600" cy="1325563"/>
+            <a:off x="378618" y="662609"/>
+            <a:ext cx="10515600" cy="630514"/>
           </a:xfrm>
         </p:spPr>
         <p:txBody>
@@ -3691,7 +5767,7 @@
         </p:blipFill>
         <p:spPr>
           <a:xfrm>
-            <a:off x="471383" y="3039839"/>
+            <a:off x="471383" y="3569926"/>
             <a:ext cx="1493853" cy="1493853"/>
           </a:xfrm>
         </p:spPr>
@@ -3724,7 +5800,7 @@
         </p:blipFill>
         <p:spPr>
           <a:xfrm>
-            <a:off x="2354455" y="2839179"/>
+            <a:off x="2350748" y="3369266"/>
             <a:ext cx="1895171" cy="1895171"/>
           </a:xfrm>
           <a:prstGeom prst="rect">
@@ -3760,7 +5836,7 @@
         </p:blipFill>
         <p:spPr>
           <a:xfrm>
-            <a:off x="4488786" y="2871486"/>
+            <a:off x="4506210" y="3493530"/>
             <a:ext cx="1912032" cy="1912032"/>
           </a:xfrm>
           <a:prstGeom prst="rect">
@@ -3796,7 +5872,7 @@
         </p:blipFill>
         <p:spPr>
           <a:xfrm>
-            <a:off x="6786330" y="3014929"/>
+            <a:off x="6909293" y="3690164"/>
             <a:ext cx="1547127" cy="1518763"/>
           </a:xfrm>
           <a:prstGeom prst="rect">
@@ -3832,7 +5908,7 @@
         </p:blipFill>
         <p:spPr>
           <a:xfrm>
-            <a:off x="8947471" y="3123982"/>
+            <a:off x="9053488" y="3786763"/>
             <a:ext cx="2773146" cy="1325564"/>
           </a:xfrm>
           <a:prstGeom prst="rect">
@@ -3886,7 +5962,12 @@
             <p:ph type="title"/>
           </p:nvPr>
         </p:nvSpPr>
-        <p:spPr/>
+        <p:spPr>
+          <a:xfrm>
+            <a:off x="810001" y="237984"/>
+            <a:ext cx="10571998" cy="970450"/>
+          </a:xfrm>
+        </p:spPr>
         <p:txBody>
           <a:bodyPr/>
           <a:lstStyle/>
@@ -3917,8 +5998,8 @@
         </p:nvSpPr>
         <p:spPr>
           <a:xfrm>
-            <a:off x="838200" y="1690688"/>
-            <a:ext cx="10515600" cy="4351338"/>
+            <a:off x="8242851" y="1147314"/>
+            <a:ext cx="3578087" cy="4351338"/>
           </a:xfrm>
         </p:spPr>
         <p:txBody>
@@ -3990,7 +6071,7 @@
         </p:blipFill>
         <p:spPr>
           <a:xfrm>
-            <a:off x="838200" y="2849002"/>
+            <a:off x="480391" y="2583683"/>
             <a:ext cx="7487478" cy="3551108"/>
           </a:xfrm>
           <a:prstGeom prst="rect">
@@ -4028,6 +6109,143 @@
           <a:chExt cx="0" cy="0"/>
         </a:xfrm>
       </p:grpSpPr>
+      <p:pic>
+        <p:nvPicPr>
+          <p:cNvPr id="7" name="Picture 6">
+            <a:extLst>
+              <a:ext uri="{FF2B5EF4-FFF2-40B4-BE49-F238E27FC236}">
+                <a16:creationId xmlns:a16="http://schemas.microsoft.com/office/drawing/2014/main" id="{9609CE33-0F3A-4629-BED3-1E3C00581727}"/>
+              </a:ext>
+            </a:extLst>
+          </p:cNvPr>
+          <p:cNvPicPr>
+            <a:picLocks noChangeAspect="1"/>
+          </p:cNvPicPr>
+          <p:nvPr/>
+        </p:nvPicPr>
+        <p:blipFill>
+          <a:blip r:embed="rId2">
+            <a:extLst>
+              <a:ext uri="{28A0092B-C50C-407E-A947-70E740481C1C}">
+                <a14:useLocalDpi xmlns:a14="http://schemas.microsoft.com/office/drawing/2010/main" val="0"/>
+              </a:ext>
+            </a:extLst>
+          </a:blip>
+          <a:stretch>
+            <a:fillRect/>
+          </a:stretch>
+        </p:blipFill>
+        <p:spPr>
+          <a:xfrm>
+            <a:off x="4910645" y="2675681"/>
+            <a:ext cx="2951439" cy="3236877"/>
+          </a:xfrm>
+          <a:prstGeom prst="rect">
+            <a:avLst/>
+          </a:prstGeom>
+        </p:spPr>
+      </p:pic>
+      <p:pic>
+        <p:nvPicPr>
+          <p:cNvPr id="17" name="Picture 16">
+            <a:extLst>
+              <a:ext uri="{FF2B5EF4-FFF2-40B4-BE49-F238E27FC236}">
+                <a16:creationId xmlns:a16="http://schemas.microsoft.com/office/drawing/2014/main" id="{D1559D30-B016-4A78-80FD-C5AD046972CC}"/>
+              </a:ext>
+            </a:extLst>
+          </p:cNvPr>
+          <p:cNvPicPr>
+            <a:picLocks noChangeAspect="1"/>
+          </p:cNvPicPr>
+          <p:nvPr/>
+        </p:nvPicPr>
+        <p:blipFill>
+          <a:blip r:embed="rId3">
+            <a:extLst>
+              <a:ext uri="{28A0092B-C50C-407E-A947-70E740481C1C}">
+                <a14:useLocalDpi xmlns:a14="http://schemas.microsoft.com/office/drawing/2010/main" val="0"/>
+              </a:ext>
+            </a:extLst>
+          </a:blip>
+          <a:stretch>
+            <a:fillRect/>
+          </a:stretch>
+        </p:blipFill>
+        <p:spPr>
+          <a:xfrm>
+            <a:off x="8017564" y="2675681"/>
+            <a:ext cx="3950189" cy="3244523"/>
+          </a:xfrm>
+          <a:prstGeom prst="rect">
+            <a:avLst/>
+          </a:prstGeom>
+        </p:spPr>
+      </p:pic>
+      <p:pic>
+        <p:nvPicPr>
+          <p:cNvPr id="21" name="Content Placeholder 20">
+            <a:extLst>
+              <a:ext uri="{FF2B5EF4-FFF2-40B4-BE49-F238E27FC236}">
+                <a16:creationId xmlns:a16="http://schemas.microsoft.com/office/drawing/2014/main" id="{BDA80787-F196-4D90-AA56-5A7975C851A7}"/>
+              </a:ext>
+            </a:extLst>
+          </p:cNvPr>
+          <p:cNvPicPr>
+            <a:picLocks noGrp="1" noChangeAspect="1"/>
+          </p:cNvPicPr>
+          <p:nvPr>
+            <p:ph idx="1"/>
+          </p:nvPr>
+        </p:nvPicPr>
+        <p:blipFill>
+          <a:blip r:embed="rId4">
+            <a:extLst>
+              <a:ext uri="{28A0092B-C50C-407E-A947-70E740481C1C}">
+                <a14:useLocalDpi xmlns:a14="http://schemas.microsoft.com/office/drawing/2010/main" val="0"/>
+              </a:ext>
+            </a:extLst>
+          </a:blip>
+          <a:stretch>
+            <a:fillRect/>
+          </a:stretch>
+        </p:blipFill>
+        <p:spPr>
+          <a:xfrm>
+            <a:off x="190837" y="2668035"/>
+            <a:ext cx="4564328" cy="3244523"/>
+          </a:xfrm>
+        </p:spPr>
+      </p:pic>
+    </p:spTree>
+    <p:extLst>
+      <p:ext uri="{BB962C8B-B14F-4D97-AF65-F5344CB8AC3E}">
+        <p14:creationId xmlns:p14="http://schemas.microsoft.com/office/powerpoint/2010/main" val="1828576765"/>
+      </p:ext>
+    </p:extLst>
+  </p:cSld>
+  <p:clrMapOvr>
+    <a:masterClrMapping/>
+  </p:clrMapOvr>
+</p:sld>
+</file>
+
+<file path=ppt/slides/slide6.xml><?xml version="1.0" encoding="utf-8"?>
+<p:sld xmlns:a="http://schemas.openxmlformats.org/drawingml/2006/main" xmlns:r="http://schemas.openxmlformats.org/officeDocument/2006/relationships" xmlns:p="http://schemas.openxmlformats.org/presentationml/2006/main">
+  <p:cSld>
+    <p:spTree>
+      <p:nvGrpSpPr>
+        <p:cNvPr id="1" name=""/>
+        <p:cNvGrpSpPr/>
+        <p:nvPr/>
+      </p:nvGrpSpPr>
+      <p:grpSpPr>
+        <a:xfrm>
+          <a:off x="0" y="0"/>
+          <a:ext cx="0" cy="0"/>
+          <a:chOff x="0" y="0"/>
+          <a:chExt cx="0" cy="0"/>
+        </a:xfrm>
+      </p:grpSpPr>
       <p:sp>
         <p:nvSpPr>
           <p:cNvPr id="2" name="Title 1">
@@ -4076,9 +6294,9 @@
 </file>
 
 <file path=ppt/theme/theme1.xml><?xml version="1.0" encoding="utf-8"?>
-<a:theme xmlns:a="http://schemas.openxmlformats.org/drawingml/2006/main" name="Office Theme">
+<a:theme xmlns:a="http://schemas.openxmlformats.org/drawingml/2006/main" name="Quotable">
   <a:themeElements>
-    <a:clrScheme name="Office">
+    <a:clrScheme name="Quotable">
       <a:dk1>
         <a:sysClr val="windowText" lastClr="000000"/>
       </a:dk1>
@@ -4086,100 +6304,48 @@
         <a:sysClr val="window" lastClr="FFFFFF"/>
       </a:lt1>
       <a:dk2>
-        <a:srgbClr val="44546A"/>
+        <a:srgbClr val="212121"/>
       </a:dk2>
       <a:lt2>
-        <a:srgbClr val="E7E6E6"/>
+        <a:srgbClr val="636363"/>
       </a:lt2>
       <a:accent1>
-        <a:srgbClr val="4472C4"/>
+        <a:srgbClr val="00C6BB"/>
       </a:accent1>
       <a:accent2>
-        <a:srgbClr val="ED7D31"/>
+        <a:srgbClr val="6FEBA0"/>
       </a:accent2>
       <a:accent3>
-        <a:srgbClr val="A5A5A5"/>
+        <a:srgbClr val="B6DF5E"/>
       </a:accent3>
       <a:accent4>
-        <a:srgbClr val="FFC000"/>
+        <a:srgbClr val="EFB251"/>
       </a:accent4>
       <a:accent5>
-        <a:srgbClr val="5B9BD5"/>
+        <a:srgbClr val="EF755F"/>
       </a:accent5>
       <a:accent6>
-        <a:srgbClr val="70AD47"/>
+        <a:srgbClr val="ED515C"/>
       </a:accent6>
       <a:hlink>
-        <a:srgbClr val="0563C1"/>
+        <a:srgbClr val="8F8F8F"/>
       </a:hlink>
       <a:folHlink>
-        <a:srgbClr val="954F72"/>
+        <a:srgbClr val="A5A5A5"/>
       </a:folHlink>
     </a:clrScheme>
-    <a:fontScheme name="Office">
+    <a:fontScheme name="Quotable">
       <a:majorFont>
-        <a:latin typeface="Calibri Light" panose="020F0302020204030204"/>
+        <a:latin typeface="Century Gothic" panose="020B0502020202020204"/>
         <a:ea typeface=""/>
         <a:cs typeface=""/>
-        <a:font script="Jpan" typeface="游ゴシック Light"/>
+        <a:font script="Jpan" typeface="ＭＳ ゴシック"/>
         <a:font script="Hang" typeface="맑은 고딕"/>
-        <a:font script="Hans" typeface="等线 Light"/>
+        <a:font script="Hans" typeface="宋体"/>
         <a:font script="Hant" typeface="新細明體"/>
-        <a:font script="Arab" typeface="Times New Roman"/>
-        <a:font script="Hebr" typeface="Times New Roman"/>
-        <a:font script="Thai" typeface="Angsana New"/>
-        <a:font script="Ethi" typeface="Nyala"/>
-        <a:font script="Beng" typeface="Vrinda"/>
-        <a:font script="Gujr" typeface="Shruti"/>
-        <a:font script="Khmr" typeface="MoolBoran"/>
-        <a:font script="Knda" typeface="Tunga"/>
-        <a:font script="Guru" typeface="Raavi"/>
-        <a:font script="Cans" typeface="Euphemia"/>
-        <a:font script="Cher" typeface="Plantagenet Cherokee"/>
-        <a:font script="Yiii" typeface="Microsoft Yi Baiti"/>
-        <a:font script="Tibt" typeface="Microsoft Himalaya"/>
-        <a:font script="Thaa" typeface="MV Boli"/>
-        <a:font script="Deva" typeface="Mangal"/>
-        <a:font script="Telu" typeface="Gautami"/>
-        <a:font script="Taml" typeface="Latha"/>
-        <a:font script="Syrc" typeface="Estrangelo Edessa"/>
-        <a:font script="Orya" typeface="Kalinga"/>
-        <a:font script="Mlym" typeface="Kartika"/>
-        <a:font script="Laoo" typeface="DokChampa"/>
-        <a:font script="Sinh" typeface="Iskoola Pota"/>
-        <a:font script="Mong" typeface="Mongolian Baiti"/>
-        <a:font script="Viet" typeface="Times New Roman"/>
-        <a:font script="Uigh" typeface="Microsoft Uighur"/>
-        <a:font script="Geor" typeface="Sylfaen"/>
-        <a:font script="Armn" typeface="Arial"/>
-        <a:font script="Bugi" typeface="Leelawadee UI"/>
-        <a:font script="Bopo" typeface="Microsoft JhengHei"/>
-        <a:font script="Java" typeface="Javanese Text"/>
-        <a:font script="Lisu" typeface="Segoe UI"/>
-        <a:font script="Mymr" typeface="Myanmar Text"/>
-        <a:font script="Nkoo" typeface="Ebrima"/>
-        <a:font script="Olck" typeface="Nirmala UI"/>
-        <a:font script="Osma" typeface="Ebrima"/>
-        <a:font script="Phag" typeface="Phagspa"/>
-        <a:font script="Syrn" typeface="Estrangelo Edessa"/>
-        <a:font script="Syrj" typeface="Estrangelo Edessa"/>
-        <a:font script="Syre" typeface="Estrangelo Edessa"/>
-        <a:font script="Sora" typeface="Nirmala UI"/>
-        <a:font script="Tale" typeface="Microsoft Tai Le"/>
-        <a:font script="Talu" typeface="Microsoft New Tai Lue"/>
-        <a:font script="Tfng" typeface="Ebrima"/>
-      </a:majorFont>
-      <a:minorFont>
-        <a:latin typeface="Calibri" panose="020F0502020204030204"/>
-        <a:ea typeface=""/>
-        <a:cs typeface=""/>
-        <a:font script="Jpan" typeface="游ゴシック"/>
-        <a:font script="Hang" typeface="맑은 고딕"/>
-        <a:font script="Hans" typeface="等线"/>
-        <a:font script="Hant" typeface="新細明體"/>
-        <a:font script="Arab" typeface="Arial"/>
-        <a:font script="Hebr" typeface="Arial"/>
-        <a:font script="Thai" typeface="Cordia New"/>
+        <a:font script="Arab" typeface="Tahoma"/>
+        <a:font script="Hebr" typeface="Gisha"/>
+        <a:font script="Thai" typeface="DilleniaUPC"/>
         <a:font script="Ethi" typeface="Nyala"/>
         <a:font script="Beng" typeface="Vrinda"/>
         <a:font script="Gujr" typeface="Shruti"/>
@@ -4200,29 +6366,47 @@
         <a:font script="Laoo" typeface="DokChampa"/>
         <a:font script="Sinh" typeface="Iskoola Pota"/>
         <a:font script="Mong" typeface="Mongolian Baiti"/>
-        <a:font script="Viet" typeface="Arial"/>
+        <a:font script="Viet" typeface="Tahoma"/>
         <a:font script="Uigh" typeface="Microsoft Uighur"/>
         <a:font script="Geor" typeface="Sylfaen"/>
-        <a:font script="Armn" typeface="Arial"/>
-        <a:font script="Bugi" typeface="Leelawadee UI"/>
-        <a:font script="Bopo" typeface="Microsoft JhengHei"/>
-        <a:font script="Java" typeface="Javanese Text"/>
-        <a:font script="Lisu" typeface="Segoe UI"/>
-        <a:font script="Mymr" typeface="Myanmar Text"/>
-        <a:font script="Nkoo" typeface="Ebrima"/>
-        <a:font script="Olck" typeface="Nirmala UI"/>
-        <a:font script="Osma" typeface="Ebrima"/>
-        <a:font script="Phag" typeface="Phagspa"/>
-        <a:font script="Syrn" typeface="Estrangelo Edessa"/>
-        <a:font script="Syrj" typeface="Estrangelo Edessa"/>
-        <a:font script="Syre" typeface="Estrangelo Edessa"/>
-        <a:font script="Sora" typeface="Nirmala UI"/>
-        <a:font script="Tale" typeface="Microsoft Tai Le"/>
-        <a:font script="Talu" typeface="Microsoft New Tai Lue"/>
-        <a:font script="Tfng" typeface="Ebrima"/>
+      </a:majorFont>
+      <a:minorFont>
+        <a:latin typeface="Century Gothic" panose="020B0502020202020204"/>
+        <a:ea typeface=""/>
+        <a:cs typeface=""/>
+        <a:font script="Jpan" typeface="ＭＳ ゴシック"/>
+        <a:font script="Hang" typeface="맑은 고딕"/>
+        <a:font script="Hans" typeface="宋体"/>
+        <a:font script="Hant" typeface="新細明體"/>
+        <a:font script="Arab" typeface="Tahoma"/>
+        <a:font script="Hebr" typeface="Gisha"/>
+        <a:font script="Thai" typeface="DilleniaUPC"/>
+        <a:font script="Ethi" typeface="Nyala"/>
+        <a:font script="Beng" typeface="Vrinda"/>
+        <a:font script="Gujr" typeface="Shruti"/>
+        <a:font script="Khmr" typeface="DaunPenh"/>
+        <a:font script="Knda" typeface="Tunga"/>
+        <a:font script="Guru" typeface="Raavi"/>
+        <a:font script="Cans" typeface="Euphemia"/>
+        <a:font script="Cher" typeface="Plantagenet Cherokee"/>
+        <a:font script="Yiii" typeface="Microsoft Yi Baiti"/>
+        <a:font script="Tibt" typeface="Microsoft Himalaya"/>
+        <a:font script="Thaa" typeface="MV Boli"/>
+        <a:font script="Deva" typeface="Mangal"/>
+        <a:font script="Telu" typeface="Gautami"/>
+        <a:font script="Taml" typeface="Latha"/>
+        <a:font script="Syrc" typeface="Estrangelo Edessa"/>
+        <a:font script="Orya" typeface="Kalinga"/>
+        <a:font script="Mlym" typeface="Kartika"/>
+        <a:font script="Laoo" typeface="DokChampa"/>
+        <a:font script="Sinh" typeface="Iskoola Pota"/>
+        <a:font script="Mong" typeface="Mongolian Baiti"/>
+        <a:font script="Viet" typeface="Verdana"/>
+        <a:font script="Uigh" typeface="Microsoft Uighur"/>
+        <a:font script="Geor" typeface="Sylfaen"/>
       </a:minorFont>
     </a:fontScheme>
-    <a:fmtScheme name="Office">
+    <a:fmtScheme name="Quotable">
       <a:fillStyleLst>
         <a:solidFill>
           <a:schemeClr val="phClr"/>
@@ -4231,76 +6415,52 @@
           <a:gsLst>
             <a:gs pos="0">
               <a:schemeClr val="phClr">
-                <a:lumMod val="110000"/>
-                <a:satMod val="105000"/>
-                <a:tint val="67000"/>
-              </a:schemeClr>
-            </a:gs>
-            <a:gs pos="50000">
-              <a:schemeClr val="phClr">
+                <a:tint val="80000"/>
                 <a:lumMod val="105000"/>
-                <a:satMod val="103000"/>
-                <a:tint val="73000"/>
               </a:schemeClr>
             </a:gs>
             <a:gs pos="100000">
               <a:schemeClr val="phClr">
-                <a:lumMod val="105000"/>
-                <a:satMod val="109000"/>
-                <a:tint val="81000"/>
+                <a:tint val="90000"/>
               </a:schemeClr>
             </a:gs>
           </a:gsLst>
           <a:lin ang="5400000" scaled="0"/>
         </a:gradFill>
-        <a:gradFill rotWithShape="1">
-          <a:gsLst>
-            <a:gs pos="0">
+        <a:blipFill rotWithShape="1">
+          <a:blip xmlns:r="http://schemas.openxmlformats.org/officeDocument/2006/relationships" r:embed="rId1">
+            <a:duotone>
               <a:schemeClr val="phClr">
-                <a:satMod val="103000"/>
+                <a:tint val="98000"/>
                 <a:lumMod val="102000"/>
-                <a:tint val="94000"/>
               </a:schemeClr>
-            </a:gs>
-            <a:gs pos="50000">
               <a:schemeClr val="phClr">
-                <a:satMod val="110000"/>
-                <a:lumMod val="100000"/>
-                <a:shade val="100000"/>
+                <a:shade val="98000"/>
+                <a:lumMod val="98000"/>
               </a:schemeClr>
-            </a:gs>
-            <a:gs pos="100000">
-              <a:schemeClr val="phClr">
-                <a:lumMod val="99000"/>
-                <a:satMod val="120000"/>
-                <a:shade val="78000"/>
-              </a:schemeClr>
-            </a:gs>
-          </a:gsLst>
-          <a:lin ang="5400000" scaled="0"/>
-        </a:gradFill>
+            </a:duotone>
+          </a:blip>
+          <a:tile tx="0" ty="0" sx="100000" sy="100000" flip="none" algn="tl"/>
+        </a:blipFill>
       </a:fillStyleLst>
       <a:lnStyleLst>
-        <a:ln w="6350" cap="flat" cmpd="sng" algn="ctr">
+        <a:ln w="9525" cap="rnd" cmpd="sng" algn="ctr">
           <a:solidFill>
             <a:schemeClr val="phClr"/>
           </a:solidFill>
           <a:prstDash val="solid"/>
-          <a:miter lim="800000"/>
         </a:ln>
-        <a:ln w="12700" cap="flat" cmpd="sng" algn="ctr">
+        <a:ln w="15875" cap="rnd" cmpd="sng" algn="ctr">
           <a:solidFill>
             <a:schemeClr val="phClr"/>
           </a:solidFill>
           <a:prstDash val="solid"/>
-          <a:miter lim="800000"/>
         </a:ln>
-        <a:ln w="19050" cap="flat" cmpd="sng" algn="ctr">
+        <a:ln w="25400" cap="rnd" cmpd="sng" algn="ctr">
           <a:solidFill>
             <a:schemeClr val="phClr"/>
           </a:solidFill>
           <a:prstDash val="solid"/>
-          <a:miter lim="800000"/>
         </a:ln>
       </a:lnStyleLst>
       <a:effectStyleLst>
@@ -4312,11 +6472,11 @@
         </a:effectStyle>
         <a:effectStyle>
           <a:effectLst>
-            <a:outerShdw blurRad="57150" dist="19050" dir="5400000" algn="ctr" rotWithShape="0">
+            <a:innerShdw blurRad="63500" dist="25400" dir="13500000">
               <a:srgbClr val="000000">
-                <a:alpha val="63000"/>
+                <a:alpha val="75000"/>
               </a:srgbClr>
-            </a:outerShdw>
+            </a:innerShdw>
           </a:effectLst>
         </a:effectStyle>
       </a:effectStyleLst>
@@ -4324,35 +6484,35 @@
         <a:solidFill>
           <a:schemeClr val="phClr"/>
         </a:solidFill>
-        <a:solidFill>
-          <a:schemeClr val="phClr">
-            <a:tint val="95000"/>
-            <a:satMod val="170000"/>
-          </a:schemeClr>
-        </a:solidFill>
         <a:gradFill rotWithShape="1">
           <a:gsLst>
             <a:gs pos="0">
               <a:schemeClr val="phClr">
-                <a:tint val="93000"/>
-                <a:satMod val="150000"/>
-                <a:shade val="98000"/>
-                <a:lumMod val="102000"/>
-              </a:schemeClr>
-            </a:gs>
-            <a:gs pos="50000">
-              <a:schemeClr val="phClr">
-                <a:tint val="98000"/>
-                <a:satMod val="130000"/>
-                <a:shade val="90000"/>
-                <a:lumMod val="103000"/>
+                <a:tint val="100000"/>
               </a:schemeClr>
             </a:gs>
             <a:gs pos="100000">
               <a:schemeClr val="phClr">
-                <a:shade val="63000"/>
+                <a:tint val="84000"/>
+                <a:shade val="84000"/>
+                <a:lumMod val="90000"/>
+              </a:schemeClr>
+            </a:gs>
+          </a:gsLst>
+          <a:lin ang="5400000" scaled="0"/>
+        </a:gradFill>
+        <a:gradFill rotWithShape="1">
+          <a:gsLst>
+            <a:gs pos="0">
+              <a:schemeClr val="phClr">
+                <a:tint val="84000"/>
+                <a:shade val="90000"/>
                 <a:satMod val="120000"/>
+                <a:lumMod val="90000"/>
               </a:schemeClr>
+            </a:gs>
+            <a:gs pos="100000">
+              <a:schemeClr val="phClr"/>
             </a:gs>
           </a:gsLst>
           <a:lin ang="5400000" scaled="0"/>
@@ -4364,7 +6524,7 @@
   <a:extraClrSchemeLst/>
   <a:extLst>
     <a:ext uri="{05A4C25C-085E-4340-85A3-A5531E510DB2}">
-      <thm15:themeFamily xmlns:thm15="http://schemas.microsoft.com/office/thememl/2012/main" name="Office Theme" id="{62F939B6-93AF-4DB8-9C6B-D6C7DFDC589F}" vid="{4A3C46E8-61CC-4603-A589-7422A47A8E4A}"/>
+      <thm15:themeFamily xmlns:thm15="http://schemas.microsoft.com/office/thememl/2012/main" name="Quotable" id="{39EC5628-30ED-4578-ACD8-9820EDB8E15A}" vid="{6F3559E9-1A4C-49D8-94D4-F41003531C49}"/>
     </a:ext>
   </a:extLst>
 </a:theme>
